--- a/week08/week08.pptx
+++ b/week08/week08.pptx
@@ -5,35 +5,37 @@
     <p:sldMasterId id="2147483660" r:id="rId1"/>
   </p:sldMasterIdLst>
   <p:notesMasterIdLst>
-    <p:notesMasterId r:id="rId28"/>
+    <p:notesMasterId r:id="rId30"/>
   </p:notesMasterIdLst>
   <p:sldIdLst>
     <p:sldId id="256" r:id="rId2"/>
     <p:sldId id="373" r:id="rId3"/>
-    <p:sldId id="283" r:id="rId4"/>
-    <p:sldId id="284" r:id="rId5"/>
-    <p:sldId id="285" r:id="rId6"/>
-    <p:sldId id="286" r:id="rId7"/>
-    <p:sldId id="290" r:id="rId8"/>
-    <p:sldId id="313" r:id="rId9"/>
-    <p:sldId id="314" r:id="rId10"/>
-    <p:sldId id="315" r:id="rId11"/>
-    <p:sldId id="316" r:id="rId12"/>
-    <p:sldId id="317" r:id="rId13"/>
-    <p:sldId id="319" r:id="rId14"/>
-    <p:sldId id="320" r:id="rId15"/>
-    <p:sldId id="321" r:id="rId16"/>
-    <p:sldId id="322" r:id="rId17"/>
-    <p:sldId id="323" r:id="rId18"/>
-    <p:sldId id="324" r:id="rId19"/>
-    <p:sldId id="325" r:id="rId20"/>
-    <p:sldId id="326" r:id="rId21"/>
-    <p:sldId id="327" r:id="rId22"/>
-    <p:sldId id="328" r:id="rId23"/>
-    <p:sldId id="329" r:id="rId24"/>
-    <p:sldId id="330" r:id="rId25"/>
-    <p:sldId id="370" r:id="rId26"/>
-    <p:sldId id="372" r:id="rId27"/>
+    <p:sldId id="374" r:id="rId4"/>
+    <p:sldId id="283" r:id="rId5"/>
+    <p:sldId id="284" r:id="rId6"/>
+    <p:sldId id="285" r:id="rId7"/>
+    <p:sldId id="286" r:id="rId8"/>
+    <p:sldId id="290" r:id="rId9"/>
+    <p:sldId id="313" r:id="rId10"/>
+    <p:sldId id="314" r:id="rId11"/>
+    <p:sldId id="315" r:id="rId12"/>
+    <p:sldId id="316" r:id="rId13"/>
+    <p:sldId id="317" r:id="rId14"/>
+    <p:sldId id="319" r:id="rId15"/>
+    <p:sldId id="375" r:id="rId16"/>
+    <p:sldId id="320" r:id="rId17"/>
+    <p:sldId id="321" r:id="rId18"/>
+    <p:sldId id="322" r:id="rId19"/>
+    <p:sldId id="323" r:id="rId20"/>
+    <p:sldId id="324" r:id="rId21"/>
+    <p:sldId id="325" r:id="rId22"/>
+    <p:sldId id="326" r:id="rId23"/>
+    <p:sldId id="327" r:id="rId24"/>
+    <p:sldId id="328" r:id="rId25"/>
+    <p:sldId id="329" r:id="rId26"/>
+    <p:sldId id="330" r:id="rId27"/>
+    <p:sldId id="370" r:id="rId28"/>
+    <p:sldId id="372" r:id="rId29"/>
   </p:sldIdLst>
   <p:sldSz cx="9144000" cy="6858000" type="screen4x3"/>
   <p:notesSz cx="6858000" cy="9144000"/>
@@ -218,7 +220,7 @@
             <a:fld id="{A97C8422-C8B8-4BC4-B711-60DC022E0201}" type="datetimeFigureOut">
               <a:rPr lang="en-US" smtClean="0"/>
               <a:pPr/>
-              <a:t>10/14/14</a:t>
+              <a:t>10/15/14</a:t>
             </a:fld>
             <a:endParaRPr lang="en-US"/>
           </a:p>
@@ -553,7 +555,7 @@
             <a:fld id="{DE04B385-195D-42A6-AD53-ED33A3B9CE57}" type="slidenum">
               <a:rPr lang="en-US" smtClean="0"/>
               <a:pPr/>
-              <a:t>4</a:t>
+              <a:t>5</a:t>
             </a:fld>
             <a:endParaRPr lang="en-US"/>
           </a:p>
@@ -654,7 +656,7 @@
             <a:fld id="{DE04B385-195D-42A6-AD53-ED33A3B9CE57}" type="slidenum">
               <a:rPr lang="en-US" smtClean="0"/>
               <a:pPr/>
-              <a:t>20</a:t>
+              <a:t>22</a:t>
             </a:fld>
             <a:endParaRPr lang="en-US"/>
           </a:p>
@@ -739,7 +741,7 @@
             <a:fld id="{DE04B385-195D-42A6-AD53-ED33A3B9CE57}" type="slidenum">
               <a:rPr lang="en-US" smtClean="0"/>
               <a:pPr/>
-              <a:t>24</a:t>
+              <a:t>26</a:t>
             </a:fld>
             <a:endParaRPr lang="en-US"/>
           </a:p>
@@ -824,7 +826,7 @@
             <a:fld id="{DE04B385-195D-42A6-AD53-ED33A3B9CE57}" type="slidenum">
               <a:rPr lang="en-US" smtClean="0"/>
               <a:pPr/>
-              <a:t>25</a:t>
+              <a:t>27</a:t>
             </a:fld>
             <a:endParaRPr lang="en-US"/>
           </a:p>
@@ -932,7 +934,7 @@
             <a:fld id="{DE04B385-195D-42A6-AD53-ED33A3B9CE57}" type="slidenum">
               <a:rPr lang="en-US" smtClean="0"/>
               <a:pPr/>
-              <a:t>6</a:t>
+              <a:t>7</a:t>
             </a:fld>
             <a:endParaRPr lang="en-US"/>
           </a:p>
@@ -1021,7 +1023,7 @@
             <a:fld id="{DE04B385-195D-42A6-AD53-ED33A3B9CE57}" type="slidenum">
               <a:rPr lang="en-US" smtClean="0"/>
               <a:pPr/>
-              <a:t>13</a:t>
+              <a:t>14</a:t>
             </a:fld>
             <a:endParaRPr lang="en-US"/>
           </a:p>
@@ -1114,7 +1116,7 @@
             <a:fld id="{DE04B385-195D-42A6-AD53-ED33A3B9CE57}" type="slidenum">
               <a:rPr lang="en-US" smtClean="0"/>
               <a:pPr/>
-              <a:t>14</a:t>
+              <a:t>16</a:t>
             </a:fld>
             <a:endParaRPr lang="en-US"/>
           </a:p>
@@ -1199,7 +1201,7 @@
             <a:fld id="{DE04B385-195D-42A6-AD53-ED33A3B9CE57}" type="slidenum">
               <a:rPr lang="en-US" smtClean="0"/>
               <a:pPr/>
-              <a:t>15</a:t>
+              <a:t>17</a:t>
             </a:fld>
             <a:endParaRPr lang="en-US"/>
           </a:p>
@@ -1284,7 +1286,7 @@
             <a:fld id="{DE04B385-195D-42A6-AD53-ED33A3B9CE57}" type="slidenum">
               <a:rPr lang="en-US" smtClean="0"/>
               <a:pPr/>
-              <a:t>16</a:t>
+              <a:t>18</a:t>
             </a:fld>
             <a:endParaRPr lang="en-US"/>
           </a:p>
@@ -1369,7 +1371,7 @@
             <a:fld id="{DE04B385-195D-42A6-AD53-ED33A3B9CE57}" type="slidenum">
               <a:rPr lang="en-US" smtClean="0"/>
               <a:pPr/>
-              <a:t>17</a:t>
+              <a:t>19</a:t>
             </a:fld>
             <a:endParaRPr lang="en-US"/>
           </a:p>
@@ -1454,7 +1456,7 @@
             <a:fld id="{DE04B385-195D-42A6-AD53-ED33A3B9CE57}" type="slidenum">
               <a:rPr lang="en-US" smtClean="0"/>
               <a:pPr/>
-              <a:t>18</a:t>
+              <a:t>20</a:t>
             </a:fld>
             <a:endParaRPr lang="en-US"/>
           </a:p>
@@ -1539,7 +1541,7 @@
             <a:fld id="{DE04B385-195D-42A6-AD53-ED33A3B9CE57}" type="slidenum">
               <a:rPr lang="en-US" smtClean="0"/>
               <a:pPr/>
-              <a:t>19</a:t>
+              <a:t>21</a:t>
             </a:fld>
             <a:endParaRPr lang="en-US"/>
           </a:p>
@@ -1780,7 +1782,7 @@
             <a:fld id="{6534EC56-5BE0-CF40-A0E9-9B07941CA105}" type="datetimeFigureOut">
               <a:rPr lang="en-US" smtClean="0"/>
               <a:pPr/>
-              <a:t>10/14/14</a:t>
+              <a:t>10/15/14</a:t>
             </a:fld>
             <a:endParaRPr lang="en-US"/>
           </a:p>
@@ -2114,7 +2116,7 @@
             <a:fld id="{6534EC56-5BE0-CF40-A0E9-9B07941CA105}" type="datetimeFigureOut">
               <a:rPr lang="en-US" smtClean="0"/>
               <a:pPr/>
-              <a:t>10/14/14</a:t>
+              <a:t>10/15/14</a:t>
             </a:fld>
             <a:endParaRPr lang="en-US"/>
           </a:p>
@@ -2448,7 +2450,7 @@
             <a:fld id="{6534EC56-5BE0-CF40-A0E9-9B07941CA105}" type="datetimeFigureOut">
               <a:rPr lang="en-US" smtClean="0"/>
               <a:pPr/>
-              <a:t>10/14/14</a:t>
+              <a:t>10/15/14</a:t>
             </a:fld>
             <a:endParaRPr lang="en-US"/>
           </a:p>
@@ -2782,7 +2784,7 @@
             <a:fld id="{6534EC56-5BE0-CF40-A0E9-9B07941CA105}" type="datetimeFigureOut">
               <a:rPr lang="en-US" smtClean="0"/>
               <a:pPr/>
-              <a:t>10/14/14</a:t>
+              <a:t>10/15/14</a:t>
             </a:fld>
             <a:endParaRPr lang="en-US"/>
           </a:p>
@@ -3473,7 +3475,7 @@
             <a:fld id="{6534EC56-5BE0-CF40-A0E9-9B07941CA105}" type="datetimeFigureOut">
               <a:rPr lang="en-US" smtClean="0"/>
               <a:pPr/>
-              <a:t>10/14/14</a:t>
+              <a:t>10/15/14</a:t>
             </a:fld>
             <a:endParaRPr lang="en-US"/>
           </a:p>
@@ -3654,7 +3656,7 @@
             <a:fld id="{6534EC56-5BE0-CF40-A0E9-9B07941CA105}" type="datetimeFigureOut">
               <a:rPr lang="en-US" smtClean="0"/>
               <a:pPr/>
-              <a:t>10/14/14</a:t>
+              <a:t>10/15/14</a:t>
             </a:fld>
             <a:endParaRPr lang="en-US"/>
           </a:p>
@@ -3830,7 +3832,7 @@
             <a:fld id="{6534EC56-5BE0-CF40-A0E9-9B07941CA105}" type="datetimeFigureOut">
               <a:rPr lang="en-US" smtClean="0"/>
               <a:pPr/>
-              <a:t>10/14/14</a:t>
+              <a:t>10/15/14</a:t>
             </a:fld>
             <a:endParaRPr lang="en-US"/>
           </a:p>
@@ -4080,7 +4082,7 @@
             <a:fld id="{6534EC56-5BE0-CF40-A0E9-9B07941CA105}" type="datetimeFigureOut">
               <a:rPr lang="en-US" smtClean="0"/>
               <a:pPr/>
-              <a:t>10/14/14</a:t>
+              <a:t>10/15/14</a:t>
             </a:fld>
             <a:endParaRPr lang="en-US"/>
           </a:p>
@@ -4412,7 +4414,7 @@
             <a:fld id="{6534EC56-5BE0-CF40-A0E9-9B07941CA105}" type="datetimeFigureOut">
               <a:rPr lang="en-US" smtClean="0"/>
               <a:pPr/>
-              <a:t>10/14/14</a:t>
+              <a:t>10/15/14</a:t>
             </a:fld>
             <a:endParaRPr lang="en-US"/>
           </a:p>
@@ -4706,7 +4708,7 @@
             <a:fld id="{6534EC56-5BE0-CF40-A0E9-9B07941CA105}" type="datetimeFigureOut">
               <a:rPr lang="en-US" smtClean="0"/>
               <a:pPr/>
-              <a:t>10/14/14</a:t>
+              <a:t>10/15/14</a:t>
             </a:fld>
             <a:endParaRPr lang="en-US"/>
           </a:p>
@@ -5144,7 +5146,7 @@
             <a:fld id="{6534EC56-5BE0-CF40-A0E9-9B07941CA105}" type="datetimeFigureOut">
               <a:rPr lang="en-US" smtClean="0"/>
               <a:pPr/>
-              <a:t>10/14/14</a:t>
+              <a:t>10/15/14</a:t>
             </a:fld>
             <a:endParaRPr lang="en-US"/>
           </a:p>
@@ -5333,7 +5335,7 @@
             <a:fld id="{6534EC56-5BE0-CF40-A0E9-9B07941CA105}" type="datetimeFigureOut">
               <a:rPr lang="en-US" smtClean="0"/>
               <a:pPr/>
-              <a:t>10/14/14</a:t>
+              <a:t>10/15/14</a:t>
             </a:fld>
             <a:endParaRPr lang="en-US"/>
           </a:p>
@@ -5425,7 +5427,7 @@
             <a:fld id="{6534EC56-5BE0-CF40-A0E9-9B07941CA105}" type="datetimeFigureOut">
               <a:rPr lang="en-US" smtClean="0"/>
               <a:pPr/>
-              <a:t>10/14/14</a:t>
+              <a:t>10/15/14</a:t>
             </a:fld>
             <a:endParaRPr lang="en-US"/>
           </a:p>
@@ -5708,7 +5710,7 @@
             <a:fld id="{6534EC56-5BE0-CF40-A0E9-9B07941CA105}" type="datetimeFigureOut">
               <a:rPr lang="en-US" smtClean="0"/>
               <a:pPr/>
-              <a:t>10/14/14</a:t>
+              <a:t>10/15/14</a:t>
             </a:fld>
             <a:endParaRPr lang="en-US"/>
           </a:p>
@@ -5931,7 +5933,7 @@
             <a:fld id="{6534EC56-5BE0-CF40-A0E9-9B07941CA105}" type="datetimeFigureOut">
               <a:rPr lang="en-US" smtClean="0"/>
               <a:pPr/>
-              <a:t>10/14/14</a:t>
+              <a:t>10/15/14</a:t>
             </a:fld>
             <a:endParaRPr lang="en-US"/>
           </a:p>
@@ -6530,22 +6532,72 @@
             <p:ph type="title"/>
           </p:nvPr>
         </p:nvSpPr>
-        <p:spPr>
-          <a:xfrm>
-            <a:off x="685800" y="-115257"/>
-            <a:ext cx="7770813" cy="1429871"/>
-          </a:xfrm>
-        </p:spPr>
+        <p:spPr/>
         <p:txBody>
           <a:bodyPr/>
           <a:lstStyle/>
           <a:p>
             <a:r>
+              <a:rPr lang="en-US" dirty="0" smtClean="0"/>
+              <a:t>AJAX</a:t>
+            </a:r>
+            <a:endParaRPr lang="en-US" dirty="0"/>
+          </a:p>
+        </p:txBody>
+      </p:sp>
+      <p:sp>
+        <p:nvSpPr>
+          <p:cNvPr id="3" name="Content Placeholder 2"/>
+          <p:cNvSpPr>
+            <a:spLocks noGrp="1"/>
+          </p:cNvSpPr>
+          <p:nvPr>
+            <p:ph idx="1"/>
+          </p:nvPr>
+        </p:nvSpPr>
+        <p:spPr/>
+        <p:txBody>
+          <a:bodyPr/>
+          <a:lstStyle/>
+          <a:p>
+            <a:r>
+              <a:rPr lang="en-US" dirty="0" smtClean="0"/>
+              <a:t>Done with </a:t>
+            </a:r>
+            <a:r>
               <a:rPr lang="en-US" dirty="0" err="1" smtClean="0">
                 <a:latin typeface="Courier New"/>
                 <a:cs typeface="Courier New"/>
               </a:rPr>
               <a:t>XMLHttpRequest</a:t>
+            </a:r>
+            <a:endParaRPr lang="en-US" dirty="0"/>
+          </a:p>
+          <a:p>
+            <a:pPr lvl="1"/>
+            <a:r>
+              <a:rPr lang="en-US" dirty="0" smtClean="0"/>
+              <a:t>API for sending requests to a web server within JavaScript</a:t>
+            </a:r>
+          </a:p>
+          <a:p>
+            <a:r>
+              <a:rPr lang="en-US" dirty="0" smtClean="0"/>
+              <a:t>Many libraries simplify the development of AJAX</a:t>
+            </a:r>
+          </a:p>
+          <a:p>
+            <a:pPr lvl="1"/>
+            <a:r>
+              <a:rPr lang="en-US" dirty="0" smtClean="0"/>
+              <a:t>…we won’t use any of them in this lecture</a:t>
+            </a:r>
+          </a:p>
+          <a:p>
+            <a:pPr lvl="1"/>
+            <a:r>
+              <a:rPr lang="en-US" dirty="0" smtClean="0"/>
+              <a:t>…but you may for your final projects</a:t>
             </a:r>
             <a:endParaRPr lang="en-US" dirty="0">
               <a:latin typeface="Courier New"/>
@@ -6554,149 +6606,10 @@
           </a:p>
         </p:txBody>
       </p:sp>
-      <p:sp>
-        <p:nvSpPr>
-          <p:cNvPr id="3" name="Content Placeholder 2"/>
-          <p:cNvSpPr>
-            <a:spLocks noGrp="1"/>
-          </p:cNvSpPr>
-          <p:nvPr>
-            <p:ph idx="1"/>
-          </p:nvPr>
-        </p:nvSpPr>
-        <p:spPr>
-          <a:xfrm>
-            <a:off x="685800" y="1278441"/>
-            <a:ext cx="7770813" cy="4257022"/>
-          </a:xfrm>
-        </p:spPr>
-        <p:txBody>
-          <a:bodyPr>
-            <a:noAutofit/>
-          </a:bodyPr>
-          <a:lstStyle/>
-          <a:p>
-            <a:pPr>
-              <a:spcBef>
-                <a:spcPts val="600"/>
-              </a:spcBef>
-            </a:pPr>
-            <a:r>
-              <a:rPr lang="en-US" sz="2400" dirty="0" smtClean="0">
-                <a:latin typeface="Courier New"/>
-                <a:cs typeface="Courier New"/>
-              </a:rPr>
-              <a:t>.</a:t>
-            </a:r>
-            <a:r>
-              <a:rPr lang="en-US" sz="2400" dirty="0" err="1" smtClean="0">
-                <a:latin typeface="Courier New"/>
-                <a:cs typeface="Courier New"/>
-              </a:rPr>
-              <a:t>readyState</a:t>
-            </a:r>
-            <a:endParaRPr lang="en-US" sz="2400" dirty="0" smtClean="0">
-              <a:latin typeface="Courier New"/>
-              <a:cs typeface="Courier New"/>
-            </a:endParaRPr>
-          </a:p>
-          <a:p>
-            <a:pPr lvl="1"/>
-            <a:r>
-              <a:rPr lang="en-US" sz="2400" dirty="0" smtClean="0">
-                <a:latin typeface="Courier New"/>
-                <a:cs typeface="Courier New"/>
-              </a:rPr>
-              <a:t>1</a:t>
-            </a:r>
-            <a:r>
-              <a:rPr lang="en-US" sz="2400" dirty="0">
-                <a:latin typeface="Courier New"/>
-                <a:cs typeface="Courier New"/>
-              </a:rPr>
-              <a:t>:</a:t>
-            </a:r>
-            <a:r>
-              <a:rPr lang="en-US" sz="2400" dirty="0" smtClean="0"/>
-              <a:t> </a:t>
-            </a:r>
-            <a:r>
-              <a:rPr lang="en-US" sz="2400" dirty="0" smtClean="0">
-                <a:latin typeface="Courier New"/>
-                <a:cs typeface="Courier New"/>
-              </a:rPr>
-              <a:t>open</a:t>
-            </a:r>
-            <a:r>
-              <a:rPr lang="en-US" sz="2400" dirty="0" smtClean="0"/>
-              <a:t> method has been successfully called</a:t>
-            </a:r>
-          </a:p>
-          <a:p>
-            <a:pPr lvl="1"/>
-            <a:r>
-              <a:rPr lang="en-US" sz="2400" dirty="0">
-                <a:latin typeface="Courier New"/>
-                <a:cs typeface="Courier New"/>
-              </a:rPr>
-              <a:t>2: send</a:t>
-            </a:r>
-            <a:r>
-              <a:rPr lang="en-US" sz="2400" dirty="0"/>
-              <a:t> method has been successfully </a:t>
-            </a:r>
-            <a:r>
-              <a:rPr lang="en-US" sz="2400" dirty="0" smtClean="0"/>
-              <a:t>called, response headers have been </a:t>
-            </a:r>
-            <a:r>
-              <a:rPr lang="en-US" sz="2400" dirty="0" err="1" smtClean="0"/>
-              <a:t>recieved</a:t>
-            </a:r>
-            <a:endParaRPr lang="en-US" sz="2400" dirty="0" smtClean="0"/>
-          </a:p>
-          <a:p>
-            <a:pPr lvl="1"/>
-            <a:r>
-              <a:rPr lang="en-US" sz="2400" dirty="0" smtClean="0">
-                <a:latin typeface="Courier New"/>
-                <a:cs typeface="Courier New"/>
-              </a:rPr>
-              <a:t>3: </a:t>
-            </a:r>
-            <a:r>
-              <a:rPr lang="en-US" sz="2400" dirty="0" smtClean="0"/>
-              <a:t>response has begun to load</a:t>
-            </a:r>
-            <a:endParaRPr lang="en-US" sz="2400" dirty="0">
-              <a:latin typeface="Courier New"/>
-              <a:cs typeface="Courier New"/>
-            </a:endParaRPr>
-          </a:p>
-          <a:p>
-            <a:pPr lvl="1"/>
-            <a:r>
-              <a:rPr lang="en-US" sz="2400" b="1" dirty="0" smtClean="0">
-                <a:latin typeface="Courier New"/>
-                <a:cs typeface="Courier New"/>
-              </a:rPr>
-              <a:t>4: </a:t>
-            </a:r>
-            <a:r>
-              <a:rPr lang="en-US" sz="2400" b="1" dirty="0" smtClean="0"/>
-              <a:t>response has finished loading</a:t>
-            </a:r>
-            <a:endParaRPr lang="en-US" sz="2400" b="1" dirty="0">
-              <a:latin typeface="Courier New"/>
-              <a:cs typeface="Courier New"/>
-            </a:endParaRPr>
-          </a:p>
-        </p:txBody>
-      </p:sp>
     </p:spTree>
     <p:extLst>
       <p:ext uri="{BB962C8B-B14F-4D97-AF65-F5344CB8AC3E}">
-        <p14:creationId xmlns:p14="http://schemas.microsoft.com/office/powerpoint/2010/main" val="1401892052"/>
+        <p14:creationId xmlns:p14="http://schemas.microsoft.com/office/powerpoint/2010/main" val="3467333126"/>
       </p:ext>
     </p:extLst>
   </p:cSld>
@@ -6796,52 +6709,117 @@
                 <a:latin typeface="Courier New"/>
                 <a:cs typeface="Courier New"/>
               </a:rPr>
-              <a:t>.status</a:t>
-            </a:r>
+              <a:t>.</a:t>
+            </a:r>
+            <a:r>
+              <a:rPr lang="en-US" sz="2400" dirty="0" err="1" smtClean="0">
+                <a:latin typeface="Courier New"/>
+                <a:cs typeface="Courier New"/>
+              </a:rPr>
+              <a:t>readyState</a:t>
+            </a:r>
+            <a:endParaRPr lang="en-US" sz="2400" dirty="0" smtClean="0">
+              <a:latin typeface="Courier New"/>
+              <a:cs typeface="Courier New"/>
+            </a:endParaRPr>
           </a:p>
           <a:p>
             <a:pPr lvl="1"/>
             <a:r>
+              <a:rPr lang="en-US" sz="2400" dirty="0" smtClean="0">
+                <a:latin typeface="Courier New"/>
+                <a:cs typeface="Courier New"/>
+              </a:rPr>
+              <a:t>1</a:t>
+            </a:r>
+            <a:r>
+              <a:rPr lang="en-US" sz="2400" dirty="0">
+                <a:latin typeface="Courier New"/>
+                <a:cs typeface="Courier New"/>
+              </a:rPr>
+              <a:t>:</a:t>
+            </a:r>
+            <a:r>
               <a:rPr lang="en-US" sz="2400" dirty="0" smtClean="0"/>
-              <a:t>Status code in the response from the server</a:t>
-            </a:r>
-          </a:p>
-          <a:p>
-            <a:pPr lvl="2"/>
+              <a:t> </a:t>
+            </a:r>
             <a:r>
               <a:rPr lang="en-US" sz="2400" dirty="0" smtClean="0">
                 <a:latin typeface="Courier New"/>
                 <a:cs typeface="Courier New"/>
               </a:rPr>
-              <a:t>200: OK</a:t>
-            </a:r>
-          </a:p>
-          <a:p>
-            <a:pPr lvl="2"/>
+              <a:t>open</a:t>
+            </a:r>
+            <a:r>
+              <a:rPr lang="en-US" sz="2400" dirty="0" smtClean="0"/>
+              <a:t> method has been successfully called</a:t>
+            </a:r>
+          </a:p>
+          <a:p>
+            <a:pPr lvl="1"/>
+            <a:r>
+              <a:rPr lang="en-US" sz="2400" dirty="0">
+                <a:latin typeface="Courier New"/>
+                <a:cs typeface="Courier New"/>
+              </a:rPr>
+              <a:t>2: send</a:t>
+            </a:r>
+            <a:r>
+              <a:rPr lang="en-US" sz="2400" dirty="0"/>
+              <a:t> method has been successfully </a:t>
+            </a:r>
+            <a:r>
+              <a:rPr lang="en-US" sz="2400" dirty="0" smtClean="0"/>
+              <a:t>called, response headers have been </a:t>
+            </a:r>
+            <a:r>
+              <a:rPr lang="en-US" sz="2400" dirty="0" smtClean="0"/>
+              <a:t>received</a:t>
+            </a:r>
+            <a:endParaRPr lang="en-US" sz="2400" dirty="0" smtClean="0"/>
+          </a:p>
+          <a:p>
+            <a:pPr lvl="1"/>
             <a:r>
               <a:rPr lang="en-US" sz="2400" dirty="0" smtClean="0">
                 <a:latin typeface="Courier New"/>
                 <a:cs typeface="Courier New"/>
               </a:rPr>
-              <a:t>403: Forbidden</a:t>
-            </a:r>
-          </a:p>
-          <a:p>
-            <a:pPr lvl="2"/>
-            <a:r>
-              <a:rPr lang="en-US" sz="2400" dirty="0" smtClean="0">
-                <a:latin typeface="Courier New"/>
-                <a:cs typeface="Courier New"/>
-              </a:rPr>
-              <a:t>404: Not found</a:t>
-            </a:r>
+              <a:t>3: </a:t>
+            </a:r>
+            <a:r>
+              <a:rPr lang="en-US" sz="2400" dirty="0" smtClean="0"/>
+              <a:t>response has begun to load</a:t>
+            </a:r>
+            <a:endParaRPr lang="en-US" sz="2400" dirty="0">
+              <a:latin typeface="Courier New"/>
+              <a:cs typeface="Courier New"/>
+            </a:endParaRPr>
+          </a:p>
+          <a:p>
+            <a:pPr lvl="1"/>
+            <a:r>
+              <a:rPr lang="en-US" sz="2400" b="1" dirty="0" smtClean="0">
+                <a:latin typeface="Courier New"/>
+                <a:cs typeface="Courier New"/>
+              </a:rPr>
+              <a:t>4: </a:t>
+            </a:r>
+            <a:r>
+              <a:rPr lang="en-US" sz="2400" b="1" dirty="0" smtClean="0"/>
+              <a:t>response has finished loading</a:t>
+            </a:r>
+            <a:endParaRPr lang="en-US" sz="2400" b="1" dirty="0">
+              <a:latin typeface="Courier New"/>
+              <a:cs typeface="Courier New"/>
+            </a:endParaRPr>
           </a:p>
         </p:txBody>
       </p:sp>
     </p:spTree>
     <p:extLst>
       <p:ext uri="{BB962C8B-B14F-4D97-AF65-F5344CB8AC3E}">
-        <p14:creationId xmlns:p14="http://schemas.microsoft.com/office/powerpoint/2010/main" val="3881036622"/>
+        <p14:creationId xmlns:p14="http://schemas.microsoft.com/office/powerpoint/2010/main" val="1401892052"/>
       </p:ext>
     </p:extLst>
   </p:cSld>
@@ -6941,169 +6919,52 @@
                 <a:latin typeface="Courier New"/>
                 <a:cs typeface="Courier New"/>
               </a:rPr>
-              <a:t>.</a:t>
-            </a:r>
-            <a:r>
-              <a:rPr lang="en-US" sz="2400" dirty="0" err="1" smtClean="0">
-                <a:latin typeface="Courier New"/>
-                <a:cs typeface="Courier New"/>
-              </a:rPr>
-              <a:t>onreadystatechange</a:t>
-            </a:r>
+              <a:t>.status</a:t>
+            </a:r>
+          </a:p>
+          <a:p>
+            <a:pPr lvl="1"/>
+            <a:r>
+              <a:rPr lang="en-US" sz="2400" dirty="0" smtClean="0"/>
+              <a:t>Status code in the response from the server</a:t>
+            </a:r>
+          </a:p>
+          <a:p>
+            <a:pPr lvl="2"/>
             <a:r>
               <a:rPr lang="en-US" sz="2400" dirty="0" smtClean="0">
                 <a:latin typeface="Courier New"/>
                 <a:cs typeface="Courier New"/>
               </a:rPr>
-              <a:t> = function()…</a:t>
-            </a:r>
-          </a:p>
-          <a:p>
-            <a:pPr lvl="1"/>
-            <a:r>
-              <a:rPr lang="en-US" sz="2400" dirty="0" smtClean="0"/>
-              <a:t>Called when </a:t>
-            </a:r>
+              <a:t>200: OK</a:t>
+            </a:r>
+          </a:p>
+          <a:p>
+            <a:pPr lvl="2"/>
             <a:r>
               <a:rPr lang="en-US" sz="2400" dirty="0" smtClean="0">
                 <a:latin typeface="Courier New"/>
                 <a:cs typeface="Courier New"/>
               </a:rPr>
-              <a:t>.</a:t>
-            </a:r>
-            <a:r>
-              <a:rPr lang="en-US" sz="2400" dirty="0" err="1" smtClean="0">
-                <a:latin typeface="Courier New"/>
-                <a:cs typeface="Courier New"/>
-              </a:rPr>
-              <a:t>readyState</a:t>
-            </a:r>
+              <a:t>403: Forbidden</a:t>
+            </a:r>
+          </a:p>
+          <a:p>
+            <a:pPr lvl="2"/>
             <a:r>
               <a:rPr lang="en-US" sz="2400" dirty="0" smtClean="0">
                 <a:latin typeface="Courier New"/>
                 <a:cs typeface="Courier New"/>
               </a:rPr>
-              <a:t> </a:t>
-            </a:r>
-            <a:r>
-              <a:rPr lang="en-US" sz="2400" dirty="0" smtClean="0"/>
-              <a:t>changes</a:t>
-            </a:r>
-          </a:p>
-          <a:p>
-            <a:pPr>
-              <a:spcBef>
-                <a:spcPts val="600"/>
-              </a:spcBef>
-            </a:pPr>
-            <a:r>
-              <a:rPr lang="en-US" sz="2400" dirty="0" smtClean="0">
-                <a:latin typeface="Courier New"/>
-                <a:cs typeface="Courier New"/>
-              </a:rPr>
-              <a:t>.open</a:t>
-            </a:r>
-            <a:r>
-              <a:rPr lang="en-US" sz="2400" dirty="0">
-                <a:latin typeface="Courier New"/>
-                <a:cs typeface="Courier New"/>
-              </a:rPr>
-              <a:t>(method, </a:t>
-            </a:r>
-            <a:r>
-              <a:rPr lang="en-US" sz="2400" dirty="0" err="1">
-                <a:latin typeface="Courier New"/>
-                <a:cs typeface="Courier New"/>
-              </a:rPr>
-              <a:t>url</a:t>
-            </a:r>
-            <a:r>
-              <a:rPr lang="en-US" sz="2400" dirty="0">
-                <a:latin typeface="Courier New"/>
-                <a:cs typeface="Courier New"/>
-              </a:rPr>
-              <a:t>)</a:t>
-            </a:r>
-          </a:p>
-          <a:p>
-            <a:pPr lvl="1"/>
-            <a:r>
-              <a:rPr lang="en-US" sz="2400" dirty="0"/>
-              <a:t>Specify a method (</a:t>
-            </a:r>
-            <a:r>
-              <a:rPr lang="en-US" sz="2400" dirty="0">
-                <a:latin typeface="Courier New"/>
-                <a:cs typeface="Courier New"/>
-              </a:rPr>
-              <a:t>GET</a:t>
-            </a:r>
-            <a:r>
-              <a:rPr lang="en-US" sz="2400" dirty="0"/>
-              <a:t>, </a:t>
-            </a:r>
-            <a:r>
-              <a:rPr lang="en-US" sz="2400" dirty="0">
-                <a:latin typeface="Courier New"/>
-                <a:cs typeface="Courier New"/>
-              </a:rPr>
-              <a:t>POST</a:t>
-            </a:r>
-            <a:r>
-              <a:rPr lang="en-US" sz="2400" dirty="0"/>
-              <a:t>, etc.) and a URL to fetch</a:t>
-            </a:r>
-            <a:endParaRPr lang="en-US" sz="2400" dirty="0">
-              <a:latin typeface="Courier New"/>
-              <a:cs typeface="Courier New"/>
-            </a:endParaRPr>
-          </a:p>
-          <a:p>
-            <a:pPr>
-              <a:spcBef>
-                <a:spcPts val="600"/>
-              </a:spcBef>
-            </a:pPr>
-            <a:r>
-              <a:rPr lang="en-US" sz="2400" dirty="0">
-                <a:latin typeface="Courier New"/>
-                <a:cs typeface="Courier New"/>
-              </a:rPr>
-              <a:t>.send()</a:t>
-            </a:r>
-          </a:p>
-          <a:p>
-            <a:pPr lvl="2"/>
-            <a:r>
-              <a:rPr lang="en-US" sz="2400" dirty="0"/>
-              <a:t>Sends the request (optional </a:t>
-            </a:r>
-            <a:r>
-              <a:rPr lang="en-US" sz="2400" dirty="0">
-                <a:latin typeface="Courier New"/>
-                <a:cs typeface="Courier New"/>
-              </a:rPr>
-              <a:t>data</a:t>
-            </a:r>
-            <a:r>
-              <a:rPr lang="en-US" sz="2400" dirty="0"/>
-              <a:t> argument</a:t>
-            </a:r>
-            <a:r>
-              <a:rPr lang="en-US" sz="2400" dirty="0" smtClean="0"/>
-              <a:t>)</a:t>
-            </a:r>
-            <a:endParaRPr lang="en-US" sz="2400" dirty="0">
-              <a:latin typeface="Courier New"/>
-              <a:cs typeface="Courier New"/>
-            </a:endParaRPr>
+              <a:t>404: Not found</a:t>
+            </a:r>
           </a:p>
         </p:txBody>
       </p:sp>
     </p:spTree>
     <p:extLst>
       <p:ext uri="{BB962C8B-B14F-4D97-AF65-F5344CB8AC3E}">
-        <p14:creationId xmlns:p14="http://schemas.microsoft.com/office/powerpoint/2010/main" val="1685830349"/>
+        <p14:creationId xmlns:p14="http://schemas.microsoft.com/office/powerpoint/2010/main" val="3881036622"/>
       </p:ext>
     </p:extLst>
   </p:cSld>
@@ -7199,114 +7060,58 @@
               </a:spcBef>
             </a:pPr>
             <a:r>
-              <a:rPr lang="en-US" sz="1550" dirty="0" smtClean="0">
+              <a:rPr lang="en-US" sz="2400" dirty="0" smtClean="0">
                 <a:latin typeface="Courier New"/>
                 <a:cs typeface="Courier New"/>
               </a:rPr>
               <a:t>.</a:t>
             </a:r>
             <a:r>
-              <a:rPr lang="en-US" sz="1550" dirty="0" err="1" smtClean="0">
+              <a:rPr lang="en-US" sz="2400" dirty="0" err="1" smtClean="0">
+                <a:latin typeface="Courier New"/>
+                <a:cs typeface="Courier New"/>
+              </a:rPr>
+              <a:t>onreadystatechange</a:t>
+            </a:r>
+            <a:r>
+              <a:rPr lang="en-US" sz="2400" dirty="0" smtClean="0">
+                <a:latin typeface="Courier New"/>
+                <a:cs typeface="Courier New"/>
+              </a:rPr>
+              <a:t> = function()…</a:t>
+            </a:r>
+          </a:p>
+          <a:p>
+            <a:pPr lvl="1"/>
+            <a:r>
+              <a:rPr lang="en-US" sz="2400" dirty="0" smtClean="0"/>
+              <a:t>Called when </a:t>
+            </a:r>
+            <a:r>
+              <a:rPr lang="en-US" sz="2400" dirty="0" smtClean="0">
+                <a:latin typeface="Courier New"/>
+                <a:cs typeface="Courier New"/>
+              </a:rPr>
+              <a:t>.</a:t>
+            </a:r>
+            <a:r>
+              <a:rPr lang="en-US" sz="2400" dirty="0" err="1" smtClean="0">
                 <a:latin typeface="Courier New"/>
                 <a:cs typeface="Courier New"/>
               </a:rPr>
               <a:t>readyState</a:t>
             </a:r>
-            <a:endParaRPr lang="en-US" sz="1550" dirty="0" smtClean="0">
-              <a:latin typeface="Courier New"/>
-              <a:cs typeface="Courier New"/>
-            </a:endParaRPr>
-          </a:p>
-          <a:p>
-            <a:pPr lvl="1"/>
-            <a:r>
-              <a:rPr lang="en-US" sz="1550" dirty="0" smtClean="0">
-                <a:latin typeface="Courier New"/>
-                <a:cs typeface="Courier New"/>
-              </a:rPr>
-              <a:t>1</a:t>
-            </a:r>
-            <a:r>
-              <a:rPr lang="en-US" sz="1550" dirty="0">
-                <a:latin typeface="Courier New"/>
-                <a:cs typeface="Courier New"/>
-              </a:rPr>
-              <a:t>:</a:t>
-            </a:r>
-            <a:r>
-              <a:rPr lang="en-US" sz="1550" dirty="0" smtClean="0"/>
+            <a:r>
+              <a:rPr lang="en-US" sz="2400" dirty="0" smtClean="0">
+                <a:latin typeface="Courier New"/>
+                <a:cs typeface="Courier New"/>
+              </a:rPr>
               <a:t> </a:t>
             </a:r>
             <a:r>
-              <a:rPr lang="en-US" sz="1550" dirty="0" smtClean="0">
-                <a:latin typeface="Courier New"/>
-                <a:cs typeface="Courier New"/>
-              </a:rPr>
-              <a:t>open</a:t>
-            </a:r>
-            <a:r>
-              <a:rPr lang="en-US" sz="1550" dirty="0" smtClean="0"/>
-              <a:t> method has been successfully called</a:t>
-            </a:r>
-          </a:p>
-          <a:p>
-            <a:pPr lvl="1"/>
-            <a:r>
-              <a:rPr lang="en-US" sz="1550" dirty="0">
-                <a:latin typeface="Courier New"/>
-                <a:cs typeface="Courier New"/>
-              </a:rPr>
-              <a:t>2: send</a:t>
-            </a:r>
-            <a:r>
-              <a:rPr lang="en-US" sz="1550" dirty="0"/>
-              <a:t> method has been successfully </a:t>
-            </a:r>
-            <a:r>
-              <a:rPr lang="en-US" sz="1550" dirty="0" smtClean="0"/>
-              <a:t>called, response headers have been </a:t>
-            </a:r>
-            <a:r>
-              <a:rPr lang="en-US" sz="1550" dirty="0" err="1" smtClean="0"/>
-              <a:t>recieved</a:t>
-            </a:r>
-            <a:endParaRPr lang="en-US" sz="1550" dirty="0" smtClean="0"/>
-          </a:p>
-          <a:p>
-            <a:pPr lvl="1"/>
-            <a:r>
-              <a:rPr lang="en-US" sz="1550" dirty="0" smtClean="0">
-                <a:latin typeface="Courier New"/>
-                <a:cs typeface="Courier New"/>
-              </a:rPr>
-              <a:t>3: </a:t>
-            </a:r>
-            <a:r>
-              <a:rPr lang="en-US" sz="1550" dirty="0" smtClean="0"/>
-              <a:t>response has begun to load</a:t>
-            </a:r>
-            <a:endParaRPr lang="en-US" sz="1550" dirty="0">
-              <a:latin typeface="Courier New"/>
-              <a:cs typeface="Courier New"/>
-            </a:endParaRPr>
-          </a:p>
-          <a:p>
-            <a:pPr lvl="1"/>
-            <a:r>
-              <a:rPr lang="en-US" sz="1550" b="1" dirty="0" smtClean="0">
-                <a:latin typeface="Courier New"/>
-                <a:cs typeface="Courier New"/>
-              </a:rPr>
-              <a:t>4: </a:t>
-            </a:r>
-            <a:r>
-              <a:rPr lang="en-US" sz="1550" b="1" dirty="0" smtClean="0"/>
-              <a:t>response has finished loading</a:t>
-            </a:r>
-            <a:endParaRPr lang="en-US" sz="1550" b="1" dirty="0">
-              <a:latin typeface="Courier New"/>
-              <a:cs typeface="Courier New"/>
-            </a:endParaRPr>
+              <a:rPr lang="en-US" sz="2400" dirty="0" smtClean="0"/>
+              <a:t>changes</a:t>
+            </a:r>
           </a:p>
           <a:p>
             <a:pPr>
@@ -7315,49 +7120,66 @@
               </a:spcBef>
             </a:pPr>
             <a:r>
-              <a:rPr lang="en-US" sz="1550" dirty="0" smtClean="0">
-                <a:latin typeface="Courier New"/>
-                <a:cs typeface="Courier New"/>
-              </a:rPr>
-              <a:t>.status</a:t>
+              <a:rPr lang="en-US" sz="2400" dirty="0" smtClean="0">
+                <a:latin typeface="Courier New"/>
+                <a:cs typeface="Courier New"/>
+              </a:rPr>
+              <a:t>.open</a:t>
+            </a:r>
+            <a:r>
+              <a:rPr lang="en-US" sz="2400" dirty="0">
+                <a:latin typeface="Courier New"/>
+                <a:cs typeface="Courier New"/>
+              </a:rPr>
+              <a:t>(method, </a:t>
+            </a:r>
+            <a:r>
+              <a:rPr lang="en-US" sz="2400" dirty="0" err="1">
+                <a:latin typeface="Courier New"/>
+                <a:cs typeface="Courier New"/>
+              </a:rPr>
+              <a:t>url</a:t>
+            </a:r>
+            <a:r>
+              <a:rPr lang="en-US" sz="2400" dirty="0">
+                <a:latin typeface="Courier New"/>
+                <a:cs typeface="Courier New"/>
+              </a:rPr>
+              <a:t>)</a:t>
             </a:r>
           </a:p>
           <a:p>
             <a:pPr lvl="1"/>
             <a:r>
-              <a:rPr lang="en-US" sz="1550" dirty="0" smtClean="0"/>
-              <a:t>Status code in the response from the server</a:t>
-            </a:r>
-          </a:p>
-          <a:p>
-            <a:pPr lvl="2"/>
-            <a:r>
-              <a:rPr lang="en-US" sz="1550" dirty="0" smtClean="0">
-                <a:latin typeface="Courier New"/>
-                <a:cs typeface="Courier New"/>
-              </a:rPr>
-              <a:t>200: OK</a:t>
-            </a:r>
-          </a:p>
-          <a:p>
-            <a:pPr lvl="2"/>
-            <a:r>
-              <a:rPr lang="en-US" sz="1550" dirty="0" smtClean="0">
-                <a:latin typeface="Courier New"/>
-                <a:cs typeface="Courier New"/>
-              </a:rPr>
-              <a:t>403: Forbidden</a:t>
-            </a:r>
-          </a:p>
-          <a:p>
-            <a:pPr lvl="2"/>
-            <a:r>
-              <a:rPr lang="en-US" sz="1550" dirty="0" smtClean="0">
-                <a:latin typeface="Courier New"/>
-                <a:cs typeface="Courier New"/>
-              </a:rPr>
-              <a:t>404: Not found</a:t>
-            </a:r>
+              <a:rPr lang="en-US" sz="2400" dirty="0"/>
+              <a:t>Specify a method (</a:t>
+            </a:r>
+            <a:r>
+              <a:rPr lang="en-US" sz="2400" dirty="0">
+                <a:latin typeface="Courier New"/>
+                <a:cs typeface="Courier New"/>
+              </a:rPr>
+              <a:t>GET</a:t>
+            </a:r>
+            <a:r>
+              <a:rPr lang="en-US" sz="2400" dirty="0"/>
+              <a:t>, </a:t>
+            </a:r>
+            <a:r>
+              <a:rPr lang="en-US" sz="2400" dirty="0">
+                <a:latin typeface="Courier New"/>
+                <a:cs typeface="Courier New"/>
+              </a:rPr>
+              <a:t>POST</a:t>
+            </a:r>
+            <a:r>
+              <a:rPr lang="en-US" sz="2400" dirty="0"/>
+              <a:t>, etc.) and a URL to fetch</a:t>
+            </a:r>
+            <a:endParaRPr lang="en-US" sz="2400" dirty="0">
+              <a:latin typeface="Courier New"/>
+              <a:cs typeface="Courier New"/>
+            </a:endParaRPr>
           </a:p>
           <a:p>
             <a:pPr>
@@ -7366,166 +7188,45 @@
               </a:spcBef>
             </a:pPr>
             <a:r>
-              <a:rPr lang="en-US" sz="1550" dirty="0" smtClean="0">
-                <a:latin typeface="Courier New"/>
-                <a:cs typeface="Courier New"/>
-              </a:rPr>
-              <a:t>.</a:t>
-            </a:r>
-            <a:r>
-              <a:rPr lang="en-US" sz="1550" dirty="0" err="1" smtClean="0">
-                <a:latin typeface="Courier New"/>
-                <a:cs typeface="Courier New"/>
-              </a:rPr>
-              <a:t>onreadystatechange</a:t>
-            </a:r>
-            <a:r>
-              <a:rPr lang="en-US" sz="1550" dirty="0" smtClean="0">
-                <a:latin typeface="Courier New"/>
-                <a:cs typeface="Courier New"/>
-              </a:rPr>
-              <a:t> = function()…</a:t>
-            </a:r>
-          </a:p>
-          <a:p>
-            <a:pPr lvl="1"/>
-            <a:r>
-              <a:rPr lang="en-US" sz="1550" dirty="0" smtClean="0"/>
-              <a:t>Called when </a:t>
-            </a:r>
-            <a:r>
-              <a:rPr lang="en-US" sz="1550" dirty="0" smtClean="0">
-                <a:latin typeface="Courier New"/>
-                <a:cs typeface="Courier New"/>
-              </a:rPr>
-              <a:t>.</a:t>
-            </a:r>
-            <a:r>
-              <a:rPr lang="en-US" sz="1550" dirty="0" err="1" smtClean="0">
-                <a:latin typeface="Courier New"/>
-                <a:cs typeface="Courier New"/>
-              </a:rPr>
-              <a:t>readyState</a:t>
-            </a:r>
-            <a:r>
-              <a:rPr lang="en-US" sz="1550" dirty="0" smtClean="0">
-                <a:latin typeface="Courier New"/>
-                <a:cs typeface="Courier New"/>
-              </a:rPr>
-              <a:t> </a:t>
-            </a:r>
-            <a:r>
-              <a:rPr lang="en-US" sz="1550" dirty="0" smtClean="0"/>
-              <a:t>changes</a:t>
-            </a:r>
-            <a:endParaRPr lang="en-US" sz="1550" dirty="0" smtClean="0">
+              <a:rPr lang="en-US" sz="2400" dirty="0">
+                <a:latin typeface="Courier New"/>
+                <a:cs typeface="Courier New"/>
+              </a:rPr>
+              <a:t>.send()</a:t>
+            </a:r>
+          </a:p>
+          <a:p>
+            <a:pPr lvl="2"/>
+            <a:r>
+              <a:rPr lang="en-US" sz="2400" dirty="0"/>
+              <a:t>Sends the request (optional </a:t>
+            </a:r>
+            <a:r>
+              <a:rPr lang="en-US" sz="2400" dirty="0">
+                <a:latin typeface="Courier New"/>
+                <a:cs typeface="Courier New"/>
+              </a:rPr>
+              <a:t>data</a:t>
+            </a:r>
+            <a:r>
+              <a:rPr lang="en-US" sz="2400" dirty="0"/>
+              <a:t> argument</a:t>
+            </a:r>
+            <a:r>
+              <a:rPr lang="en-US" sz="2400" dirty="0" smtClean="0"/>
+              <a:t>)</a:t>
+            </a:r>
+            <a:endParaRPr lang="en-US" sz="2400" dirty="0">
               <a:latin typeface="Courier New"/>
               <a:cs typeface="Courier New"/>
             </a:endParaRPr>
           </a:p>
-          <a:p>
-            <a:pPr>
-              <a:spcBef>
-                <a:spcPts val="600"/>
-              </a:spcBef>
-            </a:pPr>
-            <a:r>
-              <a:rPr lang="en-US" sz="1550" dirty="0" smtClean="0">
-                <a:latin typeface="Courier New"/>
-                <a:cs typeface="Courier New"/>
-              </a:rPr>
-              <a:t>.open(method, </a:t>
-            </a:r>
-            <a:r>
-              <a:rPr lang="en-US" sz="1550" dirty="0" err="1" smtClean="0">
-                <a:latin typeface="Courier New"/>
-                <a:cs typeface="Courier New"/>
-              </a:rPr>
-              <a:t>url</a:t>
-            </a:r>
-            <a:r>
-              <a:rPr lang="en-US" sz="1550" dirty="0" smtClean="0">
-                <a:latin typeface="Courier New"/>
-                <a:cs typeface="Courier New"/>
-              </a:rPr>
-              <a:t>)</a:t>
-            </a:r>
-          </a:p>
-          <a:p>
-            <a:pPr lvl="1"/>
-            <a:r>
-              <a:rPr lang="en-US" sz="1550" dirty="0" smtClean="0"/>
-              <a:t>Specify a method (</a:t>
-            </a:r>
-            <a:r>
-              <a:rPr lang="en-US" sz="1550" dirty="0" smtClean="0">
-                <a:latin typeface="Courier New"/>
-                <a:cs typeface="Courier New"/>
-              </a:rPr>
-              <a:t>GET</a:t>
-            </a:r>
-            <a:r>
-              <a:rPr lang="en-US" sz="1550" dirty="0" smtClean="0"/>
-              <a:t>, </a:t>
-            </a:r>
-            <a:r>
-              <a:rPr lang="en-US" sz="1550" dirty="0" smtClean="0">
-                <a:latin typeface="Courier New"/>
-                <a:cs typeface="Courier New"/>
-              </a:rPr>
-              <a:t>POST</a:t>
-            </a:r>
-            <a:r>
-              <a:rPr lang="en-US" sz="1550" dirty="0" smtClean="0"/>
-              <a:t>, etc.) and a URL to fetch</a:t>
-            </a:r>
-            <a:endParaRPr lang="en-US" sz="1550" dirty="0" smtClean="0">
-              <a:latin typeface="Courier New"/>
-              <a:cs typeface="Courier New"/>
-            </a:endParaRPr>
-          </a:p>
-          <a:p>
-            <a:pPr>
-              <a:spcBef>
-                <a:spcPts val="600"/>
-              </a:spcBef>
-            </a:pPr>
-            <a:r>
-              <a:rPr lang="en-US" sz="1550" dirty="0" smtClean="0">
-                <a:latin typeface="Courier New"/>
-                <a:cs typeface="Courier New"/>
-              </a:rPr>
-              <a:t>.send()</a:t>
-            </a:r>
-          </a:p>
-          <a:p>
-            <a:pPr lvl="2"/>
-            <a:r>
-              <a:rPr lang="en-US" sz="1550" dirty="0" smtClean="0"/>
-              <a:t>Sends the request (optional </a:t>
-            </a:r>
-            <a:r>
-              <a:rPr lang="en-US" sz="1550" dirty="0" smtClean="0">
-                <a:latin typeface="Courier New"/>
-                <a:cs typeface="Courier New"/>
-              </a:rPr>
-              <a:t>data</a:t>
-            </a:r>
-            <a:r>
-              <a:rPr lang="en-US" sz="1550" dirty="0" smtClean="0"/>
-              <a:t> argument)</a:t>
-            </a:r>
-            <a:endParaRPr lang="en-US" sz="1550" dirty="0">
-              <a:latin typeface="Courier New"/>
-              <a:cs typeface="Courier New"/>
-            </a:endParaRPr>
-          </a:p>
         </p:txBody>
       </p:sp>
     </p:spTree>
     <p:extLst>
       <p:ext uri="{BB962C8B-B14F-4D97-AF65-F5344CB8AC3E}">
-        <p14:creationId xmlns:p14="http://schemas.microsoft.com/office/powerpoint/2010/main" val="2577974082"/>
+        <p14:creationId xmlns:p14="http://schemas.microsoft.com/office/powerpoint/2010/main" val="1685830349"/>
       </p:ext>
     </p:extLst>
   </p:cSld>
@@ -7561,23 +7262,22 @@
       </p:grpSpPr>
       <p:sp>
         <p:nvSpPr>
-          <p:cNvPr id="5" name="Rectangle 4"/>
-          <p:cNvSpPr/>
-          <p:nvPr/>
+          <p:cNvPr id="2" name="Title 1"/>
+          <p:cNvSpPr>
+            <a:spLocks noGrp="1"/>
+          </p:cNvSpPr>
+          <p:nvPr>
+            <p:ph type="title"/>
+          </p:nvPr>
         </p:nvSpPr>
         <p:spPr>
           <a:xfrm>
-            <a:off x="547945" y="2046246"/>
-            <a:ext cx="8852227" cy="3139321"/>
+            <a:off x="685800" y="-115257"/>
+            <a:ext cx="7770813" cy="1429871"/>
           </a:xfrm>
-          <a:prstGeom prst="rect">
-            <a:avLst/>
-          </a:prstGeom>
         </p:spPr>
         <p:txBody>
-          <a:bodyPr wrap="square">
-            <a:spAutoFit/>
-          </a:bodyPr>
+          <a:bodyPr/>
           <a:lstStyle/>
           <a:p>
             <a:r>
@@ -7585,328 +7285,370 @@
                 <a:latin typeface="Courier New"/>
                 <a:cs typeface="Courier New"/>
               </a:rPr>
-              <a:t>var</a:t>
-            </a:r>
-            <a:r>
-              <a:rPr lang="en-US" dirty="0" smtClean="0">
-                <a:latin typeface="Courier New"/>
-                <a:cs typeface="Courier New"/>
-              </a:rPr>
-              <a:t> </a:t>
-            </a:r>
-            <a:r>
-              <a:rPr lang="en-US" dirty="0" err="1">
-                <a:latin typeface="Courier New"/>
-                <a:cs typeface="Courier New"/>
-              </a:rPr>
-              <a:t>xmlhttp</a:t>
-            </a:r>
-            <a:r>
-              <a:rPr lang="en-US" dirty="0">
-                <a:latin typeface="Courier New"/>
-                <a:cs typeface="Courier New"/>
-              </a:rPr>
-              <a:t> = new </a:t>
-            </a:r>
-            <a:r>
-              <a:rPr lang="en-US" dirty="0" err="1">
-                <a:latin typeface="Courier New"/>
-                <a:cs typeface="Courier New"/>
-              </a:rPr>
               <a:t>XMLHttpRequest</a:t>
             </a:r>
-            <a:r>
-              <a:rPr lang="en-US" dirty="0">
-                <a:latin typeface="Courier New"/>
-                <a:cs typeface="Courier New"/>
-              </a:rPr>
-              <a:t>()</a:t>
-            </a:r>
-            <a:r>
-              <a:rPr lang="en-US" dirty="0" smtClean="0">
-                <a:latin typeface="Courier New"/>
-                <a:cs typeface="Courier New"/>
-              </a:rPr>
-              <a:t>;</a:t>
-            </a:r>
-          </a:p>
-          <a:p>
             <a:endParaRPr lang="en-US" dirty="0">
               <a:latin typeface="Courier New"/>
               <a:cs typeface="Courier New"/>
             </a:endParaRPr>
           </a:p>
-          <a:p>
-            <a:r>
-              <a:rPr lang="en-US" dirty="0" err="1" smtClean="0">
-                <a:latin typeface="Courier New"/>
-                <a:cs typeface="Courier New"/>
-              </a:rPr>
-              <a:t>xmlhttp.onreadystatechange</a:t>
-            </a:r>
-            <a:r>
-              <a:rPr lang="en-US" dirty="0" smtClean="0">
-                <a:latin typeface="Courier New"/>
-                <a:cs typeface="Courier New"/>
-              </a:rPr>
-              <a:t> = function</a:t>
-            </a:r>
-            <a:r>
-              <a:rPr lang="en-US" dirty="0">
-                <a:latin typeface="Courier New"/>
-                <a:cs typeface="Courier New"/>
-              </a:rPr>
-              <a:t>() {</a:t>
-            </a:r>
-          </a:p>
-          <a:p>
-            <a:r>
-              <a:rPr lang="en-US" dirty="0" smtClean="0">
-                <a:latin typeface="Courier New"/>
-                <a:cs typeface="Courier New"/>
-              </a:rPr>
-              <a:t>	if </a:t>
-            </a:r>
-            <a:r>
-              <a:rPr lang="en-US" dirty="0">
-                <a:latin typeface="Courier New"/>
-                <a:cs typeface="Courier New"/>
-              </a:rPr>
-              <a:t>(</a:t>
-            </a:r>
-            <a:r>
-              <a:rPr lang="en-US" dirty="0" err="1" smtClean="0">
-                <a:latin typeface="Courier New"/>
-                <a:cs typeface="Courier New"/>
-              </a:rPr>
-              <a:t>xmlhttp.readyState</a:t>
-            </a:r>
-            <a:r>
-              <a:rPr lang="en-US" dirty="0" smtClean="0">
-                <a:latin typeface="Courier New"/>
-                <a:cs typeface="Courier New"/>
-              </a:rPr>
-              <a:t> === 4 </a:t>
-            </a:r>
-            <a:r>
-              <a:rPr lang="en-US" dirty="0">
-                <a:latin typeface="Courier New"/>
-                <a:cs typeface="Courier New"/>
-              </a:rPr>
-              <a:t>&amp;&amp; </a:t>
-            </a:r>
-            <a:r>
-              <a:rPr lang="en-US" dirty="0" err="1" smtClean="0">
-                <a:latin typeface="Courier New"/>
-                <a:cs typeface="Courier New"/>
-              </a:rPr>
-              <a:t>xmlhttp.status</a:t>
-            </a:r>
-            <a:r>
-              <a:rPr lang="en-US" dirty="0" smtClean="0">
-                <a:latin typeface="Courier New"/>
-                <a:cs typeface="Courier New"/>
-              </a:rPr>
-              <a:t> === 200</a:t>
-            </a:r>
-            <a:r>
-              <a:rPr lang="en-US" dirty="0">
-                <a:latin typeface="Courier New"/>
-                <a:cs typeface="Courier New"/>
-              </a:rPr>
-              <a:t>) {</a:t>
-            </a:r>
-          </a:p>
-          <a:p>
-            <a:r>
-              <a:rPr lang="en-US" dirty="0">
-                <a:latin typeface="Courier New"/>
-                <a:cs typeface="Courier New"/>
-              </a:rPr>
-              <a:t>	</a:t>
-            </a:r>
-            <a:r>
-              <a:rPr lang="en-US" dirty="0" smtClean="0">
-                <a:latin typeface="Courier New"/>
-                <a:cs typeface="Courier New"/>
-              </a:rPr>
-              <a:t>	</a:t>
-            </a:r>
-            <a:r>
-              <a:rPr lang="en-US" dirty="0" err="1" smtClean="0">
-                <a:latin typeface="Courier New"/>
-                <a:cs typeface="Courier New"/>
-              </a:rPr>
-              <a:t>console.log</a:t>
-            </a:r>
-            <a:r>
-              <a:rPr lang="en-US" dirty="0" smtClean="0">
-                <a:latin typeface="Courier New"/>
-                <a:cs typeface="Courier New"/>
-              </a:rPr>
-              <a:t>(</a:t>
-            </a:r>
-            <a:r>
-              <a:rPr lang="en-US" dirty="0" err="1" smtClean="0">
-                <a:latin typeface="Courier New"/>
-                <a:cs typeface="Courier New"/>
-              </a:rPr>
-              <a:t>xmlhttp</a:t>
-            </a:r>
-            <a:r>
-              <a:rPr lang="en-US" dirty="0" smtClean="0">
-                <a:latin typeface="Courier New"/>
-                <a:cs typeface="Courier New"/>
-              </a:rPr>
-              <a:t>);</a:t>
-            </a:r>
-            <a:endParaRPr lang="en-US" dirty="0">
+        </p:txBody>
+      </p:sp>
+      <p:sp>
+        <p:nvSpPr>
+          <p:cNvPr id="3" name="Content Placeholder 2"/>
+          <p:cNvSpPr>
+            <a:spLocks noGrp="1"/>
+          </p:cNvSpPr>
+          <p:nvPr>
+            <p:ph idx="1"/>
+          </p:nvPr>
+        </p:nvSpPr>
+        <p:spPr>
+          <a:xfrm>
+            <a:off x="685800" y="1278441"/>
+            <a:ext cx="7938993" cy="4257022"/>
+          </a:xfrm>
+        </p:spPr>
+        <p:txBody>
+          <a:bodyPr>
+            <a:noAutofit/>
+          </a:bodyPr>
+          <a:lstStyle/>
+          <a:p>
+            <a:pPr>
+              <a:spcBef>
+                <a:spcPts val="600"/>
+              </a:spcBef>
+            </a:pPr>
+            <a:r>
+              <a:rPr lang="en-US" sz="1550" dirty="0" smtClean="0">
+                <a:latin typeface="Courier New"/>
+                <a:cs typeface="Courier New"/>
+              </a:rPr>
+              <a:t>.</a:t>
+            </a:r>
+            <a:r>
+              <a:rPr lang="en-US" sz="1550" dirty="0" err="1" smtClean="0">
+                <a:latin typeface="Courier New"/>
+                <a:cs typeface="Courier New"/>
+              </a:rPr>
+              <a:t>readyState</a:t>
+            </a:r>
+            <a:endParaRPr lang="en-US" sz="1550" dirty="0" smtClean="0">
               <a:latin typeface="Courier New"/>
               <a:cs typeface="Courier New"/>
             </a:endParaRPr>
           </a:p>
           <a:p>
-            <a:r>
-              <a:rPr lang="en-US" dirty="0">
-                <a:latin typeface="Courier New"/>
-                <a:cs typeface="Courier New"/>
-              </a:rPr>
-              <a:t>	</a:t>
-            </a:r>
-            <a:r>
-              <a:rPr lang="en-US" dirty="0" smtClean="0">
-                <a:latin typeface="Courier New"/>
-                <a:cs typeface="Courier New"/>
-              </a:rPr>
-              <a:t>}</a:t>
-            </a:r>
-            <a:endParaRPr lang="en-US" dirty="0">
+            <a:pPr lvl="1"/>
+            <a:r>
+              <a:rPr lang="en-US" sz="1550" dirty="0" smtClean="0">
+                <a:latin typeface="Courier New"/>
+                <a:cs typeface="Courier New"/>
+              </a:rPr>
+              <a:t>1</a:t>
+            </a:r>
+            <a:r>
+              <a:rPr lang="en-US" sz="1550" dirty="0">
+                <a:latin typeface="Courier New"/>
+                <a:cs typeface="Courier New"/>
+              </a:rPr>
+              <a:t>:</a:t>
+            </a:r>
+            <a:r>
+              <a:rPr lang="en-US" sz="1550" dirty="0" smtClean="0"/>
+              <a:t> </a:t>
+            </a:r>
+            <a:r>
+              <a:rPr lang="en-US" sz="1550" dirty="0" smtClean="0">
+                <a:latin typeface="Courier New"/>
+                <a:cs typeface="Courier New"/>
+              </a:rPr>
+              <a:t>open</a:t>
+            </a:r>
+            <a:r>
+              <a:rPr lang="en-US" sz="1550" dirty="0" smtClean="0"/>
+              <a:t> method has been successfully called</a:t>
+            </a:r>
+          </a:p>
+          <a:p>
+            <a:pPr lvl="1"/>
+            <a:r>
+              <a:rPr lang="en-US" sz="1550" dirty="0">
+                <a:latin typeface="Courier New"/>
+                <a:cs typeface="Courier New"/>
+              </a:rPr>
+              <a:t>2: send</a:t>
+            </a:r>
+            <a:r>
+              <a:rPr lang="en-US" sz="1550" dirty="0"/>
+              <a:t> method has been successfully </a:t>
+            </a:r>
+            <a:r>
+              <a:rPr lang="en-US" sz="1550" dirty="0" smtClean="0"/>
+              <a:t>called, response headers have been </a:t>
+            </a:r>
+            <a:r>
+              <a:rPr lang="en-US" sz="1550" dirty="0" smtClean="0"/>
+              <a:t>received</a:t>
+            </a:r>
+            <a:endParaRPr lang="en-US" sz="1550" dirty="0" smtClean="0"/>
+          </a:p>
+          <a:p>
+            <a:pPr lvl="1"/>
+            <a:r>
+              <a:rPr lang="en-US" sz="1550" dirty="0" smtClean="0">
+                <a:latin typeface="Courier New"/>
+                <a:cs typeface="Courier New"/>
+              </a:rPr>
+              <a:t>3: </a:t>
+            </a:r>
+            <a:r>
+              <a:rPr lang="en-US" sz="1550" dirty="0" smtClean="0"/>
+              <a:t>response has begun to load</a:t>
+            </a:r>
+            <a:endParaRPr lang="en-US" sz="1550" dirty="0">
               <a:latin typeface="Courier New"/>
               <a:cs typeface="Courier New"/>
             </a:endParaRPr>
           </a:p>
           <a:p>
-            <a:r>
-              <a:rPr lang="en-US" dirty="0" smtClean="0">
-                <a:latin typeface="Courier New"/>
-                <a:cs typeface="Courier New"/>
-              </a:rPr>
-              <a:t>};</a:t>
-            </a:r>
-          </a:p>
-          <a:p>
-            <a:endParaRPr lang="en-US" dirty="0">
+            <a:pPr lvl="1"/>
+            <a:r>
+              <a:rPr lang="en-US" sz="1550" b="1" dirty="0" smtClean="0">
+                <a:latin typeface="Courier New"/>
+                <a:cs typeface="Courier New"/>
+              </a:rPr>
+              <a:t>4: </a:t>
+            </a:r>
+            <a:r>
+              <a:rPr lang="en-US" sz="1550" b="1" dirty="0" smtClean="0"/>
+              <a:t>response has finished loading</a:t>
+            </a:r>
+            <a:endParaRPr lang="en-US" sz="1550" b="1" dirty="0">
               <a:latin typeface="Courier New"/>
               <a:cs typeface="Courier New"/>
             </a:endParaRPr>
           </a:p>
           <a:p>
-            <a:r>
-              <a:rPr lang="en-US" dirty="0" err="1" smtClean="0">
-                <a:latin typeface="Courier New"/>
-                <a:cs typeface="Courier New"/>
-              </a:rPr>
-              <a:t>xmlhttp.open</a:t>
-            </a:r>
-            <a:r>
-              <a:rPr lang="en-US" dirty="0">
-                <a:latin typeface="Courier New"/>
-                <a:cs typeface="Courier New"/>
-              </a:rPr>
-              <a:t>("GET", </a:t>
-            </a:r>
-            <a:r>
-              <a:rPr lang="en-US" dirty="0" smtClean="0">
-                <a:latin typeface="Courier New"/>
-                <a:cs typeface="Courier New"/>
-              </a:rPr>
-              <a:t>"http</a:t>
-            </a:r>
-            <a:r>
-              <a:rPr lang="en-US" dirty="0">
-                <a:latin typeface="Courier New"/>
-                <a:cs typeface="Courier New"/>
-              </a:rPr>
-              <a:t>://</a:t>
-            </a:r>
-            <a:r>
-              <a:rPr lang="en-US" dirty="0" err="1">
-                <a:latin typeface="Courier New"/>
-                <a:cs typeface="Courier New"/>
-              </a:rPr>
-              <a:t>from.so</a:t>
-            </a:r>
-            <a:r>
-              <a:rPr lang="en-US" dirty="0">
-                <a:latin typeface="Courier New"/>
-                <a:cs typeface="Courier New"/>
-              </a:rPr>
-              <a:t>/</a:t>
-            </a:r>
-            <a:r>
-              <a:rPr lang="en-US" dirty="0" err="1">
-                <a:latin typeface="Courier New"/>
-                <a:cs typeface="Courier New"/>
-              </a:rPr>
-              <a:t>web_lab</a:t>
-            </a:r>
-            <a:r>
-              <a:rPr lang="en-US" dirty="0">
-                <a:latin typeface="Courier New"/>
-                <a:cs typeface="Courier New"/>
-              </a:rPr>
-              <a:t>/</a:t>
-            </a:r>
-            <a:r>
-              <a:rPr lang="en-US" dirty="0" err="1">
-                <a:latin typeface="Courier New"/>
-                <a:cs typeface="Courier New"/>
-              </a:rPr>
-              <a:t>pgh_weather.php</a:t>
-            </a:r>
-            <a:r>
-              <a:rPr lang="en-US" dirty="0">
-                <a:latin typeface="Courier New"/>
-                <a:cs typeface="Courier New"/>
-              </a:rPr>
-              <a:t>"</a:t>
-            </a:r>
-            <a:r>
-              <a:rPr lang="en-US" dirty="0" smtClean="0">
-                <a:latin typeface="Courier New"/>
-                <a:cs typeface="Courier New"/>
-              </a:rPr>
-              <a:t>);</a:t>
-            </a:r>
-          </a:p>
-          <a:p>
-            <a:endParaRPr lang="en-US" dirty="0">
+            <a:pPr>
+              <a:spcBef>
+                <a:spcPts val="600"/>
+              </a:spcBef>
+            </a:pPr>
+            <a:r>
+              <a:rPr lang="en-US" sz="1550" dirty="0" smtClean="0">
+                <a:latin typeface="Courier New"/>
+                <a:cs typeface="Courier New"/>
+              </a:rPr>
+              <a:t>.status</a:t>
+            </a:r>
+          </a:p>
+          <a:p>
+            <a:pPr lvl="1"/>
+            <a:r>
+              <a:rPr lang="en-US" sz="1550" dirty="0" smtClean="0"/>
+              <a:t>Status code in the response from the server</a:t>
+            </a:r>
+          </a:p>
+          <a:p>
+            <a:pPr lvl="2"/>
+            <a:r>
+              <a:rPr lang="en-US" sz="1550" dirty="0" smtClean="0">
+                <a:latin typeface="Courier New"/>
+                <a:cs typeface="Courier New"/>
+              </a:rPr>
+              <a:t>200: OK</a:t>
+            </a:r>
+          </a:p>
+          <a:p>
+            <a:pPr lvl="2"/>
+            <a:r>
+              <a:rPr lang="en-US" sz="1550" dirty="0" smtClean="0">
+                <a:latin typeface="Courier New"/>
+                <a:cs typeface="Courier New"/>
+              </a:rPr>
+              <a:t>403: Forbidden</a:t>
+            </a:r>
+          </a:p>
+          <a:p>
+            <a:pPr lvl="2"/>
+            <a:r>
+              <a:rPr lang="en-US" sz="1550" dirty="0" smtClean="0">
+                <a:latin typeface="Courier New"/>
+                <a:cs typeface="Courier New"/>
+              </a:rPr>
+              <a:t>404: Not found</a:t>
+            </a:r>
+          </a:p>
+          <a:p>
+            <a:pPr>
+              <a:spcBef>
+                <a:spcPts val="600"/>
+              </a:spcBef>
+            </a:pPr>
+            <a:r>
+              <a:rPr lang="en-US" sz="1550" dirty="0" smtClean="0">
+                <a:latin typeface="Courier New"/>
+                <a:cs typeface="Courier New"/>
+              </a:rPr>
+              <a:t>.</a:t>
+            </a:r>
+            <a:r>
+              <a:rPr lang="en-US" sz="1550" dirty="0" err="1" smtClean="0">
+                <a:latin typeface="Courier New"/>
+                <a:cs typeface="Courier New"/>
+              </a:rPr>
+              <a:t>onreadystatechange</a:t>
+            </a:r>
+            <a:r>
+              <a:rPr lang="en-US" sz="1550" dirty="0" smtClean="0">
+                <a:latin typeface="Courier New"/>
+                <a:cs typeface="Courier New"/>
+              </a:rPr>
+              <a:t> = function()…</a:t>
+            </a:r>
+          </a:p>
+          <a:p>
+            <a:pPr lvl="1"/>
+            <a:r>
+              <a:rPr lang="en-US" sz="1550" dirty="0" smtClean="0"/>
+              <a:t>Called when </a:t>
+            </a:r>
+            <a:r>
+              <a:rPr lang="en-US" sz="1550" dirty="0" smtClean="0">
+                <a:latin typeface="Courier New"/>
+                <a:cs typeface="Courier New"/>
+              </a:rPr>
+              <a:t>.</a:t>
+            </a:r>
+            <a:r>
+              <a:rPr lang="en-US" sz="1550" dirty="0" err="1" smtClean="0">
+                <a:latin typeface="Courier New"/>
+                <a:cs typeface="Courier New"/>
+              </a:rPr>
+              <a:t>readyState</a:t>
+            </a:r>
+            <a:r>
+              <a:rPr lang="en-US" sz="1550" dirty="0" smtClean="0">
+                <a:latin typeface="Courier New"/>
+                <a:cs typeface="Courier New"/>
+              </a:rPr>
+              <a:t> </a:t>
+            </a:r>
+            <a:r>
+              <a:rPr lang="en-US" sz="1550" dirty="0" smtClean="0"/>
+              <a:t>changes</a:t>
+            </a:r>
+            <a:endParaRPr lang="en-US" sz="1550" dirty="0" smtClean="0">
               <a:latin typeface="Courier New"/>
               <a:cs typeface="Courier New"/>
             </a:endParaRPr>
           </a:p>
           <a:p>
-            <a:r>
-              <a:rPr lang="en-US" dirty="0" err="1" smtClean="0">
-                <a:latin typeface="Courier New"/>
-                <a:cs typeface="Courier New"/>
-              </a:rPr>
-              <a:t>xmlhttp.send</a:t>
-            </a:r>
-            <a:r>
-              <a:rPr lang="en-US" dirty="0">
-                <a:latin typeface="Courier New"/>
-                <a:cs typeface="Courier New"/>
-              </a:rPr>
-              <a:t>();</a:t>
-            </a:r>
+            <a:pPr>
+              <a:spcBef>
+                <a:spcPts val="600"/>
+              </a:spcBef>
+            </a:pPr>
+            <a:r>
+              <a:rPr lang="en-US" sz="1550" dirty="0" smtClean="0">
+                <a:latin typeface="Courier New"/>
+                <a:cs typeface="Courier New"/>
+              </a:rPr>
+              <a:t>.open(method, </a:t>
+            </a:r>
+            <a:r>
+              <a:rPr lang="en-US" sz="1550" dirty="0" err="1" smtClean="0">
+                <a:latin typeface="Courier New"/>
+                <a:cs typeface="Courier New"/>
+              </a:rPr>
+              <a:t>url</a:t>
+            </a:r>
+            <a:r>
+              <a:rPr lang="en-US" sz="1550" dirty="0" smtClean="0">
+                <a:latin typeface="Courier New"/>
+                <a:cs typeface="Courier New"/>
+              </a:rPr>
+              <a:t>)</a:t>
+            </a:r>
+          </a:p>
+          <a:p>
+            <a:pPr lvl="1"/>
+            <a:r>
+              <a:rPr lang="en-US" sz="1550" dirty="0" smtClean="0"/>
+              <a:t>Specify a method (</a:t>
+            </a:r>
+            <a:r>
+              <a:rPr lang="en-US" sz="1550" dirty="0" smtClean="0">
+                <a:latin typeface="Courier New"/>
+                <a:cs typeface="Courier New"/>
+              </a:rPr>
+              <a:t>GET</a:t>
+            </a:r>
+            <a:r>
+              <a:rPr lang="en-US" sz="1550" dirty="0" smtClean="0"/>
+              <a:t>, </a:t>
+            </a:r>
+            <a:r>
+              <a:rPr lang="en-US" sz="1550" dirty="0" smtClean="0">
+                <a:latin typeface="Courier New"/>
+                <a:cs typeface="Courier New"/>
+              </a:rPr>
+              <a:t>POST</a:t>
+            </a:r>
+            <a:r>
+              <a:rPr lang="en-US" sz="1550" dirty="0" smtClean="0"/>
+              <a:t>, etc.) and a URL to fetch</a:t>
+            </a:r>
+            <a:endParaRPr lang="en-US" sz="1550" dirty="0" smtClean="0">
+              <a:latin typeface="Courier New"/>
+              <a:cs typeface="Courier New"/>
+            </a:endParaRPr>
+          </a:p>
+          <a:p>
+            <a:pPr>
+              <a:spcBef>
+                <a:spcPts val="600"/>
+              </a:spcBef>
+            </a:pPr>
+            <a:r>
+              <a:rPr lang="en-US" sz="1550" dirty="0" smtClean="0">
+                <a:latin typeface="Courier New"/>
+                <a:cs typeface="Courier New"/>
+              </a:rPr>
+              <a:t>.send()</a:t>
+            </a:r>
+          </a:p>
+          <a:p>
+            <a:pPr lvl="2"/>
+            <a:r>
+              <a:rPr lang="en-US" sz="1550" dirty="0" smtClean="0"/>
+              <a:t>Sends the request (optional </a:t>
+            </a:r>
+            <a:r>
+              <a:rPr lang="en-US" sz="1550" dirty="0" smtClean="0">
+                <a:latin typeface="Courier New"/>
+                <a:cs typeface="Courier New"/>
+              </a:rPr>
+              <a:t>data</a:t>
+            </a:r>
+            <a:r>
+              <a:rPr lang="en-US" sz="1550" dirty="0" smtClean="0"/>
+              <a:t> argument)</a:t>
+            </a:r>
+            <a:endParaRPr lang="en-US" sz="1550" dirty="0">
+              <a:latin typeface="Courier New"/>
+              <a:cs typeface="Courier New"/>
+            </a:endParaRPr>
           </a:p>
         </p:txBody>
       </p:sp>
     </p:spTree>
     <p:extLst>
       <p:ext uri="{BB962C8B-B14F-4D97-AF65-F5344CB8AC3E}">
-        <p14:creationId xmlns:p14="http://schemas.microsoft.com/office/powerpoint/2010/main" val="3122573762"/>
+        <p14:creationId xmlns:p14="http://schemas.microsoft.com/office/powerpoint/2010/main" val="2577974082"/>
       </p:ext>
     </p:extLst>
   </p:cSld>
@@ -7940,510 +7682,670 @@
           <a:chExt cx="0" cy="0"/>
         </a:xfrm>
       </p:grpSpPr>
-      <p:sp>
-        <p:nvSpPr>
-          <p:cNvPr id="5" name="Rectangle 4"/>
-          <p:cNvSpPr/>
+      <p:pic>
+        <p:nvPicPr>
+          <p:cNvPr id="6" name="Picture 5"/>
+          <p:cNvPicPr>
+            <a:picLocks noChangeAspect="1"/>
+          </p:cNvPicPr>
           <p:nvPr/>
-        </p:nvSpPr>
+        </p:nvPicPr>
+        <p:blipFill>
+          <a:blip r:embed="rId2"/>
+          <a:stretch>
+            <a:fillRect/>
+          </a:stretch>
+        </p:blipFill>
         <p:spPr>
           <a:xfrm>
-            <a:off x="-1289755" y="2047854"/>
-            <a:ext cx="11073717" cy="3139321"/>
+            <a:off x="641362" y="3844504"/>
+            <a:ext cx="1580978" cy="1438690"/>
           </a:xfrm>
           <a:prstGeom prst="rect">
             <a:avLst/>
           </a:prstGeom>
         </p:spPr>
-        <p:txBody>
-          <a:bodyPr wrap="square">
+      </p:pic>
+      <p:pic>
+        <p:nvPicPr>
+          <p:cNvPr id="7" name="Picture 6"/>
+          <p:cNvPicPr>
+            <a:picLocks noChangeAspect="1"/>
+          </p:cNvPicPr>
+          <p:nvPr/>
+        </p:nvPicPr>
+        <p:blipFill>
+          <a:blip r:embed="rId3"/>
+          <a:stretch>
+            <a:fillRect/>
+          </a:stretch>
+        </p:blipFill>
+        <p:spPr>
+          <a:xfrm>
+            <a:off x="3731584" y="500206"/>
+            <a:ext cx="1246942" cy="1246942"/>
+          </a:xfrm>
+          <a:prstGeom prst="rect">
+            <a:avLst/>
+          </a:prstGeom>
+        </p:spPr>
+      </p:pic>
+      <p:sp>
+        <p:nvSpPr>
+          <p:cNvPr id="8" name="TextBox 7"/>
+          <p:cNvSpPr txBox="1"/>
+          <p:nvPr/>
+        </p:nvSpPr>
+        <p:spPr>
+          <a:xfrm>
+            <a:off x="806921" y="3883912"/>
+            <a:ext cx="1214733" cy="646331"/>
+          </a:xfrm>
+          <a:prstGeom prst="rect">
+            <a:avLst/>
+          </a:prstGeom>
+          <a:noFill/>
+        </p:spPr>
+        <p:txBody>
+          <a:bodyPr wrap="none" rtlCol="0">
             <a:spAutoFit/>
           </a:bodyPr>
           <a:lstStyle/>
           <a:p>
             <a:r>
-              <a:rPr lang="en-US" dirty="0">
-                <a:latin typeface="Courier New"/>
-                <a:cs typeface="Courier New"/>
-              </a:rPr>
-              <a:t>				</a:t>
-            </a:r>
-            <a:r>
-              <a:rPr lang="en-US" dirty="0" err="1">
-                <a:latin typeface="Courier New"/>
-                <a:cs typeface="Courier New"/>
-              </a:rPr>
-              <a:t>var</a:t>
-            </a:r>
-            <a:r>
-              <a:rPr lang="en-US" dirty="0">
-                <a:latin typeface="Courier New"/>
-                <a:cs typeface="Courier New"/>
-              </a:rPr>
-              <a:t> </a:t>
-            </a:r>
-            <a:r>
-              <a:rPr lang="en-US" dirty="0" err="1">
-                <a:latin typeface="Courier New"/>
-                <a:cs typeface="Courier New"/>
-              </a:rPr>
-              <a:t>xmlhttp</a:t>
-            </a:r>
-            <a:r>
-              <a:rPr lang="en-US" dirty="0">
-                <a:latin typeface="Courier New"/>
-                <a:cs typeface="Courier New"/>
-              </a:rPr>
-              <a:t> = new </a:t>
-            </a:r>
-            <a:r>
-              <a:rPr lang="en-US" dirty="0" err="1">
-                <a:latin typeface="Courier New"/>
-                <a:cs typeface="Courier New"/>
-              </a:rPr>
-              <a:t>XMLHttpRequest</a:t>
-            </a:r>
-            <a:r>
-              <a:rPr lang="en-US" dirty="0">
-                <a:latin typeface="Courier New"/>
-                <a:cs typeface="Courier New"/>
-              </a:rPr>
-              <a:t>()</a:t>
-            </a:r>
-            <a:r>
-              <a:rPr lang="en-US" dirty="0" smtClean="0">
-                <a:latin typeface="Courier New"/>
-                <a:cs typeface="Courier New"/>
-              </a:rPr>
-              <a:t>;</a:t>
-            </a:r>
-          </a:p>
-          <a:p>
-            <a:endParaRPr lang="en-US" dirty="0">
-              <a:solidFill>
-                <a:srgbClr val="7F7F7F"/>
-              </a:solidFill>
-              <a:latin typeface="Courier New"/>
-              <a:cs typeface="Courier New"/>
-            </a:endParaRPr>
-          </a:p>
-          <a:p>
-            <a:r>
-              <a:rPr lang="en-US" dirty="0">
-                <a:solidFill>
-                  <a:srgbClr val="7F7F7F"/>
-                </a:solidFill>
-                <a:latin typeface="Courier New"/>
-                <a:cs typeface="Courier New"/>
-              </a:rPr>
-              <a:t>				</a:t>
-            </a:r>
-            <a:r>
-              <a:rPr lang="en-US" dirty="0" err="1" smtClean="0">
-                <a:solidFill>
-                  <a:srgbClr val="7F7F7F"/>
-                </a:solidFill>
-                <a:latin typeface="Courier New"/>
-                <a:cs typeface="Courier New"/>
-              </a:rPr>
-              <a:t>xmlhttp.onreadystatechange</a:t>
-            </a:r>
-            <a:r>
-              <a:rPr lang="en-US" dirty="0" smtClean="0">
-                <a:solidFill>
-                  <a:srgbClr val="7F7F7F"/>
-                </a:solidFill>
-                <a:latin typeface="Courier New"/>
-                <a:cs typeface="Courier New"/>
-              </a:rPr>
-              <a:t> = function</a:t>
-            </a:r>
-            <a:r>
-              <a:rPr lang="en-US" dirty="0">
-                <a:solidFill>
-                  <a:srgbClr val="7F7F7F"/>
-                </a:solidFill>
-                <a:latin typeface="Courier New"/>
-                <a:cs typeface="Courier New"/>
-              </a:rPr>
-              <a:t>() {</a:t>
-            </a:r>
-          </a:p>
-          <a:p>
-            <a:r>
-              <a:rPr lang="en-US" dirty="0">
-                <a:solidFill>
-                  <a:srgbClr val="7F7F7F"/>
-                </a:solidFill>
-                <a:latin typeface="Courier New"/>
-                <a:cs typeface="Courier New"/>
-              </a:rPr>
-              <a:t>					if (</a:t>
-            </a:r>
-            <a:r>
-              <a:rPr lang="en-US" dirty="0" err="1" smtClean="0">
-                <a:solidFill>
-                  <a:srgbClr val="7F7F7F"/>
-                </a:solidFill>
-                <a:latin typeface="Courier New"/>
-                <a:cs typeface="Courier New"/>
-              </a:rPr>
-              <a:t>xmlhttp.readyState</a:t>
-            </a:r>
-            <a:r>
-              <a:rPr lang="en-US" dirty="0" smtClean="0">
-                <a:solidFill>
-                  <a:srgbClr val="7F7F7F"/>
-                </a:solidFill>
-                <a:latin typeface="Courier New"/>
-                <a:cs typeface="Courier New"/>
-              </a:rPr>
-              <a:t> === 4 </a:t>
-            </a:r>
-            <a:r>
-              <a:rPr lang="en-US" dirty="0">
-                <a:solidFill>
-                  <a:srgbClr val="7F7F7F"/>
-                </a:solidFill>
-                <a:latin typeface="Courier New"/>
-                <a:cs typeface="Courier New"/>
-              </a:rPr>
-              <a:t>&amp;&amp; </a:t>
-            </a:r>
-            <a:r>
-              <a:rPr lang="en-US" dirty="0" err="1" smtClean="0">
-                <a:solidFill>
-                  <a:srgbClr val="7F7F7F"/>
-                </a:solidFill>
-                <a:latin typeface="Courier New"/>
-                <a:cs typeface="Courier New"/>
-              </a:rPr>
-              <a:t>xmlhttp.status</a:t>
-            </a:r>
-            <a:r>
-              <a:rPr lang="en-US" dirty="0" smtClean="0">
-                <a:solidFill>
-                  <a:srgbClr val="7F7F7F"/>
-                </a:solidFill>
-                <a:latin typeface="Courier New"/>
-                <a:cs typeface="Courier New"/>
-              </a:rPr>
-              <a:t> === 200</a:t>
-            </a:r>
-            <a:r>
-              <a:rPr lang="en-US" dirty="0">
-                <a:solidFill>
-                  <a:srgbClr val="7F7F7F"/>
-                </a:solidFill>
-                <a:latin typeface="Courier New"/>
-                <a:cs typeface="Courier New"/>
-              </a:rPr>
-              <a:t>) {</a:t>
-            </a:r>
-          </a:p>
-          <a:p>
-            <a:r>
-              <a:rPr lang="en-US" dirty="0">
-                <a:solidFill>
-                  <a:srgbClr val="7F7F7F"/>
-                </a:solidFill>
-                <a:latin typeface="Courier New"/>
-                <a:cs typeface="Courier New"/>
-              </a:rPr>
-              <a:t>						</a:t>
-            </a:r>
-            <a:r>
-              <a:rPr lang="en-US" dirty="0" err="1" smtClean="0">
-                <a:solidFill>
-                  <a:srgbClr val="7F7F7F"/>
-                </a:solidFill>
-                <a:latin typeface="Courier New"/>
-                <a:cs typeface="Courier New"/>
-              </a:rPr>
-              <a:t>console.log</a:t>
-            </a:r>
-            <a:r>
-              <a:rPr lang="en-US" dirty="0" smtClean="0">
-                <a:solidFill>
-                  <a:srgbClr val="7F7F7F"/>
-                </a:solidFill>
-                <a:latin typeface="Courier New"/>
-                <a:cs typeface="Courier New"/>
-              </a:rPr>
-              <a:t>(</a:t>
-            </a:r>
-            <a:r>
-              <a:rPr lang="en-US" dirty="0" err="1" smtClean="0">
-                <a:solidFill>
-                  <a:srgbClr val="7F7F7F"/>
-                </a:solidFill>
-                <a:latin typeface="Courier New"/>
-                <a:cs typeface="Courier New"/>
-              </a:rPr>
-              <a:t>xmlhttp</a:t>
-            </a:r>
-            <a:r>
-              <a:rPr lang="en-US" dirty="0" smtClean="0">
-                <a:solidFill>
-                  <a:srgbClr val="7F7F7F"/>
-                </a:solidFill>
-                <a:latin typeface="Courier New"/>
-                <a:cs typeface="Courier New"/>
-              </a:rPr>
-              <a:t>);</a:t>
-            </a:r>
-            <a:endParaRPr lang="en-US" dirty="0">
-              <a:solidFill>
-                <a:srgbClr val="7F7F7F"/>
-              </a:solidFill>
-              <a:latin typeface="Courier New"/>
-              <a:cs typeface="Courier New"/>
-            </a:endParaRPr>
-          </a:p>
-          <a:p>
-            <a:r>
-              <a:rPr lang="en-US" dirty="0">
-                <a:solidFill>
-                  <a:srgbClr val="7F7F7F"/>
-                </a:solidFill>
-                <a:latin typeface="Courier New"/>
-                <a:cs typeface="Courier New"/>
-              </a:rPr>
-              <a:t>					}</a:t>
-            </a:r>
-          </a:p>
-          <a:p>
-            <a:r>
-              <a:rPr lang="en-US" dirty="0">
-                <a:solidFill>
-                  <a:srgbClr val="7F7F7F"/>
-                </a:solidFill>
-                <a:latin typeface="Courier New"/>
-                <a:cs typeface="Courier New"/>
-              </a:rPr>
-              <a:t>				}</a:t>
-            </a:r>
-            <a:r>
-              <a:rPr lang="en-US" dirty="0" smtClean="0">
-                <a:solidFill>
-                  <a:srgbClr val="7F7F7F"/>
-                </a:solidFill>
-                <a:latin typeface="Courier New"/>
-                <a:cs typeface="Courier New"/>
-              </a:rPr>
-              <a:t>;</a:t>
-            </a:r>
-          </a:p>
-          <a:p>
-            <a:endParaRPr lang="en-US" dirty="0">
-              <a:solidFill>
-                <a:srgbClr val="7F7F7F"/>
-              </a:solidFill>
-              <a:latin typeface="Courier New"/>
-              <a:cs typeface="Courier New"/>
-            </a:endParaRPr>
-          </a:p>
-          <a:p>
-            <a:r>
-              <a:rPr lang="en-US" dirty="0">
-                <a:solidFill>
-                  <a:srgbClr val="7F7F7F"/>
-                </a:solidFill>
-                <a:latin typeface="Courier New"/>
-                <a:cs typeface="Courier New"/>
-              </a:rPr>
-              <a:t>				</a:t>
-            </a:r>
-            <a:r>
-              <a:rPr lang="en-US" dirty="0" err="1">
-                <a:solidFill>
-                  <a:srgbClr val="7F7F7F"/>
-                </a:solidFill>
-                <a:latin typeface="Courier New"/>
-                <a:cs typeface="Courier New"/>
-              </a:rPr>
-              <a:t>xmlhttp.open</a:t>
-            </a:r>
-            <a:r>
-              <a:rPr lang="en-US" dirty="0">
-                <a:solidFill>
-                  <a:srgbClr val="7F7F7F"/>
-                </a:solidFill>
-                <a:latin typeface="Courier New"/>
-                <a:cs typeface="Courier New"/>
-              </a:rPr>
-              <a:t>("GET", </a:t>
-            </a:r>
-            <a:r>
-              <a:rPr lang="en-US" dirty="0" smtClean="0">
-                <a:solidFill>
-                  <a:srgbClr val="7F7F7F"/>
-                </a:solidFill>
-                <a:latin typeface="Courier New"/>
-                <a:cs typeface="Courier New"/>
-              </a:rPr>
-              <a:t>”http</a:t>
-            </a:r>
-            <a:r>
-              <a:rPr lang="en-US" dirty="0">
-                <a:solidFill>
-                  <a:srgbClr val="7F7F7F"/>
-                </a:solidFill>
-                <a:latin typeface="Courier New"/>
-                <a:cs typeface="Courier New"/>
-              </a:rPr>
-              <a:t>://</a:t>
-            </a:r>
-            <a:r>
-              <a:rPr lang="en-US" dirty="0" err="1">
-                <a:solidFill>
-                  <a:srgbClr val="7F7F7F"/>
-                </a:solidFill>
-                <a:latin typeface="Courier New"/>
-                <a:cs typeface="Courier New"/>
-              </a:rPr>
-              <a:t>from.so</a:t>
-            </a:r>
-            <a:r>
-              <a:rPr lang="en-US" dirty="0">
-                <a:solidFill>
-                  <a:srgbClr val="7F7F7F"/>
-                </a:solidFill>
-                <a:latin typeface="Courier New"/>
-                <a:cs typeface="Courier New"/>
-              </a:rPr>
-              <a:t>/</a:t>
-            </a:r>
-            <a:r>
-              <a:rPr lang="en-US" dirty="0" err="1">
-                <a:solidFill>
-                  <a:srgbClr val="7F7F7F"/>
-                </a:solidFill>
-                <a:latin typeface="Courier New"/>
-                <a:cs typeface="Courier New"/>
-              </a:rPr>
-              <a:t>web_lab</a:t>
-            </a:r>
-            <a:r>
-              <a:rPr lang="en-US" dirty="0">
-                <a:solidFill>
-                  <a:srgbClr val="7F7F7F"/>
-                </a:solidFill>
-                <a:latin typeface="Courier New"/>
-                <a:cs typeface="Courier New"/>
-              </a:rPr>
-              <a:t>/</a:t>
-            </a:r>
-            <a:r>
-              <a:rPr lang="en-US" dirty="0" err="1">
-                <a:solidFill>
-                  <a:srgbClr val="7F7F7F"/>
-                </a:solidFill>
-                <a:latin typeface="Courier New"/>
-                <a:cs typeface="Courier New"/>
-              </a:rPr>
-              <a:t>pgh_weather.php</a:t>
-            </a:r>
-            <a:r>
-              <a:rPr lang="en-US" dirty="0">
-                <a:solidFill>
-                  <a:srgbClr val="7F7F7F"/>
-                </a:solidFill>
-                <a:latin typeface="Courier New"/>
-                <a:cs typeface="Courier New"/>
-              </a:rPr>
-              <a:t>"</a:t>
-            </a:r>
-            <a:r>
-              <a:rPr lang="en-US" dirty="0" smtClean="0">
-                <a:solidFill>
-                  <a:srgbClr val="7F7F7F"/>
-                </a:solidFill>
-                <a:latin typeface="Courier New"/>
-                <a:cs typeface="Courier New"/>
-              </a:rPr>
-              <a:t>);</a:t>
-            </a:r>
-          </a:p>
-          <a:p>
-            <a:endParaRPr lang="en-US" dirty="0">
-              <a:solidFill>
-                <a:srgbClr val="7F7F7F"/>
-              </a:solidFill>
-              <a:latin typeface="Courier New"/>
-              <a:cs typeface="Courier New"/>
-            </a:endParaRPr>
-          </a:p>
-          <a:p>
-            <a:r>
-              <a:rPr lang="en-US" dirty="0">
-                <a:solidFill>
-                  <a:srgbClr val="7F7F7F"/>
-                </a:solidFill>
-                <a:latin typeface="Courier New"/>
-                <a:cs typeface="Courier New"/>
-              </a:rPr>
-              <a:t>				</a:t>
-            </a:r>
-            <a:r>
-              <a:rPr lang="en-US" dirty="0" err="1">
-                <a:solidFill>
-                  <a:srgbClr val="7F7F7F"/>
-                </a:solidFill>
-                <a:latin typeface="Courier New"/>
-                <a:cs typeface="Courier New"/>
-              </a:rPr>
-              <a:t>xmlhttp.send</a:t>
-            </a:r>
-            <a:r>
-              <a:rPr lang="en-US" dirty="0">
-                <a:solidFill>
-                  <a:srgbClr val="7F7F7F"/>
-                </a:solidFill>
-                <a:latin typeface="Courier New"/>
-                <a:cs typeface="Courier New"/>
-              </a:rPr>
-              <a:t>();</a:t>
-            </a:r>
-          </a:p>
-        </p:txBody>
-      </p:sp>
-      <p:sp>
-        <p:nvSpPr>
-          <p:cNvPr id="2" name="Title 1"/>
-          <p:cNvSpPr>
-            <a:spLocks noGrp="1"/>
-          </p:cNvSpPr>
-          <p:nvPr>
-            <p:ph type="title"/>
-          </p:nvPr>
-        </p:nvSpPr>
-        <p:spPr/>
-        <p:txBody>
-          <a:bodyPr/>
+              <a:rPr lang="en-US" dirty="0" smtClean="0"/>
+              <a:t>click to</a:t>
+            </a:r>
+          </a:p>
+          <a:p>
+            <a:r>
+              <a:rPr lang="en-US" dirty="0" smtClean="0"/>
+              <a:t>send XHR</a:t>
+            </a:r>
+            <a:endParaRPr lang="en-US" dirty="0"/>
+          </a:p>
+        </p:txBody>
+      </p:sp>
+      <p:pic>
+        <p:nvPicPr>
+          <p:cNvPr id="9" name="Picture 8"/>
+          <p:cNvPicPr>
+            <a:picLocks noChangeAspect="1"/>
+          </p:cNvPicPr>
+          <p:nvPr/>
+        </p:nvPicPr>
+        <p:blipFill>
+          <a:blip r:embed="rId2"/>
+          <a:stretch>
+            <a:fillRect/>
+          </a:stretch>
+        </p:blipFill>
+        <p:spPr>
+          <a:xfrm>
+            <a:off x="3559617" y="3844504"/>
+            <a:ext cx="1580978" cy="1438690"/>
+          </a:xfrm>
+          <a:prstGeom prst="rect">
+            <a:avLst/>
+          </a:prstGeom>
+        </p:spPr>
+      </p:pic>
+      <p:sp>
+        <p:nvSpPr>
+          <p:cNvPr id="10" name="TextBox 9"/>
+          <p:cNvSpPr txBox="1"/>
+          <p:nvPr/>
+        </p:nvSpPr>
+        <p:spPr>
+          <a:xfrm>
+            <a:off x="3731584" y="3975297"/>
+            <a:ext cx="1146768" cy="369332"/>
+          </a:xfrm>
+          <a:prstGeom prst="rect">
+            <a:avLst/>
+          </a:prstGeom>
+          <a:noFill/>
+        </p:spPr>
+        <p:txBody>
+          <a:bodyPr wrap="none" rtlCol="0">
+            <a:spAutoFit/>
+          </a:bodyPr>
           <a:lstStyle/>
           <a:p>
-            <a:endParaRPr lang="en-US"/>
+            <a:r>
+              <a:rPr lang="en-US" dirty="0" smtClean="0"/>
+              <a:t>loading…</a:t>
+            </a:r>
+            <a:endParaRPr lang="en-US" dirty="0"/>
+          </a:p>
+        </p:txBody>
+      </p:sp>
+      <p:pic>
+        <p:nvPicPr>
+          <p:cNvPr id="11" name="Picture 10"/>
+          <p:cNvPicPr>
+            <a:picLocks noChangeAspect="1"/>
+          </p:cNvPicPr>
+          <p:nvPr/>
+        </p:nvPicPr>
+        <p:blipFill>
+          <a:blip r:embed="rId2"/>
+          <a:stretch>
+            <a:fillRect/>
+          </a:stretch>
+        </p:blipFill>
+        <p:spPr>
+          <a:xfrm>
+            <a:off x="6741277" y="2719970"/>
+            <a:ext cx="1580978" cy="1438690"/>
+          </a:xfrm>
+          <a:prstGeom prst="rect">
+            <a:avLst/>
+          </a:prstGeom>
+        </p:spPr>
+      </p:pic>
+      <p:sp>
+        <p:nvSpPr>
+          <p:cNvPr id="12" name="TextBox 11"/>
+          <p:cNvSpPr txBox="1"/>
+          <p:nvPr/>
+        </p:nvSpPr>
+        <p:spPr>
+          <a:xfrm>
+            <a:off x="6913244" y="2850763"/>
+            <a:ext cx="1030450" cy="646331"/>
+          </a:xfrm>
+          <a:prstGeom prst="rect">
+            <a:avLst/>
+          </a:prstGeom>
+          <a:noFill/>
+        </p:spPr>
+        <p:txBody>
+          <a:bodyPr wrap="none" rtlCol="0">
+            <a:spAutoFit/>
+          </a:bodyPr>
+          <a:lstStyle/>
+          <a:p>
+            <a:r>
+              <a:rPr lang="en-US" dirty="0" smtClean="0"/>
+              <a:t>Got</a:t>
+            </a:r>
+          </a:p>
+          <a:p>
+            <a:r>
+              <a:rPr lang="en-US" dirty="0" smtClean="0"/>
+              <a:t>response</a:t>
+            </a:r>
+            <a:endParaRPr lang="en-US" dirty="0"/>
+          </a:p>
+        </p:txBody>
+      </p:sp>
+      <p:cxnSp>
+        <p:nvCxnSpPr>
+          <p:cNvPr id="14" name="Straight Arrow Connector 13"/>
+          <p:cNvCxnSpPr/>
+          <p:nvPr/>
+        </p:nvCxnSpPr>
+        <p:spPr>
+          <a:xfrm>
+            <a:off x="132282" y="6204778"/>
+            <a:ext cx="8624793" cy="0"/>
+          </a:xfrm>
+          <a:prstGeom prst="straightConnector1">
+            <a:avLst/>
+          </a:prstGeom>
+          <a:ln>
+            <a:tailEnd type="arrow"/>
+          </a:ln>
+        </p:spPr>
+        <p:style>
+          <a:lnRef idx="2">
+            <a:schemeClr val="accent1"/>
+          </a:lnRef>
+          <a:fillRef idx="0">
+            <a:schemeClr val="accent1"/>
+          </a:fillRef>
+          <a:effectRef idx="1">
+            <a:schemeClr val="accent1"/>
+          </a:effectRef>
+          <a:fontRef idx="minor">
+            <a:schemeClr val="tx1"/>
+          </a:fontRef>
+        </p:style>
+      </p:cxnSp>
+      <p:sp>
+        <p:nvSpPr>
+          <p:cNvPr id="15" name="TextBox 14"/>
+          <p:cNvSpPr txBox="1"/>
+          <p:nvPr/>
+        </p:nvSpPr>
+        <p:spPr>
+          <a:xfrm>
+            <a:off x="4082307" y="6218008"/>
+            <a:ext cx="701447" cy="369332"/>
+          </a:xfrm>
+          <a:prstGeom prst="rect">
+            <a:avLst/>
+          </a:prstGeom>
+          <a:noFill/>
+        </p:spPr>
+        <p:txBody>
+          <a:bodyPr wrap="none" rtlCol="0">
+            <a:spAutoFit/>
+          </a:bodyPr>
+          <a:lstStyle/>
+          <a:p>
+            <a:r>
+              <a:rPr lang="en-US" dirty="0" smtClean="0"/>
+              <a:t>Time</a:t>
+            </a:r>
+            <a:endParaRPr lang="en-US" dirty="0"/>
+          </a:p>
+        </p:txBody>
+      </p:sp>
+      <p:cxnSp>
+        <p:nvCxnSpPr>
+          <p:cNvPr id="16" name="Straight Arrow Connector 15"/>
+          <p:cNvCxnSpPr>
+            <a:stCxn id="6" idx="3"/>
+            <a:endCxn id="9" idx="1"/>
+          </p:cNvCxnSpPr>
+          <p:nvPr/>
+        </p:nvCxnSpPr>
+        <p:spPr>
+          <a:xfrm>
+            <a:off x="2222340" y="4563849"/>
+            <a:ext cx="1337277" cy="0"/>
+          </a:xfrm>
+          <a:prstGeom prst="straightConnector1">
+            <a:avLst/>
+          </a:prstGeom>
+          <a:ln>
+            <a:tailEnd type="arrow"/>
+          </a:ln>
+        </p:spPr>
+        <p:style>
+          <a:lnRef idx="2">
+            <a:schemeClr val="accent1"/>
+          </a:lnRef>
+          <a:fillRef idx="0">
+            <a:schemeClr val="accent1"/>
+          </a:fillRef>
+          <a:effectRef idx="1">
+            <a:schemeClr val="accent1"/>
+          </a:effectRef>
+          <a:fontRef idx="minor">
+            <a:schemeClr val="tx1"/>
+          </a:fontRef>
+        </p:style>
+      </p:cxnSp>
+      <p:cxnSp>
+        <p:nvCxnSpPr>
+          <p:cNvPr id="19" name="Straight Arrow Connector 18"/>
+          <p:cNvCxnSpPr>
+            <a:stCxn id="6" idx="3"/>
+            <a:endCxn id="7" idx="1"/>
+          </p:cNvCxnSpPr>
+          <p:nvPr/>
+        </p:nvCxnSpPr>
+        <p:spPr>
+          <a:xfrm flipV="1">
+            <a:off x="2222340" y="1123677"/>
+            <a:ext cx="1509244" cy="3440172"/>
+          </a:xfrm>
+          <a:prstGeom prst="straightConnector1">
+            <a:avLst/>
+          </a:prstGeom>
+          <a:ln>
+            <a:tailEnd type="arrow"/>
+          </a:ln>
+        </p:spPr>
+        <p:style>
+          <a:lnRef idx="2">
+            <a:schemeClr val="accent1"/>
+          </a:lnRef>
+          <a:fillRef idx="0">
+            <a:schemeClr val="accent1"/>
+          </a:fillRef>
+          <a:effectRef idx="1">
+            <a:schemeClr val="accent1"/>
+          </a:effectRef>
+          <a:fontRef idx="minor">
+            <a:schemeClr val="tx1"/>
+          </a:fontRef>
+        </p:style>
+      </p:cxnSp>
+      <p:pic>
+        <p:nvPicPr>
+          <p:cNvPr id="22" name="Picture 21"/>
+          <p:cNvPicPr>
+            <a:picLocks noChangeAspect="1"/>
+          </p:cNvPicPr>
+          <p:nvPr/>
+        </p:nvPicPr>
+        <p:blipFill>
+          <a:blip r:embed="rId2"/>
+          <a:stretch>
+            <a:fillRect/>
+          </a:stretch>
+        </p:blipFill>
+        <p:spPr>
+          <a:xfrm>
+            <a:off x="6741277" y="4530243"/>
+            <a:ext cx="1580978" cy="1438690"/>
+          </a:xfrm>
+          <a:prstGeom prst="rect">
+            <a:avLst/>
+          </a:prstGeom>
+        </p:spPr>
+      </p:pic>
+      <p:sp>
+        <p:nvSpPr>
+          <p:cNvPr id="23" name="TextBox 22"/>
+          <p:cNvSpPr txBox="1"/>
+          <p:nvPr/>
+        </p:nvSpPr>
+        <p:spPr>
+          <a:xfrm>
+            <a:off x="6913244" y="4661036"/>
+            <a:ext cx="712154" cy="369332"/>
+          </a:xfrm>
+          <a:prstGeom prst="rect">
+            <a:avLst/>
+          </a:prstGeom>
+          <a:noFill/>
+        </p:spPr>
+        <p:txBody>
+          <a:bodyPr wrap="none" rtlCol="0">
+            <a:spAutoFit/>
+          </a:bodyPr>
+          <a:lstStyle/>
+          <a:p>
+            <a:r>
+              <a:rPr lang="en-US" dirty="0" smtClean="0"/>
+              <a:t>Error</a:t>
+            </a:r>
+          </a:p>
+        </p:txBody>
+      </p:sp>
+      <p:cxnSp>
+        <p:nvCxnSpPr>
+          <p:cNvPr id="24" name="Straight Arrow Connector 23"/>
+          <p:cNvCxnSpPr>
+            <a:stCxn id="9" idx="3"/>
+            <a:endCxn id="11" idx="1"/>
+          </p:cNvCxnSpPr>
+          <p:nvPr/>
+        </p:nvCxnSpPr>
+        <p:spPr>
+          <a:xfrm flipV="1">
+            <a:off x="5140595" y="3439315"/>
+            <a:ext cx="1600682" cy="1124534"/>
+          </a:xfrm>
+          <a:prstGeom prst="straightConnector1">
+            <a:avLst/>
+          </a:prstGeom>
+          <a:ln>
+            <a:tailEnd type="arrow"/>
+          </a:ln>
+        </p:spPr>
+        <p:style>
+          <a:lnRef idx="2">
+            <a:schemeClr val="accent1"/>
+          </a:lnRef>
+          <a:fillRef idx="0">
+            <a:schemeClr val="accent1"/>
+          </a:fillRef>
+          <a:effectRef idx="1">
+            <a:schemeClr val="accent1"/>
+          </a:effectRef>
+          <a:fontRef idx="minor">
+            <a:schemeClr val="tx1"/>
+          </a:fontRef>
+        </p:style>
+      </p:cxnSp>
+      <p:cxnSp>
+        <p:nvCxnSpPr>
+          <p:cNvPr id="27" name="Straight Arrow Connector 26"/>
+          <p:cNvCxnSpPr>
+            <a:stCxn id="9" idx="3"/>
+            <a:endCxn id="22" idx="1"/>
+          </p:cNvCxnSpPr>
+          <p:nvPr/>
+        </p:nvCxnSpPr>
+        <p:spPr>
+          <a:xfrm>
+            <a:off x="5140595" y="4563849"/>
+            <a:ext cx="1600682" cy="685739"/>
+          </a:xfrm>
+          <a:prstGeom prst="straightConnector1">
+            <a:avLst/>
+          </a:prstGeom>
+          <a:ln>
+            <a:tailEnd type="arrow"/>
+          </a:ln>
+        </p:spPr>
+        <p:style>
+          <a:lnRef idx="2">
+            <a:schemeClr val="accent1"/>
+          </a:lnRef>
+          <a:fillRef idx="0">
+            <a:schemeClr val="accent1"/>
+          </a:fillRef>
+          <a:effectRef idx="1">
+            <a:schemeClr val="accent1"/>
+          </a:effectRef>
+          <a:fontRef idx="minor">
+            <a:schemeClr val="tx1"/>
+          </a:fontRef>
+        </p:style>
+      </p:cxnSp>
+      <p:sp>
+        <p:nvSpPr>
+          <p:cNvPr id="30" name="TextBox 29"/>
+          <p:cNvSpPr txBox="1"/>
+          <p:nvPr/>
+        </p:nvSpPr>
+        <p:spPr>
+          <a:xfrm>
+            <a:off x="5875005" y="4271014"/>
+            <a:ext cx="391491" cy="369332"/>
+          </a:xfrm>
+          <a:prstGeom prst="rect">
+            <a:avLst/>
+          </a:prstGeom>
+          <a:noFill/>
+        </p:spPr>
+        <p:txBody>
+          <a:bodyPr wrap="none" rtlCol="0">
+            <a:spAutoFit/>
+          </a:bodyPr>
+          <a:lstStyle/>
+          <a:p>
+            <a:r>
+              <a:rPr lang="en-US" dirty="0" smtClean="0"/>
+              <a:t>or</a:t>
+            </a:r>
+            <a:endParaRPr lang="en-US" dirty="0"/>
+          </a:p>
+        </p:txBody>
+      </p:sp>
+      <p:sp>
+        <p:nvSpPr>
+          <p:cNvPr id="31" name="TextBox 30"/>
+          <p:cNvSpPr txBox="1"/>
+          <p:nvPr/>
+        </p:nvSpPr>
+        <p:spPr>
+          <a:xfrm>
+            <a:off x="2733581" y="2666097"/>
+            <a:ext cx="889987" cy="646331"/>
+          </a:xfrm>
+          <a:prstGeom prst="rect">
+            <a:avLst/>
+          </a:prstGeom>
+          <a:noFill/>
+        </p:spPr>
+        <p:txBody>
+          <a:bodyPr wrap="none" rtlCol="0">
+            <a:spAutoFit/>
+          </a:bodyPr>
+          <a:lstStyle/>
+          <a:p>
+            <a:r>
+              <a:rPr lang="en-US" dirty="0" smtClean="0"/>
+              <a:t>send</a:t>
+            </a:r>
+          </a:p>
+          <a:p>
+            <a:r>
+              <a:rPr lang="en-US" dirty="0" smtClean="0"/>
+              <a:t>request</a:t>
+            </a:r>
+            <a:endParaRPr lang="en-US" dirty="0"/>
+          </a:p>
+        </p:txBody>
+      </p:sp>
+      <p:cxnSp>
+        <p:nvCxnSpPr>
+          <p:cNvPr id="32" name="Straight Arrow Connector 31"/>
+          <p:cNvCxnSpPr>
+            <a:stCxn id="7" idx="3"/>
+            <a:endCxn id="11" idx="1"/>
+          </p:cNvCxnSpPr>
+          <p:nvPr/>
+        </p:nvCxnSpPr>
+        <p:spPr>
+          <a:xfrm>
+            <a:off x="4978526" y="1123677"/>
+            <a:ext cx="1762751" cy="2315638"/>
+          </a:xfrm>
+          <a:prstGeom prst="straightConnector1">
+            <a:avLst/>
+          </a:prstGeom>
+          <a:ln>
+            <a:tailEnd type="arrow"/>
+          </a:ln>
+        </p:spPr>
+        <p:style>
+          <a:lnRef idx="2">
+            <a:schemeClr val="accent1"/>
+          </a:lnRef>
+          <a:fillRef idx="0">
+            <a:schemeClr val="accent1"/>
+          </a:fillRef>
+          <a:effectRef idx="1">
+            <a:schemeClr val="accent1"/>
+          </a:effectRef>
+          <a:fontRef idx="minor">
+            <a:schemeClr val="tx1"/>
+          </a:fontRef>
+        </p:style>
+      </p:cxnSp>
+      <p:cxnSp>
+        <p:nvCxnSpPr>
+          <p:cNvPr id="35" name="Straight Arrow Connector 34"/>
+          <p:cNvCxnSpPr>
+            <a:stCxn id="7" idx="3"/>
+            <a:endCxn id="22" idx="1"/>
+          </p:cNvCxnSpPr>
+          <p:nvPr/>
+        </p:nvCxnSpPr>
+        <p:spPr>
+          <a:xfrm>
+            <a:off x="4978526" y="1123677"/>
+            <a:ext cx="1762751" cy="4125911"/>
+          </a:xfrm>
+          <a:prstGeom prst="straightConnector1">
+            <a:avLst/>
+          </a:prstGeom>
+          <a:ln>
+            <a:tailEnd type="arrow"/>
+          </a:ln>
+        </p:spPr>
+        <p:style>
+          <a:lnRef idx="2">
+            <a:schemeClr val="accent1"/>
+          </a:lnRef>
+          <a:fillRef idx="0">
+            <a:schemeClr val="accent1"/>
+          </a:fillRef>
+          <a:effectRef idx="1">
+            <a:schemeClr val="accent1"/>
+          </a:effectRef>
+          <a:fontRef idx="minor">
+            <a:schemeClr val="tx1"/>
+          </a:fontRef>
+        </p:style>
+      </p:cxnSp>
+      <p:sp>
+        <p:nvSpPr>
+          <p:cNvPr id="39" name="TextBox 38"/>
+          <p:cNvSpPr txBox="1"/>
+          <p:nvPr/>
+        </p:nvSpPr>
+        <p:spPr>
+          <a:xfrm>
+            <a:off x="5875005" y="1747148"/>
+            <a:ext cx="2921180" cy="369332"/>
+          </a:xfrm>
+          <a:prstGeom prst="rect">
+            <a:avLst/>
+          </a:prstGeom>
+          <a:noFill/>
+        </p:spPr>
+        <p:txBody>
+          <a:bodyPr wrap="none" rtlCol="0">
+            <a:spAutoFit/>
+          </a:bodyPr>
+          <a:lstStyle/>
+          <a:p>
+            <a:r>
+              <a:rPr lang="en-US" dirty="0" smtClean="0"/>
+              <a:t>send response w/ 200 status</a:t>
+            </a:r>
+          </a:p>
+        </p:txBody>
+      </p:sp>
+      <p:sp>
+        <p:nvSpPr>
+          <p:cNvPr id="40" name="TextBox 39"/>
+          <p:cNvSpPr txBox="1"/>
+          <p:nvPr/>
+        </p:nvSpPr>
+        <p:spPr>
+          <a:xfrm>
+            <a:off x="4783754" y="3127762"/>
+            <a:ext cx="1662422" cy="369332"/>
+          </a:xfrm>
+          <a:prstGeom prst="rect">
+            <a:avLst/>
+          </a:prstGeom>
+          <a:noFill/>
+        </p:spPr>
+        <p:txBody>
+          <a:bodyPr wrap="none" rtlCol="0">
+            <a:spAutoFit/>
+          </a:bodyPr>
+          <a:lstStyle/>
+          <a:p>
+            <a:r>
+              <a:rPr lang="en-US" dirty="0" smtClean="0"/>
+              <a:t>send 40x status</a:t>
+            </a:r>
           </a:p>
         </p:txBody>
       </p:sp>
     </p:spTree>
     <p:extLst>
       <p:ext uri="{BB962C8B-B14F-4D97-AF65-F5344CB8AC3E}">
-        <p14:creationId xmlns:p14="http://schemas.microsoft.com/office/powerpoint/2010/main" val="3080724294"/>
+        <p14:creationId xmlns:p14="http://schemas.microsoft.com/office/powerpoint/2010/main" val="444897268"/>
       </p:ext>
     </p:extLst>
   </p:cSld>
   <p:clrMapOvr>
     <a:masterClrMapping/>
   </p:clrMapOvr>
-  <p:timing>
-    <p:tnLst>
-      <p:par>
-        <p:cTn xmlns:p14="http://schemas.microsoft.com/office/powerpoint/2010/main" id="1" dur="indefinite" restart="never" nodeType="tmRoot"/>
-      </p:par>
-    </p:tnLst>
-  </p:timing>
 </p:sld>
 </file>
 
@@ -8472,8 +8374,8 @@
         </p:nvSpPr>
         <p:spPr>
           <a:xfrm>
-            <a:off x="-1289755" y="2047854"/>
-            <a:ext cx="11073717" cy="3139321"/>
+            <a:off x="547945" y="2046246"/>
+            <a:ext cx="8852227" cy="3139321"/>
           </a:xfrm>
           <a:prstGeom prst="rect">
             <a:avLst/>
@@ -8486,60 +8388,35 @@
           <a:lstStyle/>
           <a:p>
             <a:r>
-              <a:rPr lang="en-US" dirty="0">
-                <a:solidFill>
-                  <a:srgbClr val="7F7F7F"/>
-                </a:solidFill>
-                <a:latin typeface="Courier New"/>
-                <a:cs typeface="Courier New"/>
-              </a:rPr>
-              <a:t>				</a:t>
+              <a:rPr lang="en-US" dirty="0" err="1" smtClean="0">
+                <a:latin typeface="Courier New"/>
+                <a:cs typeface="Courier New"/>
+              </a:rPr>
+              <a:t>var</a:t>
+            </a:r>
+            <a:r>
+              <a:rPr lang="en-US" dirty="0" smtClean="0">
+                <a:latin typeface="Courier New"/>
+                <a:cs typeface="Courier New"/>
+              </a:rPr>
+              <a:t> </a:t>
             </a:r>
             <a:r>
               <a:rPr lang="en-US" dirty="0" err="1">
-                <a:solidFill>
-                  <a:srgbClr val="7F7F7F"/>
-                </a:solidFill>
-                <a:latin typeface="Courier New"/>
-                <a:cs typeface="Courier New"/>
-              </a:rPr>
-              <a:t>var</a:t>
-            </a:r>
-            <a:r>
-              <a:rPr lang="en-US" dirty="0">
-                <a:solidFill>
-                  <a:srgbClr val="7F7F7F"/>
-                </a:solidFill>
-                <a:latin typeface="Courier New"/>
-                <a:cs typeface="Courier New"/>
-              </a:rPr>
-              <a:t> </a:t>
+                <a:latin typeface="Courier New"/>
+                <a:cs typeface="Courier New"/>
+              </a:rPr>
+              <a:t>xmlhttp</a:t>
+            </a:r>
+            <a:r>
+              <a:rPr lang="en-US" dirty="0">
+                <a:latin typeface="Courier New"/>
+                <a:cs typeface="Courier New"/>
+              </a:rPr>
+              <a:t> = new </a:t>
             </a:r>
             <a:r>
               <a:rPr lang="en-US" dirty="0" err="1">
-                <a:solidFill>
-                  <a:srgbClr val="7F7F7F"/>
-                </a:solidFill>
-                <a:latin typeface="Courier New"/>
-                <a:cs typeface="Courier New"/>
-              </a:rPr>
-              <a:t>xmlhttp</a:t>
-            </a:r>
-            <a:r>
-              <a:rPr lang="en-US" dirty="0">
-                <a:solidFill>
-                  <a:srgbClr val="7F7F7F"/>
-                </a:solidFill>
-                <a:latin typeface="Courier New"/>
-                <a:cs typeface="Courier New"/>
-              </a:rPr>
-              <a:t> = new </a:t>
-            </a:r>
-            <a:r>
-              <a:rPr lang="en-US" dirty="0" err="1">
-                <a:solidFill>
-                  <a:srgbClr val="7F7F7F"/>
-                </a:solidFill>
                 <a:latin typeface="Courier New"/>
                 <a:cs typeface="Courier New"/>
               </a:rPr>
@@ -8547,9 +8424,6 @@
             </a:r>
             <a:r>
               <a:rPr lang="en-US" dirty="0">
-                <a:solidFill>
-                  <a:srgbClr val="7F7F7F"/>
-                </a:solidFill>
                 <a:latin typeface="Courier New"/>
                 <a:cs typeface="Courier New"/>
               </a:rPr>
@@ -8557,9 +8431,6 @@
             </a:r>
             <a:r>
               <a:rPr lang="en-US" dirty="0" smtClean="0">
-                <a:solidFill>
-                  <a:srgbClr val="7F7F7F"/>
-                </a:solidFill>
                 <a:latin typeface="Courier New"/>
                 <a:cs typeface="Courier New"/>
               </a:rPr>
@@ -8574,13 +8445,6 @@
           </a:p>
           <a:p>
             <a:r>
-              <a:rPr lang="en-US" dirty="0">
-                <a:latin typeface="Courier New"/>
-                <a:cs typeface="Courier New"/>
-              </a:rPr>
-              <a:t>				</a:t>
-            </a:r>
-            <a:r>
               <a:rPr lang="en-US" dirty="0" err="1" smtClean="0">
                 <a:latin typeface="Courier New"/>
                 <a:cs typeface="Courier New"/>
@@ -8604,20 +8468,21 @@
           </a:p>
           <a:p>
             <a:r>
-              <a:rPr lang="en-US" dirty="0">
-                <a:solidFill>
-                  <a:srgbClr val="7F7F7F"/>
-                </a:solidFill>
-                <a:latin typeface="Courier New"/>
-                <a:cs typeface="Courier New"/>
-              </a:rPr>
-              <a:t>					if (</a:t>
+              <a:rPr lang="en-US" dirty="0" smtClean="0">
+                <a:latin typeface="Courier New"/>
+                <a:cs typeface="Courier New"/>
+              </a:rPr>
+              <a:t>	if </a:t>
+            </a:r>
+            <a:r>
+              <a:rPr lang="en-US" dirty="0">
+                <a:latin typeface="Courier New"/>
+                <a:cs typeface="Courier New"/>
+              </a:rPr>
+              <a:t>(</a:t>
             </a:r>
             <a:r>
               <a:rPr lang="en-US" dirty="0" err="1" smtClean="0">
-                <a:solidFill>
-                  <a:srgbClr val="7F7F7F"/>
-                </a:solidFill>
                 <a:latin typeface="Courier New"/>
                 <a:cs typeface="Courier New"/>
               </a:rPr>
@@ -8625,9 +8490,6 @@
             </a:r>
             <a:r>
               <a:rPr lang="en-US" dirty="0" smtClean="0">
-                <a:solidFill>
-                  <a:srgbClr val="7F7F7F"/>
-                </a:solidFill>
                 <a:latin typeface="Courier New"/>
                 <a:cs typeface="Courier New"/>
               </a:rPr>
@@ -8635,9 +8497,6 @@
             </a:r>
             <a:r>
               <a:rPr lang="en-US" dirty="0">
-                <a:solidFill>
-                  <a:srgbClr val="7F7F7F"/>
-                </a:solidFill>
                 <a:latin typeface="Courier New"/>
                 <a:cs typeface="Courier New"/>
               </a:rPr>
@@ -8645,9 +8504,6 @@
             </a:r>
             <a:r>
               <a:rPr lang="en-US" dirty="0" err="1" smtClean="0">
-                <a:solidFill>
-                  <a:srgbClr val="7F7F7F"/>
-                </a:solidFill>
                 <a:latin typeface="Courier New"/>
                 <a:cs typeface="Courier New"/>
               </a:rPr>
@@ -8655,9 +8511,6 @@
             </a:r>
             <a:r>
               <a:rPr lang="en-US" dirty="0" smtClean="0">
-                <a:solidFill>
-                  <a:srgbClr val="7F7F7F"/>
-                </a:solidFill>
                 <a:latin typeface="Courier New"/>
                 <a:cs typeface="Courier New"/>
               </a:rPr>
@@ -8665,9 +8518,6 @@
             </a:r>
             <a:r>
               <a:rPr lang="en-US" dirty="0">
-                <a:solidFill>
-                  <a:srgbClr val="7F7F7F"/>
-                </a:solidFill>
                 <a:latin typeface="Courier New"/>
                 <a:cs typeface="Courier New"/>
               </a:rPr>
@@ -8677,19 +8527,20 @@
           <a:p>
             <a:r>
               <a:rPr lang="en-US" dirty="0">
-                <a:solidFill>
-                  <a:srgbClr val="7F7F7F"/>
-                </a:solidFill>
-                <a:latin typeface="Courier New"/>
-                <a:cs typeface="Courier New"/>
-              </a:rPr>
-              <a:t>						</a:t>
+                <a:latin typeface="Courier New"/>
+                <a:cs typeface="Courier New"/>
+              </a:rPr>
+              <a:t>	</a:t>
+            </a:r>
+            <a:r>
+              <a:rPr lang="en-US" dirty="0" smtClean="0">
+                <a:latin typeface="Courier New"/>
+                <a:cs typeface="Courier New"/>
+              </a:rPr>
+              <a:t>	</a:t>
             </a:r>
             <a:r>
               <a:rPr lang="en-US" dirty="0" err="1" smtClean="0">
-                <a:solidFill>
-                  <a:srgbClr val="7F7F7F"/>
-                </a:solidFill>
                 <a:latin typeface="Courier New"/>
                 <a:cs typeface="Courier New"/>
               </a:rPr>
@@ -8697,9 +8548,6 @@
             </a:r>
             <a:r>
               <a:rPr lang="en-US" dirty="0" smtClean="0">
-                <a:solidFill>
-                  <a:srgbClr val="7F7F7F"/>
-                </a:solidFill>
                 <a:latin typeface="Courier New"/>
                 <a:cs typeface="Courier New"/>
               </a:rPr>
@@ -8707,9 +8555,6 @@
             </a:r>
             <a:r>
               <a:rPr lang="en-US" dirty="0" err="1" smtClean="0">
-                <a:solidFill>
-                  <a:srgbClr val="7F7F7F"/>
-                </a:solidFill>
                 <a:latin typeface="Courier New"/>
                 <a:cs typeface="Courier New"/>
               </a:rPr>
@@ -8717,18 +8562,12 @@
             </a:r>
             <a:r>
               <a:rPr lang="en-US" dirty="0" smtClean="0">
-                <a:solidFill>
-                  <a:srgbClr val="7F7F7F"/>
-                </a:solidFill>
                 <a:latin typeface="Courier New"/>
                 <a:cs typeface="Courier New"/>
               </a:rPr>
               <a:t>);</a:t>
             </a:r>
             <a:endParaRPr lang="en-US" dirty="0">
-              <a:solidFill>
-                <a:srgbClr val="7F7F7F"/>
-              </a:solidFill>
               <a:latin typeface="Courier New"/>
               <a:cs typeface="Courier New"/>
             </a:endParaRPr>
@@ -8736,187 +8575,126 @@
           <a:p>
             <a:r>
               <a:rPr lang="en-US" dirty="0">
-                <a:solidFill>
-                  <a:srgbClr val="7F7F7F"/>
-                </a:solidFill>
-                <a:latin typeface="Courier New"/>
-                <a:cs typeface="Courier New"/>
-              </a:rPr>
-              <a:t>					}</a:t>
-            </a:r>
-          </a:p>
-          <a:p>
-            <a:r>
-              <a:rPr lang="en-US" dirty="0">
-                <a:latin typeface="Courier New"/>
-                <a:cs typeface="Courier New"/>
-              </a:rPr>
-              <a:t>				}</a:t>
+                <a:latin typeface="Courier New"/>
+                <a:cs typeface="Courier New"/>
+              </a:rPr>
+              <a:t>	</a:t>
             </a:r>
             <a:r>
               <a:rPr lang="en-US" dirty="0" smtClean="0">
                 <a:latin typeface="Courier New"/>
                 <a:cs typeface="Courier New"/>
               </a:rPr>
-              <a:t>;</a:t>
-            </a:r>
-          </a:p>
-          <a:p>
+              <a:t>}</a:t>
+            </a:r>
             <a:endParaRPr lang="en-US" dirty="0">
-              <a:solidFill>
-                <a:srgbClr val="7F7F7F"/>
-              </a:solidFill>
               <a:latin typeface="Courier New"/>
               <a:cs typeface="Courier New"/>
             </a:endParaRPr>
           </a:p>
           <a:p>
             <a:r>
-              <a:rPr lang="en-US" dirty="0">
-                <a:solidFill>
-                  <a:srgbClr val="7F7F7F"/>
-                </a:solidFill>
-                <a:latin typeface="Courier New"/>
-                <a:cs typeface="Courier New"/>
-              </a:rPr>
-              <a:t>				</a:t>
-            </a:r>
-            <a:r>
-              <a:rPr lang="en-US" dirty="0" err="1">
-                <a:solidFill>
-                  <a:srgbClr val="7F7F7F"/>
-                </a:solidFill>
-                <a:latin typeface="Courier New"/>
-                <a:cs typeface="Courier New"/>
-              </a:rPr>
-              <a:t>xmlhttp.open</a:t>
-            </a:r>
-            <a:r>
-              <a:rPr lang="en-US" dirty="0">
-                <a:solidFill>
-                  <a:srgbClr val="7F7F7F"/>
-                </a:solidFill>
-                <a:latin typeface="Courier New"/>
-                <a:cs typeface="Courier New"/>
-              </a:rPr>
-              <a:t>("GET", </a:t>
-            </a:r>
-            <a:r>
               <a:rPr lang="en-US" dirty="0" smtClean="0">
-                <a:solidFill>
-                  <a:srgbClr val="7F7F7F"/>
-                </a:solidFill>
-                <a:latin typeface="Courier New"/>
-                <a:cs typeface="Courier New"/>
-              </a:rPr>
-              <a:t>”http</a:t>
-            </a:r>
-            <a:r>
-              <a:rPr lang="en-US" dirty="0">
-                <a:solidFill>
-                  <a:srgbClr val="7F7F7F"/>
-                </a:solidFill>
-                <a:latin typeface="Courier New"/>
-                <a:cs typeface="Courier New"/>
-              </a:rPr>
-              <a:t>://</a:t>
-            </a:r>
-            <a:r>
-              <a:rPr lang="en-US" dirty="0" err="1">
-                <a:solidFill>
-                  <a:srgbClr val="7F7F7F"/>
-                </a:solidFill>
-                <a:latin typeface="Courier New"/>
-                <a:cs typeface="Courier New"/>
-              </a:rPr>
-              <a:t>from.so</a:t>
-            </a:r>
-            <a:r>
-              <a:rPr lang="en-US" dirty="0">
-                <a:solidFill>
-                  <a:srgbClr val="7F7F7F"/>
-                </a:solidFill>
-                <a:latin typeface="Courier New"/>
-                <a:cs typeface="Courier New"/>
-              </a:rPr>
-              <a:t>/</a:t>
-            </a:r>
-            <a:r>
-              <a:rPr lang="en-US" dirty="0" err="1">
-                <a:solidFill>
-                  <a:srgbClr val="7F7F7F"/>
-                </a:solidFill>
-                <a:latin typeface="Courier New"/>
-                <a:cs typeface="Courier New"/>
-              </a:rPr>
-              <a:t>web_lab</a:t>
-            </a:r>
-            <a:r>
-              <a:rPr lang="en-US" dirty="0">
-                <a:solidFill>
-                  <a:srgbClr val="7F7F7F"/>
-                </a:solidFill>
-                <a:latin typeface="Courier New"/>
-                <a:cs typeface="Courier New"/>
-              </a:rPr>
-              <a:t>/</a:t>
-            </a:r>
-            <a:r>
-              <a:rPr lang="en-US" dirty="0" err="1">
-                <a:solidFill>
-                  <a:srgbClr val="7F7F7F"/>
-                </a:solidFill>
-                <a:latin typeface="Courier New"/>
-                <a:cs typeface="Courier New"/>
-              </a:rPr>
-              <a:t>pgh_weather.php</a:t>
-            </a:r>
-            <a:r>
-              <a:rPr lang="en-US" dirty="0">
-                <a:solidFill>
-                  <a:srgbClr val="7F7F7F"/>
-                </a:solidFill>
-                <a:latin typeface="Courier New"/>
-                <a:cs typeface="Courier New"/>
-              </a:rPr>
-              <a:t>"</a:t>
-            </a:r>
-            <a:r>
-              <a:rPr lang="en-US" dirty="0" smtClean="0">
-                <a:solidFill>
-                  <a:srgbClr val="7F7F7F"/>
-                </a:solidFill>
-                <a:latin typeface="Courier New"/>
-                <a:cs typeface="Courier New"/>
-              </a:rPr>
-              <a:t>);</a:t>
+                <a:latin typeface="Courier New"/>
+                <a:cs typeface="Courier New"/>
+              </a:rPr>
+              <a:t>};</a:t>
             </a:r>
           </a:p>
           <a:p>
             <a:endParaRPr lang="en-US" dirty="0">
-              <a:solidFill>
-                <a:srgbClr val="7F7F7F"/>
-              </a:solidFill>
               <a:latin typeface="Courier New"/>
               <a:cs typeface="Courier New"/>
             </a:endParaRPr>
           </a:p>
           <a:p>
             <a:r>
-              <a:rPr lang="en-US" dirty="0">
-                <a:solidFill>
-                  <a:srgbClr val="7F7F7F"/>
-                </a:solidFill>
-                <a:latin typeface="Courier New"/>
-                <a:cs typeface="Courier New"/>
-              </a:rPr>
-              <a:t>				</a:t>
+              <a:rPr lang="en-US" dirty="0" err="1" smtClean="0">
+                <a:latin typeface="Courier New"/>
+                <a:cs typeface="Courier New"/>
+              </a:rPr>
+              <a:t>xmlhttp.open</a:t>
+            </a:r>
+            <a:r>
+              <a:rPr lang="en-US" dirty="0">
+                <a:latin typeface="Courier New"/>
+                <a:cs typeface="Courier New"/>
+              </a:rPr>
+              <a:t>("GET", </a:t>
+            </a:r>
+            <a:r>
+              <a:rPr lang="en-US" dirty="0" smtClean="0">
+                <a:latin typeface="Courier New"/>
+                <a:cs typeface="Courier New"/>
+              </a:rPr>
+              <a:t>"http</a:t>
+            </a:r>
+            <a:r>
+              <a:rPr lang="en-US" dirty="0">
+                <a:latin typeface="Courier New"/>
+                <a:cs typeface="Courier New"/>
+              </a:rPr>
+              <a:t>://</a:t>
             </a:r>
             <a:r>
               <a:rPr lang="en-US" dirty="0" err="1">
-                <a:solidFill>
-                  <a:srgbClr val="7F7F7F"/>
-                </a:solidFill>
+                <a:latin typeface="Courier New"/>
+                <a:cs typeface="Courier New"/>
+              </a:rPr>
+              <a:t>from.so</a:t>
+            </a:r>
+            <a:r>
+              <a:rPr lang="en-US" dirty="0">
+                <a:latin typeface="Courier New"/>
+                <a:cs typeface="Courier New"/>
+              </a:rPr>
+              <a:t>/</a:t>
+            </a:r>
+            <a:r>
+              <a:rPr lang="en-US" dirty="0" err="1">
+                <a:latin typeface="Courier New"/>
+                <a:cs typeface="Courier New"/>
+              </a:rPr>
+              <a:t>web_lab</a:t>
+            </a:r>
+            <a:r>
+              <a:rPr lang="en-US" dirty="0">
+                <a:latin typeface="Courier New"/>
+                <a:cs typeface="Courier New"/>
+              </a:rPr>
+              <a:t>/</a:t>
+            </a:r>
+            <a:r>
+              <a:rPr lang="en-US" dirty="0" err="1">
+                <a:latin typeface="Courier New"/>
+                <a:cs typeface="Courier New"/>
+              </a:rPr>
+              <a:t>pgh_weather.php</a:t>
+            </a:r>
+            <a:r>
+              <a:rPr lang="en-US" dirty="0">
+                <a:latin typeface="Courier New"/>
+                <a:cs typeface="Courier New"/>
+              </a:rPr>
+              <a:t>"</a:t>
+            </a:r>
+            <a:r>
+              <a:rPr lang="en-US" dirty="0" smtClean="0">
+                <a:latin typeface="Courier New"/>
+                <a:cs typeface="Courier New"/>
+              </a:rPr>
+              <a:t>);</a:t>
+            </a:r>
+          </a:p>
+          <a:p>
+            <a:endParaRPr lang="en-US" dirty="0">
+              <a:latin typeface="Courier New"/>
+              <a:cs typeface="Courier New"/>
+            </a:endParaRPr>
+          </a:p>
+          <a:p>
+            <a:r>
+              <a:rPr lang="en-US" dirty="0" err="1" smtClean="0">
                 <a:latin typeface="Courier New"/>
                 <a:cs typeface="Courier New"/>
               </a:rPr>
@@ -8924,40 +8702,18 @@
             </a:r>
             <a:r>
               <a:rPr lang="en-US" dirty="0">
-                <a:solidFill>
-                  <a:srgbClr val="7F7F7F"/>
-                </a:solidFill>
                 <a:latin typeface="Courier New"/>
                 <a:cs typeface="Courier New"/>
               </a:rPr>
               <a:t>();</a:t>
             </a:r>
-          </a:p>
-        </p:txBody>
-      </p:sp>
-      <p:sp>
-        <p:nvSpPr>
-          <p:cNvPr id="7" name="Title 6"/>
-          <p:cNvSpPr>
-            <a:spLocks noGrp="1"/>
-          </p:cNvSpPr>
-          <p:nvPr>
-            <p:ph type="title"/>
-          </p:nvPr>
-        </p:nvSpPr>
-        <p:spPr/>
-        <p:txBody>
-          <a:bodyPr/>
-          <a:lstStyle/>
-          <a:p>
-            <a:endParaRPr lang="en-US"/>
           </a:p>
         </p:txBody>
       </p:sp>
     </p:spTree>
     <p:extLst>
       <p:ext uri="{BB962C8B-B14F-4D97-AF65-F5344CB8AC3E}">
-        <p14:creationId xmlns:p14="http://schemas.microsoft.com/office/powerpoint/2010/main" val="363722403"/>
+        <p14:creationId xmlns:p14="http://schemas.microsoft.com/office/powerpoint/2010/main" val="3122573762"/>
       </p:ext>
     </p:extLst>
   </p:cSld>
@@ -9014,9 +8770,6 @@
           <a:p>
             <a:r>
               <a:rPr lang="en-US" dirty="0">
-                <a:solidFill>
-                  <a:srgbClr val="7F7F7F"/>
-                </a:solidFill>
                 <a:latin typeface="Courier New"/>
                 <a:cs typeface="Courier New"/>
               </a:rPr>
@@ -9024,9 +8777,6 @@
             </a:r>
             <a:r>
               <a:rPr lang="en-US" dirty="0" err="1">
-                <a:solidFill>
-                  <a:srgbClr val="7F7F7F"/>
-                </a:solidFill>
                 <a:latin typeface="Courier New"/>
                 <a:cs typeface="Courier New"/>
               </a:rPr>
@@ -9034,9 +8784,6 @@
             </a:r>
             <a:r>
               <a:rPr lang="en-US" dirty="0">
-                <a:solidFill>
-                  <a:srgbClr val="7F7F7F"/>
-                </a:solidFill>
                 <a:latin typeface="Courier New"/>
                 <a:cs typeface="Courier New"/>
               </a:rPr>
@@ -9044,9 +8791,6 @@
             </a:r>
             <a:r>
               <a:rPr lang="en-US" dirty="0" err="1">
-                <a:solidFill>
-                  <a:srgbClr val="7F7F7F"/>
-                </a:solidFill>
                 <a:latin typeface="Courier New"/>
                 <a:cs typeface="Courier New"/>
               </a:rPr>
@@ -9054,9 +8798,6 @@
             </a:r>
             <a:r>
               <a:rPr lang="en-US" dirty="0">
-                <a:solidFill>
-                  <a:srgbClr val="7F7F7F"/>
-                </a:solidFill>
                 <a:latin typeface="Courier New"/>
                 <a:cs typeface="Courier New"/>
               </a:rPr>
@@ -9064,9 +8805,6 @@
             </a:r>
             <a:r>
               <a:rPr lang="en-US" dirty="0" err="1">
-                <a:solidFill>
-                  <a:srgbClr val="7F7F7F"/>
-                </a:solidFill>
                 <a:latin typeface="Courier New"/>
                 <a:cs typeface="Courier New"/>
               </a:rPr>
@@ -9074,9 +8812,6 @@
             </a:r>
             <a:r>
               <a:rPr lang="en-US" dirty="0">
-                <a:solidFill>
-                  <a:srgbClr val="7F7F7F"/>
-                </a:solidFill>
                 <a:latin typeface="Courier New"/>
                 <a:cs typeface="Courier New"/>
               </a:rPr>
@@ -9084,9 +8819,6 @@
             </a:r>
             <a:r>
               <a:rPr lang="en-US" dirty="0" smtClean="0">
-                <a:solidFill>
-                  <a:srgbClr val="7F7F7F"/>
-                </a:solidFill>
                 <a:latin typeface="Courier New"/>
                 <a:cs typeface="Courier New"/>
               </a:rPr>
@@ -9311,6 +9043,9 @@
           </a:p>
           <a:p>
             <a:endParaRPr lang="en-US" dirty="0">
+              <a:solidFill>
+                <a:srgbClr val="7F7F7F"/>
+              </a:solidFill>
               <a:latin typeface="Courier New"/>
               <a:cs typeface="Courier New"/>
             </a:endParaRPr>
@@ -9318,6 +9053,9 @@
           <a:p>
             <a:r>
               <a:rPr lang="en-US" dirty="0">
+                <a:solidFill>
+                  <a:srgbClr val="7F7F7F"/>
+                </a:solidFill>
                 <a:latin typeface="Courier New"/>
                 <a:cs typeface="Courier New"/>
               </a:rPr>
@@ -9325,6 +9063,9 @@
             </a:r>
             <a:r>
               <a:rPr lang="en-US" dirty="0" err="1">
+                <a:solidFill>
+                  <a:srgbClr val="7F7F7F"/>
+                </a:solidFill>
                 <a:latin typeface="Courier New"/>
                 <a:cs typeface="Courier New"/>
               </a:rPr>
@@ -9332,6 +9073,9 @@
             </a:r>
             <a:r>
               <a:rPr lang="en-US" dirty="0">
+                <a:solidFill>
+                  <a:srgbClr val="7F7F7F"/>
+                </a:solidFill>
                 <a:latin typeface="Courier New"/>
                 <a:cs typeface="Courier New"/>
               </a:rPr>
@@ -9339,6 +9083,9 @@
             </a:r>
             <a:r>
               <a:rPr lang="en-US" dirty="0" smtClean="0">
+                <a:solidFill>
+                  <a:srgbClr val="7F7F7F"/>
+                </a:solidFill>
                 <a:latin typeface="Courier New"/>
                 <a:cs typeface="Courier New"/>
               </a:rPr>
@@ -9346,6 +9093,9 @@
             </a:r>
             <a:r>
               <a:rPr lang="en-US" dirty="0">
+                <a:solidFill>
+                  <a:srgbClr val="7F7F7F"/>
+                </a:solidFill>
                 <a:latin typeface="Courier New"/>
                 <a:cs typeface="Courier New"/>
               </a:rPr>
@@ -9353,6 +9103,9 @@
             </a:r>
             <a:r>
               <a:rPr lang="en-US" dirty="0" err="1">
+                <a:solidFill>
+                  <a:srgbClr val="7F7F7F"/>
+                </a:solidFill>
                 <a:latin typeface="Courier New"/>
                 <a:cs typeface="Courier New"/>
               </a:rPr>
@@ -9360,6 +9113,9 @@
             </a:r>
             <a:r>
               <a:rPr lang="en-US" dirty="0">
+                <a:solidFill>
+                  <a:srgbClr val="7F7F7F"/>
+                </a:solidFill>
                 <a:latin typeface="Courier New"/>
                 <a:cs typeface="Courier New"/>
               </a:rPr>
@@ -9367,6 +9123,9 @@
             </a:r>
             <a:r>
               <a:rPr lang="en-US" dirty="0" err="1">
+                <a:solidFill>
+                  <a:srgbClr val="7F7F7F"/>
+                </a:solidFill>
                 <a:latin typeface="Courier New"/>
                 <a:cs typeface="Courier New"/>
               </a:rPr>
@@ -9374,6 +9133,9 @@
             </a:r>
             <a:r>
               <a:rPr lang="en-US" dirty="0">
+                <a:solidFill>
+                  <a:srgbClr val="7F7F7F"/>
+                </a:solidFill>
                 <a:latin typeface="Courier New"/>
                 <a:cs typeface="Courier New"/>
               </a:rPr>
@@ -9381,6 +9143,9 @@
             </a:r>
             <a:r>
               <a:rPr lang="en-US" dirty="0" err="1">
+                <a:solidFill>
+                  <a:srgbClr val="7F7F7F"/>
+                </a:solidFill>
                 <a:latin typeface="Courier New"/>
                 <a:cs typeface="Courier New"/>
               </a:rPr>
@@ -9388,6 +9153,9 @@
             </a:r>
             <a:r>
               <a:rPr lang="en-US" dirty="0">
+                <a:solidFill>
+                  <a:srgbClr val="7F7F7F"/>
+                </a:solidFill>
                 <a:latin typeface="Courier New"/>
                 <a:cs typeface="Courier New"/>
               </a:rPr>
@@ -9395,6 +9163,9 @@
             </a:r>
             <a:r>
               <a:rPr lang="en-US" dirty="0" smtClean="0">
+                <a:solidFill>
+                  <a:srgbClr val="7F7F7F"/>
+                </a:solidFill>
                 <a:latin typeface="Courier New"/>
                 <a:cs typeface="Courier New"/>
               </a:rPr>
@@ -9403,6 +9174,9 @@
           </a:p>
           <a:p>
             <a:endParaRPr lang="en-US" dirty="0">
+              <a:solidFill>
+                <a:srgbClr val="7F7F7F"/>
+              </a:solidFill>
               <a:latin typeface="Courier New"/>
               <a:cs typeface="Courier New"/>
             </a:endParaRPr>
@@ -9410,20 +9184,13 @@
           <a:p>
             <a:r>
               <a:rPr lang="en-US" dirty="0">
-                <a:latin typeface="Courier New"/>
-                <a:cs typeface="Courier New"/>
-              </a:rPr>
-              <a:t>	</a:t>
-            </a:r>
-            <a:r>
-              <a:rPr lang="en-US" dirty="0">
-                <a:solidFill>
-                  <a:srgbClr val="7F7F7F"/>
-                </a:solidFill>
-                <a:latin typeface="Courier New"/>
-                <a:cs typeface="Courier New"/>
-              </a:rPr>
-              <a:t>			</a:t>
+                <a:solidFill>
+                  <a:srgbClr val="7F7F7F"/>
+                </a:solidFill>
+                <a:latin typeface="Courier New"/>
+                <a:cs typeface="Courier New"/>
+              </a:rPr>
+              <a:t>				</a:t>
             </a:r>
             <a:r>
               <a:rPr lang="en-US" dirty="0" err="1">
@@ -9450,7 +9217,7 @@
       </p:sp>
       <p:sp>
         <p:nvSpPr>
-          <p:cNvPr id="7" name="Title 6"/>
+          <p:cNvPr id="2" name="Title 1"/>
           <p:cNvSpPr>
             <a:spLocks noGrp="1"/>
           </p:cNvSpPr>
@@ -9470,7 +9237,7 @@
     </p:spTree>
     <p:extLst>
       <p:ext uri="{BB962C8B-B14F-4D97-AF65-F5344CB8AC3E}">
-        <p14:creationId xmlns:p14="http://schemas.microsoft.com/office/powerpoint/2010/main" val="3509837078"/>
+        <p14:creationId xmlns:p14="http://schemas.microsoft.com/office/powerpoint/2010/main" val="3080724294"/>
       </p:ext>
     </p:extLst>
   </p:cSld>
@@ -9608,9 +9375,6 @@
           </a:p>
           <a:p>
             <a:endParaRPr lang="en-US" dirty="0">
-              <a:solidFill>
-                <a:srgbClr val="7F7F7F"/>
-              </a:solidFill>
               <a:latin typeface="Courier New"/>
               <a:cs typeface="Courier New"/>
             </a:endParaRPr>
@@ -9618,9 +9382,6 @@
           <a:p>
             <a:r>
               <a:rPr lang="en-US" dirty="0">
-                <a:solidFill>
-                  <a:srgbClr val="7F7F7F"/>
-                </a:solidFill>
                 <a:latin typeface="Courier New"/>
                 <a:cs typeface="Courier New"/>
               </a:rPr>
@@ -9628,9 +9389,6 @@
             </a:r>
             <a:r>
               <a:rPr lang="en-US" dirty="0" err="1" smtClean="0">
-                <a:solidFill>
-                  <a:srgbClr val="7F7F7F"/>
-                </a:solidFill>
                 <a:latin typeface="Courier New"/>
                 <a:cs typeface="Courier New"/>
               </a:rPr>
@@ -9638,9 +9396,6 @@
             </a:r>
             <a:r>
               <a:rPr lang="en-US" dirty="0" smtClean="0">
-                <a:solidFill>
-                  <a:srgbClr val="7F7F7F"/>
-                </a:solidFill>
                 <a:latin typeface="Courier New"/>
                 <a:cs typeface="Courier New"/>
               </a:rPr>
@@ -9648,9 +9403,6 @@
             </a:r>
             <a:r>
               <a:rPr lang="en-US" dirty="0">
-                <a:solidFill>
-                  <a:srgbClr val="7F7F7F"/>
-                </a:solidFill>
                 <a:latin typeface="Courier New"/>
                 <a:cs typeface="Courier New"/>
               </a:rPr>
@@ -9803,9 +9555,6 @@
           <a:p>
             <a:r>
               <a:rPr lang="en-US" dirty="0">
-                <a:solidFill>
-                  <a:srgbClr val="7F7F7F"/>
-                </a:solidFill>
                 <a:latin typeface="Courier New"/>
                 <a:cs typeface="Courier New"/>
               </a:rPr>
@@ -9813,9 +9562,6 @@
             </a:r>
             <a:r>
               <a:rPr lang="en-US" dirty="0" smtClean="0">
-                <a:solidFill>
-                  <a:srgbClr val="7F7F7F"/>
-                </a:solidFill>
                 <a:latin typeface="Courier New"/>
                 <a:cs typeface="Courier New"/>
               </a:rPr>
@@ -9955,6 +9701,9 @@
           </a:p>
           <a:p>
             <a:endParaRPr lang="en-US" dirty="0">
+              <a:solidFill>
+                <a:srgbClr val="7F7F7F"/>
+              </a:solidFill>
               <a:latin typeface="Courier New"/>
               <a:cs typeface="Courier New"/>
             </a:endParaRPr>
@@ -9962,6 +9711,9 @@
           <a:p>
             <a:r>
               <a:rPr lang="en-US" dirty="0">
+                <a:solidFill>
+                  <a:srgbClr val="7F7F7F"/>
+                </a:solidFill>
                 <a:latin typeface="Courier New"/>
                 <a:cs typeface="Courier New"/>
               </a:rPr>
@@ -9969,6 +9721,9 @@
             </a:r>
             <a:r>
               <a:rPr lang="en-US" dirty="0" err="1">
+                <a:solidFill>
+                  <a:srgbClr val="7F7F7F"/>
+                </a:solidFill>
                 <a:latin typeface="Courier New"/>
                 <a:cs typeface="Courier New"/>
               </a:rPr>
@@ -9976,6 +9731,9 @@
             </a:r>
             <a:r>
               <a:rPr lang="en-US" dirty="0">
+                <a:solidFill>
+                  <a:srgbClr val="7F7F7F"/>
+                </a:solidFill>
                 <a:latin typeface="Courier New"/>
                 <a:cs typeface="Courier New"/>
               </a:rPr>
@@ -10006,7 +9764,7 @@
     </p:spTree>
     <p:extLst>
       <p:ext uri="{BB962C8B-B14F-4D97-AF65-F5344CB8AC3E}">
-        <p14:creationId xmlns:p14="http://schemas.microsoft.com/office/powerpoint/2010/main" val="2389428537"/>
+        <p14:creationId xmlns:p14="http://schemas.microsoft.com/office/powerpoint/2010/main" val="363722403"/>
       </p:ext>
     </p:extLst>
   </p:cSld>
@@ -10196,6 +9954,9 @@
           <a:p>
             <a:r>
               <a:rPr lang="en-US" dirty="0">
+                <a:solidFill>
+                  <a:srgbClr val="7F7F7F"/>
+                </a:solidFill>
                 <a:latin typeface="Courier New"/>
                 <a:cs typeface="Courier New"/>
               </a:rPr>
@@ -10203,6 +9964,9 @@
             </a:r>
             <a:r>
               <a:rPr lang="en-US" dirty="0" err="1" smtClean="0">
+                <a:solidFill>
+                  <a:srgbClr val="7F7F7F"/>
+                </a:solidFill>
                 <a:latin typeface="Courier New"/>
                 <a:cs typeface="Courier New"/>
               </a:rPr>
@@ -10210,6 +9974,9 @@
             </a:r>
             <a:r>
               <a:rPr lang="en-US" dirty="0" smtClean="0">
+                <a:solidFill>
+                  <a:srgbClr val="7F7F7F"/>
+                </a:solidFill>
                 <a:latin typeface="Courier New"/>
                 <a:cs typeface="Courier New"/>
               </a:rPr>
@@ -10217,6 +9984,9 @@
             </a:r>
             <a:r>
               <a:rPr lang="en-US" dirty="0">
+                <a:solidFill>
+                  <a:srgbClr val="7F7F7F"/>
+                </a:solidFill>
                 <a:latin typeface="Courier New"/>
                 <a:cs typeface="Courier New"/>
               </a:rPr>
@@ -10224,6 +9994,9 @@
             </a:r>
             <a:r>
               <a:rPr lang="en-US" dirty="0" err="1" smtClean="0">
+                <a:solidFill>
+                  <a:srgbClr val="7F7F7F"/>
+                </a:solidFill>
                 <a:latin typeface="Courier New"/>
                 <a:cs typeface="Courier New"/>
               </a:rPr>
@@ -10231,6 +10004,9 @@
             </a:r>
             <a:r>
               <a:rPr lang="en-US" dirty="0" smtClean="0">
+                <a:solidFill>
+                  <a:srgbClr val="7F7F7F"/>
+                </a:solidFill>
                 <a:latin typeface="Courier New"/>
                 <a:cs typeface="Courier New"/>
               </a:rPr>
@@ -10238,6 +10014,9 @@
             </a:r>
             <a:r>
               <a:rPr lang="en-US" dirty="0">
+                <a:solidFill>
+                  <a:srgbClr val="7F7F7F"/>
+                </a:solidFill>
                 <a:latin typeface="Courier New"/>
                 <a:cs typeface="Courier New"/>
               </a:rPr>
@@ -10247,6 +10026,9 @@
           <a:p>
             <a:r>
               <a:rPr lang="en-US" dirty="0">
+                <a:solidFill>
+                  <a:srgbClr val="7F7F7F"/>
+                </a:solidFill>
                 <a:latin typeface="Courier New"/>
                 <a:cs typeface="Courier New"/>
               </a:rPr>
@@ -10254,6 +10036,9 @@
             </a:r>
             <a:r>
               <a:rPr lang="en-US" dirty="0" err="1" smtClean="0">
+                <a:solidFill>
+                  <a:srgbClr val="7F7F7F"/>
+                </a:solidFill>
                 <a:latin typeface="Courier New"/>
                 <a:cs typeface="Courier New"/>
               </a:rPr>
@@ -10261,6 +10046,9 @@
             </a:r>
             <a:r>
               <a:rPr lang="en-US" dirty="0" smtClean="0">
+                <a:solidFill>
+                  <a:srgbClr val="7F7F7F"/>
+                </a:solidFill>
                 <a:latin typeface="Courier New"/>
                 <a:cs typeface="Courier New"/>
               </a:rPr>
@@ -10268,6 +10056,9 @@
             </a:r>
             <a:r>
               <a:rPr lang="en-US" dirty="0" err="1" smtClean="0">
+                <a:solidFill>
+                  <a:srgbClr val="7F7F7F"/>
+                </a:solidFill>
                 <a:latin typeface="Courier New"/>
                 <a:cs typeface="Courier New"/>
               </a:rPr>
@@ -10275,48 +10066,14 @@
             </a:r>
             <a:r>
               <a:rPr lang="en-US" dirty="0" smtClean="0">
+                <a:solidFill>
+                  <a:srgbClr val="7F7F7F"/>
+                </a:solidFill>
                 <a:latin typeface="Courier New"/>
                 <a:cs typeface="Courier New"/>
               </a:rPr>
               <a:t>);</a:t>
             </a:r>
-            <a:endParaRPr lang="en-US" dirty="0">
-              <a:latin typeface="Courier New"/>
-              <a:cs typeface="Courier New"/>
-            </a:endParaRPr>
-          </a:p>
-          <a:p>
-            <a:r>
-              <a:rPr lang="en-US" dirty="0">
-                <a:latin typeface="Courier New"/>
-                <a:cs typeface="Courier New"/>
-              </a:rPr>
-              <a:t>					}</a:t>
-            </a:r>
-          </a:p>
-          <a:p>
-            <a:r>
-              <a:rPr lang="en-US" dirty="0">
-                <a:solidFill>
-                  <a:srgbClr val="7F7F7F"/>
-                </a:solidFill>
-                <a:latin typeface="Courier New"/>
-                <a:cs typeface="Courier New"/>
-              </a:rPr>
-              <a:t>				}</a:t>
-            </a:r>
-            <a:r>
-              <a:rPr lang="en-US" dirty="0" smtClean="0">
-                <a:solidFill>
-                  <a:srgbClr val="7F7F7F"/>
-                </a:solidFill>
-                <a:latin typeface="Courier New"/>
-                <a:cs typeface="Courier New"/>
-              </a:rPr>
-              <a:t>;</a:t>
-            </a:r>
-          </a:p>
-          <a:p>
             <a:endParaRPr lang="en-US" dirty="0">
               <a:solidFill>
                 <a:srgbClr val="7F7F7F"/>
@@ -10334,27 +10091,19 @@
                 <a:latin typeface="Courier New"/>
                 <a:cs typeface="Courier New"/>
               </a:rPr>
-              <a:t>				</a:t>
-            </a:r>
-            <a:r>
-              <a:rPr lang="en-US" dirty="0" err="1">
-                <a:solidFill>
-                  <a:srgbClr val="7F7F7F"/>
-                </a:solidFill>
-                <a:latin typeface="Courier New"/>
-                <a:cs typeface="Courier New"/>
-              </a:rPr>
-              <a:t>xmlhttp.open</a:t>
-            </a:r>
-            <a:r>
-              <a:rPr lang="en-US" dirty="0">
-                <a:solidFill>
-                  <a:srgbClr val="7F7F7F"/>
-                </a:solidFill>
-                <a:latin typeface="Courier New"/>
-                <a:cs typeface="Courier New"/>
-              </a:rPr>
-              <a:t>("GET", </a:t>
+              <a:t>					}</a:t>
+            </a:r>
+          </a:p>
+          <a:p>
+            <a:r>
+              <a:rPr lang="en-US" dirty="0">
+                <a:solidFill>
+                  <a:srgbClr val="7F7F7F"/>
+                </a:solidFill>
+                <a:latin typeface="Courier New"/>
+                <a:cs typeface="Courier New"/>
+              </a:rPr>
+              <a:t>				}</a:t>
             </a:r>
             <a:r>
               <a:rPr lang="en-US" dirty="0" smtClean="0">
@@ -10364,94 +10113,11 @@
                 <a:latin typeface="Courier New"/>
                 <a:cs typeface="Courier New"/>
               </a:rPr>
-              <a:t>”http</a:t>
-            </a:r>
-            <a:r>
-              <a:rPr lang="en-US" dirty="0">
-                <a:solidFill>
-                  <a:srgbClr val="7F7F7F"/>
-                </a:solidFill>
-                <a:latin typeface="Courier New"/>
-                <a:cs typeface="Courier New"/>
-              </a:rPr>
-              <a:t>://</a:t>
-            </a:r>
-            <a:r>
-              <a:rPr lang="en-US" dirty="0" err="1">
-                <a:solidFill>
-                  <a:srgbClr val="7F7F7F"/>
-                </a:solidFill>
-                <a:latin typeface="Courier New"/>
-                <a:cs typeface="Courier New"/>
-              </a:rPr>
-              <a:t>from.so</a:t>
-            </a:r>
-            <a:r>
-              <a:rPr lang="en-US" dirty="0">
-                <a:solidFill>
-                  <a:srgbClr val="7F7F7F"/>
-                </a:solidFill>
-                <a:latin typeface="Courier New"/>
-                <a:cs typeface="Courier New"/>
-              </a:rPr>
-              <a:t>/</a:t>
-            </a:r>
-            <a:r>
-              <a:rPr lang="en-US" dirty="0" err="1">
-                <a:solidFill>
-                  <a:srgbClr val="7F7F7F"/>
-                </a:solidFill>
-                <a:latin typeface="Courier New"/>
-                <a:cs typeface="Courier New"/>
-              </a:rPr>
-              <a:t>web_lab</a:t>
-            </a:r>
-            <a:r>
-              <a:rPr lang="en-US" dirty="0">
-                <a:solidFill>
-                  <a:srgbClr val="7F7F7F"/>
-                </a:solidFill>
-                <a:latin typeface="Courier New"/>
-                <a:cs typeface="Courier New"/>
-              </a:rPr>
-              <a:t>/</a:t>
-            </a:r>
-            <a:r>
-              <a:rPr lang="en-US" dirty="0" err="1">
-                <a:solidFill>
-                  <a:srgbClr val="7F7F7F"/>
-                </a:solidFill>
-                <a:latin typeface="Courier New"/>
-                <a:cs typeface="Courier New"/>
-              </a:rPr>
-              <a:t>pgh_weather.php</a:t>
-            </a:r>
-            <a:r>
-              <a:rPr lang="en-US" dirty="0">
-                <a:solidFill>
-                  <a:srgbClr val="7F7F7F"/>
-                </a:solidFill>
-                <a:latin typeface="Courier New"/>
-                <a:cs typeface="Courier New"/>
-              </a:rPr>
-              <a:t>"</a:t>
-            </a:r>
-            <a:r>
-              <a:rPr lang="en-US" dirty="0" smtClean="0">
-                <a:solidFill>
-                  <a:srgbClr val="7F7F7F"/>
-                </a:solidFill>
-                <a:latin typeface="Courier New"/>
-                <a:cs typeface="Courier New"/>
-              </a:rPr>
-              <a:t>);</a:t>
+              <a:t>;</a:t>
             </a:r>
           </a:p>
           <a:p>
             <a:endParaRPr lang="en-US" dirty="0">
-              <a:solidFill>
-                <a:srgbClr val="7F7F7F"/>
-              </a:solidFill>
               <a:latin typeface="Courier New"/>
               <a:cs typeface="Courier New"/>
             </a:endParaRPr>
@@ -10459,13 +10125,112 @@
           <a:p>
             <a:r>
               <a:rPr lang="en-US" dirty="0">
-                <a:solidFill>
-                  <a:srgbClr val="7F7F7F"/>
-                </a:solidFill>
                 <a:latin typeface="Courier New"/>
                 <a:cs typeface="Courier New"/>
               </a:rPr>
               <a:t>				</a:t>
+            </a:r>
+            <a:r>
+              <a:rPr lang="en-US" dirty="0" err="1">
+                <a:latin typeface="Courier New"/>
+                <a:cs typeface="Courier New"/>
+              </a:rPr>
+              <a:t>xmlhttp.open</a:t>
+            </a:r>
+            <a:r>
+              <a:rPr lang="en-US" dirty="0">
+                <a:latin typeface="Courier New"/>
+                <a:cs typeface="Courier New"/>
+              </a:rPr>
+              <a:t>("GET", </a:t>
+            </a:r>
+            <a:r>
+              <a:rPr lang="en-US" dirty="0" smtClean="0">
+                <a:latin typeface="Courier New"/>
+                <a:cs typeface="Courier New"/>
+              </a:rPr>
+              <a:t>”http</a:t>
+            </a:r>
+            <a:r>
+              <a:rPr lang="en-US" dirty="0">
+                <a:latin typeface="Courier New"/>
+                <a:cs typeface="Courier New"/>
+              </a:rPr>
+              <a:t>://</a:t>
+            </a:r>
+            <a:r>
+              <a:rPr lang="en-US" dirty="0" err="1">
+                <a:latin typeface="Courier New"/>
+                <a:cs typeface="Courier New"/>
+              </a:rPr>
+              <a:t>from.so</a:t>
+            </a:r>
+            <a:r>
+              <a:rPr lang="en-US" dirty="0">
+                <a:latin typeface="Courier New"/>
+                <a:cs typeface="Courier New"/>
+              </a:rPr>
+              <a:t>/</a:t>
+            </a:r>
+            <a:r>
+              <a:rPr lang="en-US" dirty="0" err="1">
+                <a:latin typeface="Courier New"/>
+                <a:cs typeface="Courier New"/>
+              </a:rPr>
+              <a:t>web_lab</a:t>
+            </a:r>
+            <a:r>
+              <a:rPr lang="en-US" dirty="0">
+                <a:latin typeface="Courier New"/>
+                <a:cs typeface="Courier New"/>
+              </a:rPr>
+              <a:t>/</a:t>
+            </a:r>
+            <a:r>
+              <a:rPr lang="en-US" dirty="0" err="1">
+                <a:latin typeface="Courier New"/>
+                <a:cs typeface="Courier New"/>
+              </a:rPr>
+              <a:t>pgh_weather.php</a:t>
+            </a:r>
+            <a:r>
+              <a:rPr lang="en-US" dirty="0">
+                <a:latin typeface="Courier New"/>
+                <a:cs typeface="Courier New"/>
+              </a:rPr>
+              <a:t>"</a:t>
+            </a:r>
+            <a:r>
+              <a:rPr lang="en-US" dirty="0" smtClean="0">
+                <a:latin typeface="Courier New"/>
+                <a:cs typeface="Courier New"/>
+              </a:rPr>
+              <a:t>);</a:t>
+            </a:r>
+          </a:p>
+          <a:p>
+            <a:endParaRPr lang="en-US" dirty="0">
+              <a:latin typeface="Courier New"/>
+              <a:cs typeface="Courier New"/>
+            </a:endParaRPr>
+          </a:p>
+          <a:p>
+            <a:r>
+              <a:rPr lang="en-US" dirty="0">
+                <a:latin typeface="Courier New"/>
+                <a:cs typeface="Courier New"/>
+              </a:rPr>
+              <a:t>	</a:t>
+            </a:r>
+            <a:r>
+              <a:rPr lang="en-US" dirty="0">
+                <a:solidFill>
+                  <a:srgbClr val="7F7F7F"/>
+                </a:solidFill>
+                <a:latin typeface="Courier New"/>
+                <a:cs typeface="Courier New"/>
+              </a:rPr>
+              <a:t>			</a:t>
             </a:r>
             <a:r>
               <a:rPr lang="en-US" dirty="0" err="1">
@@ -10512,7 +10277,7 @@
     </p:spTree>
     <p:extLst>
       <p:ext uri="{BB962C8B-B14F-4D97-AF65-F5344CB8AC3E}">
-        <p14:creationId xmlns:p14="http://schemas.microsoft.com/office/powerpoint/2010/main" val="2889133262"/>
+        <p14:creationId xmlns:p14="http://schemas.microsoft.com/office/powerpoint/2010/main" val="3509837078"/>
       </p:ext>
     </p:extLst>
   </p:cSld>
@@ -10675,7 +10440,487 @@
       </p:grpSpPr>
       <p:sp>
         <p:nvSpPr>
-          <p:cNvPr id="2" name="Title 1"/>
+          <p:cNvPr id="5" name="Rectangle 4"/>
+          <p:cNvSpPr/>
+          <p:nvPr/>
+        </p:nvSpPr>
+        <p:spPr>
+          <a:xfrm>
+            <a:off x="-1289755" y="2047854"/>
+            <a:ext cx="11073717" cy="3139321"/>
+          </a:xfrm>
+          <a:prstGeom prst="rect">
+            <a:avLst/>
+          </a:prstGeom>
+        </p:spPr>
+        <p:txBody>
+          <a:bodyPr wrap="square">
+            <a:spAutoFit/>
+          </a:bodyPr>
+          <a:lstStyle/>
+          <a:p>
+            <a:r>
+              <a:rPr lang="en-US" dirty="0">
+                <a:solidFill>
+                  <a:srgbClr val="7F7F7F"/>
+                </a:solidFill>
+                <a:latin typeface="Courier New"/>
+                <a:cs typeface="Courier New"/>
+              </a:rPr>
+              <a:t>				</a:t>
+            </a:r>
+            <a:r>
+              <a:rPr lang="en-US" dirty="0" err="1">
+                <a:solidFill>
+                  <a:srgbClr val="7F7F7F"/>
+                </a:solidFill>
+                <a:latin typeface="Courier New"/>
+                <a:cs typeface="Courier New"/>
+              </a:rPr>
+              <a:t>var</a:t>
+            </a:r>
+            <a:r>
+              <a:rPr lang="en-US" dirty="0">
+                <a:solidFill>
+                  <a:srgbClr val="7F7F7F"/>
+                </a:solidFill>
+                <a:latin typeface="Courier New"/>
+                <a:cs typeface="Courier New"/>
+              </a:rPr>
+              <a:t> </a:t>
+            </a:r>
+            <a:r>
+              <a:rPr lang="en-US" dirty="0" err="1">
+                <a:solidFill>
+                  <a:srgbClr val="7F7F7F"/>
+                </a:solidFill>
+                <a:latin typeface="Courier New"/>
+                <a:cs typeface="Courier New"/>
+              </a:rPr>
+              <a:t>xmlhttp</a:t>
+            </a:r>
+            <a:r>
+              <a:rPr lang="en-US" dirty="0">
+                <a:solidFill>
+                  <a:srgbClr val="7F7F7F"/>
+                </a:solidFill>
+                <a:latin typeface="Courier New"/>
+                <a:cs typeface="Courier New"/>
+              </a:rPr>
+              <a:t> = new </a:t>
+            </a:r>
+            <a:r>
+              <a:rPr lang="en-US" dirty="0" err="1">
+                <a:solidFill>
+                  <a:srgbClr val="7F7F7F"/>
+                </a:solidFill>
+                <a:latin typeface="Courier New"/>
+                <a:cs typeface="Courier New"/>
+              </a:rPr>
+              <a:t>XMLHttpRequest</a:t>
+            </a:r>
+            <a:r>
+              <a:rPr lang="en-US" dirty="0">
+                <a:solidFill>
+                  <a:srgbClr val="7F7F7F"/>
+                </a:solidFill>
+                <a:latin typeface="Courier New"/>
+                <a:cs typeface="Courier New"/>
+              </a:rPr>
+              <a:t>()</a:t>
+            </a:r>
+            <a:r>
+              <a:rPr lang="en-US" dirty="0" smtClean="0">
+                <a:solidFill>
+                  <a:srgbClr val="7F7F7F"/>
+                </a:solidFill>
+                <a:latin typeface="Courier New"/>
+                <a:cs typeface="Courier New"/>
+              </a:rPr>
+              <a:t>;</a:t>
+            </a:r>
+          </a:p>
+          <a:p>
+            <a:endParaRPr lang="en-US" dirty="0">
+              <a:solidFill>
+                <a:srgbClr val="7F7F7F"/>
+              </a:solidFill>
+              <a:latin typeface="Courier New"/>
+              <a:cs typeface="Courier New"/>
+            </a:endParaRPr>
+          </a:p>
+          <a:p>
+            <a:r>
+              <a:rPr lang="en-US" dirty="0">
+                <a:solidFill>
+                  <a:srgbClr val="7F7F7F"/>
+                </a:solidFill>
+                <a:latin typeface="Courier New"/>
+                <a:cs typeface="Courier New"/>
+              </a:rPr>
+              <a:t>				</a:t>
+            </a:r>
+            <a:r>
+              <a:rPr lang="en-US" dirty="0" err="1" smtClean="0">
+                <a:solidFill>
+                  <a:srgbClr val="7F7F7F"/>
+                </a:solidFill>
+                <a:latin typeface="Courier New"/>
+                <a:cs typeface="Courier New"/>
+              </a:rPr>
+              <a:t>xmlhttp.onreadystatechange</a:t>
+            </a:r>
+            <a:r>
+              <a:rPr lang="en-US" dirty="0" smtClean="0">
+                <a:solidFill>
+                  <a:srgbClr val="7F7F7F"/>
+                </a:solidFill>
+                <a:latin typeface="Courier New"/>
+                <a:cs typeface="Courier New"/>
+              </a:rPr>
+              <a:t> = function</a:t>
+            </a:r>
+            <a:r>
+              <a:rPr lang="en-US" dirty="0">
+                <a:solidFill>
+                  <a:srgbClr val="7F7F7F"/>
+                </a:solidFill>
+                <a:latin typeface="Courier New"/>
+                <a:cs typeface="Courier New"/>
+              </a:rPr>
+              <a:t>() {</a:t>
+            </a:r>
+          </a:p>
+          <a:p>
+            <a:r>
+              <a:rPr lang="en-US" dirty="0">
+                <a:solidFill>
+                  <a:srgbClr val="7F7F7F"/>
+                </a:solidFill>
+                <a:latin typeface="Courier New"/>
+                <a:cs typeface="Courier New"/>
+              </a:rPr>
+              <a:t>					if (</a:t>
+            </a:r>
+            <a:r>
+              <a:rPr lang="en-US" dirty="0" err="1" smtClean="0">
+                <a:solidFill>
+                  <a:srgbClr val="7F7F7F"/>
+                </a:solidFill>
+                <a:latin typeface="Courier New"/>
+                <a:cs typeface="Courier New"/>
+              </a:rPr>
+              <a:t>xmlhttp.readyState</a:t>
+            </a:r>
+            <a:r>
+              <a:rPr lang="en-US" dirty="0" smtClean="0">
+                <a:solidFill>
+                  <a:srgbClr val="7F7F7F"/>
+                </a:solidFill>
+                <a:latin typeface="Courier New"/>
+                <a:cs typeface="Courier New"/>
+              </a:rPr>
+              <a:t> === 4 </a:t>
+            </a:r>
+            <a:r>
+              <a:rPr lang="en-US" dirty="0">
+                <a:solidFill>
+                  <a:srgbClr val="7F7F7F"/>
+                </a:solidFill>
+                <a:latin typeface="Courier New"/>
+                <a:cs typeface="Courier New"/>
+              </a:rPr>
+              <a:t>&amp;&amp; </a:t>
+            </a:r>
+            <a:r>
+              <a:rPr lang="en-US" dirty="0" err="1" smtClean="0">
+                <a:solidFill>
+                  <a:srgbClr val="7F7F7F"/>
+                </a:solidFill>
+                <a:latin typeface="Courier New"/>
+                <a:cs typeface="Courier New"/>
+              </a:rPr>
+              <a:t>xmlhttp.status</a:t>
+            </a:r>
+            <a:r>
+              <a:rPr lang="en-US" dirty="0" smtClean="0">
+                <a:solidFill>
+                  <a:srgbClr val="7F7F7F"/>
+                </a:solidFill>
+                <a:latin typeface="Courier New"/>
+                <a:cs typeface="Courier New"/>
+              </a:rPr>
+              <a:t> === 200</a:t>
+            </a:r>
+            <a:r>
+              <a:rPr lang="en-US" dirty="0">
+                <a:solidFill>
+                  <a:srgbClr val="7F7F7F"/>
+                </a:solidFill>
+                <a:latin typeface="Courier New"/>
+                <a:cs typeface="Courier New"/>
+              </a:rPr>
+              <a:t>) {</a:t>
+            </a:r>
+          </a:p>
+          <a:p>
+            <a:r>
+              <a:rPr lang="en-US" dirty="0">
+                <a:solidFill>
+                  <a:srgbClr val="7F7F7F"/>
+                </a:solidFill>
+                <a:latin typeface="Courier New"/>
+                <a:cs typeface="Courier New"/>
+              </a:rPr>
+              <a:t>						</a:t>
+            </a:r>
+            <a:r>
+              <a:rPr lang="en-US" dirty="0" err="1" smtClean="0">
+                <a:solidFill>
+                  <a:srgbClr val="7F7F7F"/>
+                </a:solidFill>
+                <a:latin typeface="Courier New"/>
+                <a:cs typeface="Courier New"/>
+              </a:rPr>
+              <a:t>console.log</a:t>
+            </a:r>
+            <a:r>
+              <a:rPr lang="en-US" dirty="0" smtClean="0">
+                <a:solidFill>
+                  <a:srgbClr val="7F7F7F"/>
+                </a:solidFill>
+                <a:latin typeface="Courier New"/>
+                <a:cs typeface="Courier New"/>
+              </a:rPr>
+              <a:t>(</a:t>
+            </a:r>
+            <a:r>
+              <a:rPr lang="en-US" dirty="0" err="1" smtClean="0">
+                <a:solidFill>
+                  <a:srgbClr val="7F7F7F"/>
+                </a:solidFill>
+                <a:latin typeface="Courier New"/>
+                <a:cs typeface="Courier New"/>
+              </a:rPr>
+              <a:t>xmlhttp</a:t>
+            </a:r>
+            <a:r>
+              <a:rPr lang="en-US" dirty="0" smtClean="0">
+                <a:solidFill>
+                  <a:srgbClr val="7F7F7F"/>
+                </a:solidFill>
+                <a:latin typeface="Courier New"/>
+                <a:cs typeface="Courier New"/>
+              </a:rPr>
+              <a:t>);</a:t>
+            </a:r>
+            <a:endParaRPr lang="en-US" dirty="0">
+              <a:solidFill>
+                <a:srgbClr val="7F7F7F"/>
+              </a:solidFill>
+              <a:latin typeface="Courier New"/>
+              <a:cs typeface="Courier New"/>
+            </a:endParaRPr>
+          </a:p>
+          <a:p>
+            <a:r>
+              <a:rPr lang="en-US" dirty="0">
+                <a:solidFill>
+                  <a:srgbClr val="7F7F7F"/>
+                </a:solidFill>
+                <a:latin typeface="Courier New"/>
+                <a:cs typeface="Courier New"/>
+              </a:rPr>
+              <a:t>					}</a:t>
+            </a:r>
+          </a:p>
+          <a:p>
+            <a:r>
+              <a:rPr lang="en-US" dirty="0">
+                <a:solidFill>
+                  <a:srgbClr val="7F7F7F"/>
+                </a:solidFill>
+                <a:latin typeface="Courier New"/>
+                <a:cs typeface="Courier New"/>
+              </a:rPr>
+              <a:t>				}</a:t>
+            </a:r>
+            <a:r>
+              <a:rPr lang="en-US" dirty="0" smtClean="0">
+                <a:solidFill>
+                  <a:srgbClr val="7F7F7F"/>
+                </a:solidFill>
+                <a:latin typeface="Courier New"/>
+                <a:cs typeface="Courier New"/>
+              </a:rPr>
+              <a:t>;</a:t>
+            </a:r>
+          </a:p>
+          <a:p>
+            <a:endParaRPr lang="en-US" dirty="0">
+              <a:solidFill>
+                <a:srgbClr val="7F7F7F"/>
+              </a:solidFill>
+              <a:latin typeface="Courier New"/>
+              <a:cs typeface="Courier New"/>
+            </a:endParaRPr>
+          </a:p>
+          <a:p>
+            <a:r>
+              <a:rPr lang="en-US" dirty="0">
+                <a:solidFill>
+                  <a:srgbClr val="7F7F7F"/>
+                </a:solidFill>
+                <a:latin typeface="Courier New"/>
+                <a:cs typeface="Courier New"/>
+              </a:rPr>
+              <a:t>				</a:t>
+            </a:r>
+            <a:r>
+              <a:rPr lang="en-US" dirty="0" err="1">
+                <a:solidFill>
+                  <a:srgbClr val="7F7F7F"/>
+                </a:solidFill>
+                <a:latin typeface="Courier New"/>
+                <a:cs typeface="Courier New"/>
+              </a:rPr>
+              <a:t>xmlhttp.open</a:t>
+            </a:r>
+            <a:r>
+              <a:rPr lang="en-US" dirty="0">
+                <a:solidFill>
+                  <a:srgbClr val="7F7F7F"/>
+                </a:solidFill>
+                <a:latin typeface="Courier New"/>
+                <a:cs typeface="Courier New"/>
+              </a:rPr>
+              <a:t>("GET", </a:t>
+            </a:r>
+            <a:r>
+              <a:rPr lang="en-US" dirty="0" smtClean="0">
+                <a:solidFill>
+                  <a:srgbClr val="7F7F7F"/>
+                </a:solidFill>
+                <a:latin typeface="Courier New"/>
+                <a:cs typeface="Courier New"/>
+              </a:rPr>
+              <a:t>”http</a:t>
+            </a:r>
+            <a:r>
+              <a:rPr lang="en-US" dirty="0">
+                <a:solidFill>
+                  <a:srgbClr val="7F7F7F"/>
+                </a:solidFill>
+                <a:latin typeface="Courier New"/>
+                <a:cs typeface="Courier New"/>
+              </a:rPr>
+              <a:t>://</a:t>
+            </a:r>
+            <a:r>
+              <a:rPr lang="en-US" dirty="0" err="1">
+                <a:solidFill>
+                  <a:srgbClr val="7F7F7F"/>
+                </a:solidFill>
+                <a:latin typeface="Courier New"/>
+                <a:cs typeface="Courier New"/>
+              </a:rPr>
+              <a:t>from.so</a:t>
+            </a:r>
+            <a:r>
+              <a:rPr lang="en-US" dirty="0">
+                <a:solidFill>
+                  <a:srgbClr val="7F7F7F"/>
+                </a:solidFill>
+                <a:latin typeface="Courier New"/>
+                <a:cs typeface="Courier New"/>
+              </a:rPr>
+              <a:t>/</a:t>
+            </a:r>
+            <a:r>
+              <a:rPr lang="en-US" dirty="0" err="1">
+                <a:solidFill>
+                  <a:srgbClr val="7F7F7F"/>
+                </a:solidFill>
+                <a:latin typeface="Courier New"/>
+                <a:cs typeface="Courier New"/>
+              </a:rPr>
+              <a:t>web_lab</a:t>
+            </a:r>
+            <a:r>
+              <a:rPr lang="en-US" dirty="0">
+                <a:solidFill>
+                  <a:srgbClr val="7F7F7F"/>
+                </a:solidFill>
+                <a:latin typeface="Courier New"/>
+                <a:cs typeface="Courier New"/>
+              </a:rPr>
+              <a:t>/</a:t>
+            </a:r>
+            <a:r>
+              <a:rPr lang="en-US" dirty="0" err="1">
+                <a:solidFill>
+                  <a:srgbClr val="7F7F7F"/>
+                </a:solidFill>
+                <a:latin typeface="Courier New"/>
+                <a:cs typeface="Courier New"/>
+              </a:rPr>
+              <a:t>pgh_weather.php</a:t>
+            </a:r>
+            <a:r>
+              <a:rPr lang="en-US" dirty="0">
+                <a:solidFill>
+                  <a:srgbClr val="7F7F7F"/>
+                </a:solidFill>
+                <a:latin typeface="Courier New"/>
+                <a:cs typeface="Courier New"/>
+              </a:rPr>
+              <a:t>"</a:t>
+            </a:r>
+            <a:r>
+              <a:rPr lang="en-US" dirty="0" smtClean="0">
+                <a:solidFill>
+                  <a:srgbClr val="7F7F7F"/>
+                </a:solidFill>
+                <a:latin typeface="Courier New"/>
+                <a:cs typeface="Courier New"/>
+              </a:rPr>
+              <a:t>);</a:t>
+            </a:r>
+          </a:p>
+          <a:p>
+            <a:endParaRPr lang="en-US" dirty="0">
+              <a:latin typeface="Courier New"/>
+              <a:cs typeface="Courier New"/>
+            </a:endParaRPr>
+          </a:p>
+          <a:p>
+            <a:r>
+              <a:rPr lang="en-US" dirty="0">
+                <a:latin typeface="Courier New"/>
+                <a:cs typeface="Courier New"/>
+              </a:rPr>
+              <a:t>				</a:t>
+            </a:r>
+            <a:r>
+              <a:rPr lang="en-US" dirty="0" err="1">
+                <a:latin typeface="Courier New"/>
+                <a:cs typeface="Courier New"/>
+              </a:rPr>
+              <a:t>xmlhttp.send</a:t>
+            </a:r>
+            <a:r>
+              <a:rPr lang="en-US" dirty="0">
+                <a:latin typeface="Courier New"/>
+                <a:cs typeface="Courier New"/>
+              </a:rPr>
+              <a:t>();</a:t>
+            </a:r>
+          </a:p>
+        </p:txBody>
+      </p:sp>
+      <p:sp>
+        <p:nvSpPr>
+          <p:cNvPr id="7" name="Title 6"/>
           <p:cNvSpPr>
             <a:spLocks noGrp="1"/>
           </p:cNvSpPr>
@@ -10688,149 +10933,14 @@
           <a:bodyPr/>
           <a:lstStyle/>
           <a:p>
-            <a:r>
-              <a:rPr lang="en-US" dirty="0" smtClean="0"/>
-              <a:t>Should I wear a jacket today?</a:t>
-            </a:r>
-            <a:endParaRPr lang="en-US" dirty="0"/>
-          </a:p>
-        </p:txBody>
-      </p:sp>
-      <p:sp>
-        <p:nvSpPr>
-          <p:cNvPr id="3" name="Content Placeholder 2"/>
-          <p:cNvSpPr>
-            <a:spLocks noGrp="1"/>
-          </p:cNvSpPr>
-          <p:nvPr>
-            <p:ph idx="1"/>
-          </p:nvPr>
-        </p:nvSpPr>
-        <p:spPr/>
-        <p:txBody>
-          <a:bodyPr/>
-          <a:lstStyle/>
-          <a:p>
-            <a:r>
-              <a:rPr lang="en-US" dirty="0" smtClean="0"/>
-              <a:t>Yahoo! Weather API</a:t>
-            </a:r>
-          </a:p>
-          <a:p>
-            <a:pPr lvl="1"/>
-            <a:r>
-              <a:rPr lang="en-US" dirty="0">
-                <a:solidFill>
-                  <a:srgbClr val="F6C16A"/>
-                </a:solidFill>
-              </a:rPr>
-              <a:t>http://from.so/web_lab/</a:t>
-            </a:r>
-            <a:r>
-              <a:rPr lang="en-US" dirty="0" smtClean="0">
-                <a:solidFill>
-                  <a:srgbClr val="F6C16A"/>
-                </a:solidFill>
-              </a:rPr>
-              <a:t>pgh_weather.php</a:t>
-            </a:r>
-            <a:endParaRPr lang="en-US" u="sng" dirty="0" smtClean="0">
-              <a:solidFill>
-                <a:schemeClr val="accent4">
-                  <a:lumMod val="60000"/>
-                  <a:lumOff val="40000"/>
-                </a:schemeClr>
-              </a:solidFill>
-            </a:endParaRPr>
-          </a:p>
-          <a:p>
-            <a:pPr lvl="1"/>
-            <a:r>
-              <a:rPr lang="en-US" dirty="0" smtClean="0"/>
-              <a:t>More information about the API:</a:t>
-            </a:r>
-            <a:endParaRPr lang="en-US" u="sng" dirty="0" smtClean="0">
-              <a:solidFill>
-                <a:schemeClr val="accent4">
-                  <a:lumMod val="60000"/>
-                  <a:lumOff val="40000"/>
-                </a:schemeClr>
-              </a:solidFill>
-            </a:endParaRPr>
-          </a:p>
-          <a:p>
-            <a:pPr lvl="2"/>
-            <a:r>
-              <a:rPr lang="en-US" u="sng" dirty="0" smtClean="0">
-                <a:solidFill>
-                  <a:schemeClr val="accent4">
-                    <a:lumMod val="60000"/>
-                    <a:lumOff val="40000"/>
-                  </a:schemeClr>
-                </a:solidFill>
-              </a:rPr>
-              <a:t>http</a:t>
-            </a:r>
-            <a:r>
-              <a:rPr lang="en-US" u="sng" dirty="0">
-                <a:solidFill>
-                  <a:schemeClr val="accent4">
-                    <a:lumMod val="60000"/>
-                    <a:lumOff val="40000"/>
-                  </a:schemeClr>
-                </a:solidFill>
-              </a:rPr>
-              <a:t>://developer.yahoo.com/weather</a:t>
-            </a:r>
-            <a:r>
-              <a:rPr lang="en-US" u="sng" dirty="0" smtClean="0">
-                <a:solidFill>
-                  <a:schemeClr val="accent4">
-                    <a:lumMod val="60000"/>
-                    <a:lumOff val="40000"/>
-                  </a:schemeClr>
-                </a:solidFill>
-              </a:rPr>
-              <a:t>/</a:t>
-            </a:r>
-          </a:p>
-          <a:p>
-            <a:r>
-              <a:rPr lang="en-US" dirty="0" smtClean="0">
-                <a:solidFill>
-                  <a:srgbClr val="FFFFFF"/>
-                </a:solidFill>
-              </a:rPr>
-              <a:t>Step 1: Fetch weather information from Yahoo!</a:t>
-            </a:r>
-          </a:p>
-          <a:p>
-            <a:pPr lvl="1"/>
-            <a:r>
-              <a:rPr lang="en-US" dirty="0" smtClean="0">
-                <a:solidFill>
-                  <a:srgbClr val="FFFFFF"/>
-                </a:solidFill>
-              </a:rPr>
-              <a:t>Starter code on next slide</a:t>
-            </a:r>
-          </a:p>
-          <a:p>
-            <a:pPr lvl="1"/>
-            <a:endParaRPr lang="en-US" dirty="0"/>
-          </a:p>
-          <a:p>
-            <a:pPr marL="349250" lvl="1" indent="0">
-              <a:buNone/>
-            </a:pPr>
-            <a:endParaRPr lang="en-US" dirty="0"/>
+            <a:endParaRPr lang="en-US"/>
           </a:p>
         </p:txBody>
       </p:sp>
     </p:spTree>
     <p:extLst>
       <p:ext uri="{BB962C8B-B14F-4D97-AF65-F5344CB8AC3E}">
-        <p14:creationId xmlns:p14="http://schemas.microsoft.com/office/powerpoint/2010/main" val="2268855489"/>
+        <p14:creationId xmlns:p14="http://schemas.microsoft.com/office/powerpoint/2010/main" val="2389428537"/>
       </p:ext>
     </p:extLst>
   </p:cSld>
@@ -10866,62 +10976,13 @@
       </p:grpSpPr>
       <p:sp>
         <p:nvSpPr>
-          <p:cNvPr id="2" name="Title 1"/>
-          <p:cNvSpPr>
-            <a:spLocks noGrp="1"/>
-          </p:cNvSpPr>
-          <p:nvPr>
-            <p:ph type="title"/>
-          </p:nvPr>
-        </p:nvSpPr>
-        <p:spPr/>
-        <p:txBody>
-          <a:bodyPr/>
-          <a:lstStyle/>
-          <a:p>
-            <a:r>
-              <a:rPr lang="en-US" dirty="0" smtClean="0"/>
-              <a:t>Step 1: Fetch weather data</a:t>
-            </a:r>
-            <a:endParaRPr lang="en-US" dirty="0"/>
-          </a:p>
-        </p:txBody>
-      </p:sp>
-      <p:sp>
-        <p:nvSpPr>
-          <p:cNvPr id="3" name="Content Placeholder 2"/>
-          <p:cNvSpPr>
-            <a:spLocks noGrp="1"/>
-          </p:cNvSpPr>
-          <p:nvPr>
-            <p:ph idx="1"/>
-          </p:nvPr>
-        </p:nvSpPr>
-        <p:spPr/>
-        <p:txBody>
-          <a:bodyPr/>
-          <a:lstStyle/>
-          <a:p>
-            <a:pPr lvl="1"/>
-            <a:endParaRPr lang="en-US" dirty="0"/>
-          </a:p>
-          <a:p>
-            <a:pPr marL="349250" lvl="1" indent="0">
-              <a:buNone/>
-            </a:pPr>
-            <a:endParaRPr lang="en-US" dirty="0"/>
-          </a:p>
-        </p:txBody>
-      </p:sp>
-      <p:sp>
-        <p:nvSpPr>
-          <p:cNvPr id="4" name="Rectangle 3"/>
+          <p:cNvPr id="5" name="Rectangle 4"/>
           <p:cNvSpPr/>
           <p:nvPr/>
         </p:nvSpPr>
         <p:spPr>
           <a:xfrm>
-            <a:off x="-1555570" y="2520395"/>
+            <a:off x="-1289755" y="2047854"/>
             <a:ext cx="11073717" cy="3139321"/>
           </a:xfrm>
           <a:prstGeom prst="rect">
@@ -10936,6 +10997,9 @@
           <a:p>
             <a:r>
               <a:rPr lang="en-US" dirty="0">
+                <a:solidFill>
+                  <a:srgbClr val="7F7F7F"/>
+                </a:solidFill>
                 <a:latin typeface="Courier New"/>
                 <a:cs typeface="Courier New"/>
               </a:rPr>
@@ -10943,6 +11007,9 @@
             </a:r>
             <a:r>
               <a:rPr lang="en-US" dirty="0" err="1">
+                <a:solidFill>
+                  <a:srgbClr val="7F7F7F"/>
+                </a:solidFill>
                 <a:latin typeface="Courier New"/>
                 <a:cs typeface="Courier New"/>
               </a:rPr>
@@ -10950,6 +11017,9 @@
             </a:r>
             <a:r>
               <a:rPr lang="en-US" dirty="0">
+                <a:solidFill>
+                  <a:srgbClr val="7F7F7F"/>
+                </a:solidFill>
                 <a:latin typeface="Courier New"/>
                 <a:cs typeface="Courier New"/>
               </a:rPr>
@@ -10957,6 +11027,9 @@
             </a:r>
             <a:r>
               <a:rPr lang="en-US" dirty="0" err="1">
+                <a:solidFill>
+                  <a:srgbClr val="7F7F7F"/>
+                </a:solidFill>
                 <a:latin typeface="Courier New"/>
                 <a:cs typeface="Courier New"/>
               </a:rPr>
@@ -10964,6 +11037,9 @@
             </a:r>
             <a:r>
               <a:rPr lang="en-US" dirty="0">
+                <a:solidFill>
+                  <a:srgbClr val="7F7F7F"/>
+                </a:solidFill>
                 <a:latin typeface="Courier New"/>
                 <a:cs typeface="Courier New"/>
               </a:rPr>
@@ -10971,6 +11047,9 @@
             </a:r>
             <a:r>
               <a:rPr lang="en-US" dirty="0" err="1">
+                <a:solidFill>
+                  <a:srgbClr val="7F7F7F"/>
+                </a:solidFill>
                 <a:latin typeface="Courier New"/>
                 <a:cs typeface="Courier New"/>
               </a:rPr>
@@ -10978,6 +11057,9 @@
             </a:r>
             <a:r>
               <a:rPr lang="en-US" dirty="0">
+                <a:solidFill>
+                  <a:srgbClr val="7F7F7F"/>
+                </a:solidFill>
                 <a:latin typeface="Courier New"/>
                 <a:cs typeface="Courier New"/>
               </a:rPr>
@@ -10985,6 +11067,9 @@
             </a:r>
             <a:r>
               <a:rPr lang="en-US" dirty="0" smtClean="0">
+                <a:solidFill>
+                  <a:srgbClr val="7F7F7F"/>
+                </a:solidFill>
                 <a:latin typeface="Courier New"/>
                 <a:cs typeface="Courier New"/>
               </a:rPr>
@@ -10992,6 +11077,143 @@
             </a:r>
           </a:p>
           <a:p>
+            <a:endParaRPr lang="en-US" dirty="0">
+              <a:solidFill>
+                <a:srgbClr val="7F7F7F"/>
+              </a:solidFill>
+              <a:latin typeface="Courier New"/>
+              <a:cs typeface="Courier New"/>
+            </a:endParaRPr>
+          </a:p>
+          <a:p>
+            <a:r>
+              <a:rPr lang="en-US" dirty="0">
+                <a:solidFill>
+                  <a:srgbClr val="7F7F7F"/>
+                </a:solidFill>
+                <a:latin typeface="Courier New"/>
+                <a:cs typeface="Courier New"/>
+              </a:rPr>
+              <a:t>				</a:t>
+            </a:r>
+            <a:r>
+              <a:rPr lang="en-US" dirty="0" err="1" smtClean="0">
+                <a:solidFill>
+                  <a:srgbClr val="7F7F7F"/>
+                </a:solidFill>
+                <a:latin typeface="Courier New"/>
+                <a:cs typeface="Courier New"/>
+              </a:rPr>
+              <a:t>xmlhttp.onreadystatechange</a:t>
+            </a:r>
+            <a:r>
+              <a:rPr lang="en-US" dirty="0" smtClean="0">
+                <a:solidFill>
+                  <a:srgbClr val="7F7F7F"/>
+                </a:solidFill>
+                <a:latin typeface="Courier New"/>
+                <a:cs typeface="Courier New"/>
+              </a:rPr>
+              <a:t> = function</a:t>
+            </a:r>
+            <a:r>
+              <a:rPr lang="en-US" dirty="0">
+                <a:solidFill>
+                  <a:srgbClr val="7F7F7F"/>
+                </a:solidFill>
+                <a:latin typeface="Courier New"/>
+                <a:cs typeface="Courier New"/>
+              </a:rPr>
+              <a:t>() {</a:t>
+            </a:r>
+          </a:p>
+          <a:p>
+            <a:r>
+              <a:rPr lang="en-US" dirty="0">
+                <a:latin typeface="Courier New"/>
+                <a:cs typeface="Courier New"/>
+              </a:rPr>
+              <a:t>					if (</a:t>
+            </a:r>
+            <a:r>
+              <a:rPr lang="en-US" dirty="0" err="1" smtClean="0">
+                <a:latin typeface="Courier New"/>
+                <a:cs typeface="Courier New"/>
+              </a:rPr>
+              <a:t>xmlhttp.readyState</a:t>
+            </a:r>
+            <a:r>
+              <a:rPr lang="en-US" dirty="0" smtClean="0">
+                <a:latin typeface="Courier New"/>
+                <a:cs typeface="Courier New"/>
+              </a:rPr>
+              <a:t> === 4 </a:t>
+            </a:r>
+            <a:r>
+              <a:rPr lang="en-US" dirty="0">
+                <a:latin typeface="Courier New"/>
+                <a:cs typeface="Courier New"/>
+              </a:rPr>
+              <a:t>&amp;&amp; </a:t>
+            </a:r>
+            <a:r>
+              <a:rPr lang="en-US" dirty="0" err="1" smtClean="0">
+                <a:latin typeface="Courier New"/>
+                <a:cs typeface="Courier New"/>
+              </a:rPr>
+              <a:t>xmlhttp.status</a:t>
+            </a:r>
+            <a:r>
+              <a:rPr lang="en-US" dirty="0" smtClean="0">
+                <a:latin typeface="Courier New"/>
+                <a:cs typeface="Courier New"/>
+              </a:rPr>
+              <a:t> === 200</a:t>
+            </a:r>
+            <a:r>
+              <a:rPr lang="en-US" dirty="0">
+                <a:latin typeface="Courier New"/>
+                <a:cs typeface="Courier New"/>
+              </a:rPr>
+              <a:t>) {</a:t>
+            </a:r>
+          </a:p>
+          <a:p>
+            <a:r>
+              <a:rPr lang="en-US" dirty="0">
+                <a:latin typeface="Courier New"/>
+                <a:cs typeface="Courier New"/>
+              </a:rPr>
+              <a:t>						</a:t>
+            </a:r>
+            <a:r>
+              <a:rPr lang="en-US" dirty="0" err="1" smtClean="0">
+                <a:latin typeface="Courier New"/>
+                <a:cs typeface="Courier New"/>
+              </a:rPr>
+              <a:t>console.log</a:t>
+            </a:r>
+            <a:r>
+              <a:rPr lang="en-US" dirty="0" smtClean="0">
+                <a:latin typeface="Courier New"/>
+                <a:cs typeface="Courier New"/>
+              </a:rPr>
+              <a:t>(</a:t>
+            </a:r>
+            <a:r>
+              <a:rPr lang="en-US" dirty="0" err="1" smtClean="0">
+                <a:latin typeface="Courier New"/>
+                <a:cs typeface="Courier New"/>
+              </a:rPr>
+              <a:t>xmlhttp</a:t>
+            </a:r>
+            <a:r>
+              <a:rPr lang="en-US" dirty="0" smtClean="0">
+                <a:latin typeface="Courier New"/>
+                <a:cs typeface="Courier New"/>
+              </a:rPr>
+              <a:t>);</a:t>
+            </a:r>
             <a:endParaRPr lang="en-US" dirty="0">
               <a:latin typeface="Courier New"/>
               <a:cs typeface="Courier New"/>
@@ -11003,118 +11225,36 @@
                 <a:latin typeface="Courier New"/>
                 <a:cs typeface="Courier New"/>
               </a:rPr>
-              <a:t>				</a:t>
-            </a:r>
-            <a:r>
-              <a:rPr lang="en-US" dirty="0" err="1" smtClean="0">
-                <a:latin typeface="Courier New"/>
-                <a:cs typeface="Courier New"/>
-              </a:rPr>
-              <a:t>xmlhttp.onreadystatechange</a:t>
+              <a:t>					}</a:t>
+            </a:r>
+          </a:p>
+          <a:p>
+            <a:r>
+              <a:rPr lang="en-US" dirty="0">
+                <a:solidFill>
+                  <a:srgbClr val="7F7F7F"/>
+                </a:solidFill>
+                <a:latin typeface="Courier New"/>
+                <a:cs typeface="Courier New"/>
+              </a:rPr>
+              <a:t>				}</a:t>
             </a:r>
             <a:r>
               <a:rPr lang="en-US" dirty="0" smtClean="0">
-                <a:latin typeface="Courier New"/>
-                <a:cs typeface="Courier New"/>
-              </a:rPr>
-              <a:t> = function</a:t>
-            </a:r>
-            <a:r>
-              <a:rPr lang="en-US" dirty="0">
-                <a:latin typeface="Courier New"/>
-                <a:cs typeface="Courier New"/>
-              </a:rPr>
-              <a:t>() {</a:t>
-            </a:r>
-          </a:p>
-          <a:p>
-            <a:r>
-              <a:rPr lang="en-US" dirty="0">
-                <a:latin typeface="Courier New"/>
-                <a:cs typeface="Courier New"/>
-              </a:rPr>
-              <a:t>					if (</a:t>
-            </a:r>
-            <a:r>
-              <a:rPr lang="en-US" dirty="0" err="1" smtClean="0">
-                <a:latin typeface="Courier New"/>
-                <a:cs typeface="Courier New"/>
-              </a:rPr>
-              <a:t>xmlhttp.readyState</a:t>
-            </a:r>
-            <a:r>
-              <a:rPr lang="en-US" dirty="0" smtClean="0">
-                <a:latin typeface="Courier New"/>
-                <a:cs typeface="Courier New"/>
-              </a:rPr>
-              <a:t> === 4 </a:t>
-            </a:r>
-            <a:r>
-              <a:rPr lang="en-US" dirty="0">
-                <a:latin typeface="Courier New"/>
-                <a:cs typeface="Courier New"/>
-              </a:rPr>
-              <a:t>&amp;&amp; </a:t>
-            </a:r>
-            <a:r>
-              <a:rPr lang="en-US" dirty="0" err="1" smtClean="0">
-                <a:latin typeface="Courier New"/>
-                <a:cs typeface="Courier New"/>
-              </a:rPr>
-              <a:t>xmlhttp.status</a:t>
-            </a:r>
-            <a:r>
-              <a:rPr lang="en-US" dirty="0" smtClean="0">
-                <a:latin typeface="Courier New"/>
-                <a:cs typeface="Courier New"/>
-              </a:rPr>
-              <a:t> === 200</a:t>
-            </a:r>
-            <a:r>
-              <a:rPr lang="en-US" dirty="0">
-                <a:latin typeface="Courier New"/>
-                <a:cs typeface="Courier New"/>
-              </a:rPr>
-              <a:t>) {</a:t>
-            </a:r>
-          </a:p>
-          <a:p>
-            <a:r>
-              <a:rPr lang="en-US" dirty="0">
-                <a:latin typeface="Courier New"/>
-                <a:cs typeface="Courier New"/>
-              </a:rPr>
-              <a:t>						</a:t>
-            </a:r>
-            <a:r>
-              <a:rPr lang="en-US" dirty="0" err="1" smtClean="0">
-                <a:latin typeface="Courier New"/>
-                <a:cs typeface="Courier New"/>
-              </a:rPr>
-              <a:t>console.log</a:t>
-            </a:r>
-            <a:r>
-              <a:rPr lang="en-US" dirty="0" smtClean="0">
-                <a:latin typeface="Courier New"/>
-                <a:cs typeface="Courier New"/>
-              </a:rPr>
-              <a:t>(</a:t>
-            </a:r>
-            <a:r>
-              <a:rPr lang="en-US" dirty="0" err="1" smtClean="0">
-                <a:latin typeface="Courier New"/>
-                <a:cs typeface="Courier New"/>
-              </a:rPr>
-              <a:t>xmlhttp</a:t>
-            </a:r>
-            <a:r>
-              <a:rPr lang="en-US" dirty="0" smtClean="0">
-                <a:latin typeface="Courier New"/>
-                <a:cs typeface="Courier New"/>
-              </a:rPr>
-              <a:t>);</a:t>
-            </a:r>
+                <a:solidFill>
+                  <a:srgbClr val="7F7F7F"/>
+                </a:solidFill>
+                <a:latin typeface="Courier New"/>
+                <a:cs typeface="Courier New"/>
+              </a:rPr>
+              <a:t>;</a:t>
+            </a:r>
+          </a:p>
+          <a:p>
             <a:endParaRPr lang="en-US" dirty="0">
+              <a:solidFill>
+                <a:srgbClr val="7F7F7F"/>
+              </a:solidFill>
               <a:latin typeface="Courier New"/>
               <a:cs typeface="Courier New"/>
             </a:endParaRPr>
@@ -11122,30 +11262,130 @@
           <a:p>
             <a:r>
               <a:rPr lang="en-US" dirty="0">
-                <a:latin typeface="Courier New"/>
-                <a:cs typeface="Courier New"/>
-              </a:rPr>
-              <a:t>					}</a:t>
-            </a:r>
-          </a:p>
-          <a:p>
-            <a:r>
-              <a:rPr lang="en-US" dirty="0">
-                <a:latin typeface="Courier New"/>
-                <a:cs typeface="Courier New"/>
-              </a:rPr>
-              <a:t>				}</a:t>
+                <a:solidFill>
+                  <a:srgbClr val="7F7F7F"/>
+                </a:solidFill>
+                <a:latin typeface="Courier New"/>
+                <a:cs typeface="Courier New"/>
+              </a:rPr>
+              <a:t>				</a:t>
+            </a:r>
+            <a:r>
+              <a:rPr lang="en-US" dirty="0" err="1">
+                <a:solidFill>
+                  <a:srgbClr val="7F7F7F"/>
+                </a:solidFill>
+                <a:latin typeface="Courier New"/>
+                <a:cs typeface="Courier New"/>
+              </a:rPr>
+              <a:t>xmlhttp.open</a:t>
+            </a:r>
+            <a:r>
+              <a:rPr lang="en-US" dirty="0">
+                <a:solidFill>
+                  <a:srgbClr val="7F7F7F"/>
+                </a:solidFill>
+                <a:latin typeface="Courier New"/>
+                <a:cs typeface="Courier New"/>
+              </a:rPr>
+              <a:t>("GET", </a:t>
             </a:r>
             <a:r>
               <a:rPr lang="en-US" dirty="0" smtClean="0">
-                <a:latin typeface="Courier New"/>
-                <a:cs typeface="Courier New"/>
-              </a:rPr>
-              <a:t>;</a:t>
+                <a:solidFill>
+                  <a:srgbClr val="7F7F7F"/>
+                </a:solidFill>
+                <a:latin typeface="Courier New"/>
+                <a:cs typeface="Courier New"/>
+              </a:rPr>
+              <a:t>”http</a:t>
+            </a:r>
+            <a:r>
+              <a:rPr lang="en-US" dirty="0">
+                <a:solidFill>
+                  <a:srgbClr val="7F7F7F"/>
+                </a:solidFill>
+                <a:latin typeface="Courier New"/>
+                <a:cs typeface="Courier New"/>
+              </a:rPr>
+              <a:t>://</a:t>
+            </a:r>
+            <a:r>
+              <a:rPr lang="en-US" dirty="0" err="1">
+                <a:solidFill>
+                  <a:srgbClr val="7F7F7F"/>
+                </a:solidFill>
+                <a:latin typeface="Courier New"/>
+                <a:cs typeface="Courier New"/>
+              </a:rPr>
+              <a:t>from.so</a:t>
+            </a:r>
+            <a:r>
+              <a:rPr lang="en-US" dirty="0">
+                <a:solidFill>
+                  <a:srgbClr val="7F7F7F"/>
+                </a:solidFill>
+                <a:latin typeface="Courier New"/>
+                <a:cs typeface="Courier New"/>
+              </a:rPr>
+              <a:t>/</a:t>
+            </a:r>
+            <a:r>
+              <a:rPr lang="en-US" dirty="0" err="1">
+                <a:solidFill>
+                  <a:srgbClr val="7F7F7F"/>
+                </a:solidFill>
+                <a:latin typeface="Courier New"/>
+                <a:cs typeface="Courier New"/>
+              </a:rPr>
+              <a:t>web_lab</a:t>
+            </a:r>
+            <a:r>
+              <a:rPr lang="en-US" dirty="0">
+                <a:solidFill>
+                  <a:srgbClr val="7F7F7F"/>
+                </a:solidFill>
+                <a:latin typeface="Courier New"/>
+                <a:cs typeface="Courier New"/>
+              </a:rPr>
+              <a:t>/</a:t>
+            </a:r>
+            <a:r>
+              <a:rPr lang="en-US" dirty="0" err="1">
+                <a:solidFill>
+                  <a:srgbClr val="7F7F7F"/>
+                </a:solidFill>
+                <a:latin typeface="Courier New"/>
+                <a:cs typeface="Courier New"/>
+              </a:rPr>
+              <a:t>pgh_weather.php</a:t>
+            </a:r>
+            <a:r>
+              <a:rPr lang="en-US" dirty="0">
+                <a:solidFill>
+                  <a:srgbClr val="7F7F7F"/>
+                </a:solidFill>
+                <a:latin typeface="Courier New"/>
+                <a:cs typeface="Courier New"/>
+              </a:rPr>
+              <a:t>"</a:t>
+            </a:r>
+            <a:r>
+              <a:rPr lang="en-US" dirty="0" smtClean="0">
+                <a:solidFill>
+                  <a:srgbClr val="7F7F7F"/>
+                </a:solidFill>
+                <a:latin typeface="Courier New"/>
+                <a:cs typeface="Courier New"/>
+              </a:rPr>
+              <a:t>);</a:t>
             </a:r>
           </a:p>
           <a:p>
             <a:endParaRPr lang="en-US" dirty="0">
+              <a:solidFill>
+                <a:srgbClr val="7F7F7F"/>
+              </a:solidFill>
               <a:latin typeface="Courier New"/>
               <a:cs typeface="Courier New"/>
             </a:endParaRPr>
@@ -11153,6 +11393,9 @@
           <a:p>
             <a:r>
               <a:rPr lang="en-US" dirty="0">
+                <a:solidFill>
+                  <a:srgbClr val="7F7F7F"/>
+                </a:solidFill>
                 <a:latin typeface="Courier New"/>
                 <a:cs typeface="Courier New"/>
               </a:rPr>
@@ -11160,98 +11403,9 @@
             </a:r>
             <a:r>
               <a:rPr lang="en-US" dirty="0" err="1">
-                <a:latin typeface="Courier New"/>
-                <a:cs typeface="Courier New"/>
-              </a:rPr>
-              <a:t>xmlhttp.open</a:t>
-            </a:r>
-            <a:r>
-              <a:rPr lang="en-US" dirty="0">
-                <a:latin typeface="Courier New"/>
-                <a:cs typeface="Courier New"/>
-              </a:rPr>
-              <a:t>("GET", </a:t>
-            </a:r>
-            <a:r>
-              <a:rPr lang="en-US" dirty="0" smtClean="0">
-                <a:latin typeface="Courier New"/>
-                <a:cs typeface="Courier New"/>
-              </a:rPr>
-              <a:t>”http</a:t>
-            </a:r>
-            <a:r>
-              <a:rPr lang="en-US" dirty="0">
-                <a:latin typeface="Courier New"/>
-                <a:cs typeface="Courier New"/>
-              </a:rPr>
-              <a:t>://</a:t>
-            </a:r>
-            <a:r>
-              <a:rPr lang="en-US" dirty="0" err="1">
-                <a:latin typeface="Courier New"/>
-                <a:cs typeface="Courier New"/>
-              </a:rPr>
-              <a:t>from.so</a:t>
-            </a:r>
-            <a:r>
-              <a:rPr lang="en-US" dirty="0">
-                <a:latin typeface="Courier New"/>
-                <a:cs typeface="Courier New"/>
-              </a:rPr>
-              <a:t>/</a:t>
-            </a:r>
-            <a:r>
-              <a:rPr lang="en-US" dirty="0" err="1">
-                <a:latin typeface="Courier New"/>
-                <a:cs typeface="Courier New"/>
-              </a:rPr>
-              <a:t>web_lab</a:t>
-            </a:r>
-            <a:r>
-              <a:rPr lang="en-US" dirty="0">
-                <a:latin typeface="Courier New"/>
-                <a:cs typeface="Courier New"/>
-              </a:rPr>
-              <a:t>/</a:t>
-            </a:r>
-            <a:r>
-              <a:rPr lang="en-US" dirty="0" err="1">
-                <a:latin typeface="Courier New"/>
-                <a:cs typeface="Courier New"/>
-              </a:rPr>
-              <a:t>pgh_weather.php</a:t>
-            </a:r>
-            <a:r>
-              <a:rPr lang="en-US" dirty="0">
-                <a:latin typeface="Courier New"/>
-                <a:cs typeface="Courier New"/>
-              </a:rPr>
-              <a:t>"</a:t>
-            </a:r>
-            <a:r>
-              <a:rPr lang="en-US" dirty="0" smtClean="0">
-                <a:latin typeface="Courier New"/>
-                <a:cs typeface="Courier New"/>
-              </a:rPr>
-              <a:t>);</a:t>
-            </a:r>
-          </a:p>
-          <a:p>
-            <a:endParaRPr lang="en-US" dirty="0">
-              <a:latin typeface="Courier New"/>
-              <a:cs typeface="Courier New"/>
-            </a:endParaRPr>
-          </a:p>
-          <a:p>
-            <a:r>
-              <a:rPr lang="en-US" dirty="0">
-                <a:latin typeface="Courier New"/>
-                <a:cs typeface="Courier New"/>
-              </a:rPr>
-              <a:t>				</a:t>
-            </a:r>
-            <a:r>
-              <a:rPr lang="en-US" dirty="0" err="1">
+                <a:solidFill>
+                  <a:srgbClr val="7F7F7F"/>
+                </a:solidFill>
                 <a:latin typeface="Courier New"/>
                 <a:cs typeface="Courier New"/>
               </a:rPr>
@@ -11259,18 +11413,40 @@
             </a:r>
             <a:r>
               <a:rPr lang="en-US" dirty="0">
+                <a:solidFill>
+                  <a:srgbClr val="7F7F7F"/>
+                </a:solidFill>
                 <a:latin typeface="Courier New"/>
                 <a:cs typeface="Courier New"/>
               </a:rPr>
               <a:t>();</a:t>
             </a:r>
+          </a:p>
+        </p:txBody>
+      </p:sp>
+      <p:sp>
+        <p:nvSpPr>
+          <p:cNvPr id="7" name="Title 6"/>
+          <p:cNvSpPr>
+            <a:spLocks noGrp="1"/>
+          </p:cNvSpPr>
+          <p:nvPr>
+            <p:ph type="title"/>
+          </p:nvPr>
+        </p:nvSpPr>
+        <p:spPr/>
+        <p:txBody>
+          <a:bodyPr/>
+          <a:lstStyle/>
+          <a:p>
+            <a:endParaRPr lang="en-US"/>
           </a:p>
         </p:txBody>
       </p:sp>
     </p:spTree>
     <p:extLst>
       <p:ext uri="{BB962C8B-B14F-4D97-AF65-F5344CB8AC3E}">
-        <p14:creationId xmlns:p14="http://schemas.microsoft.com/office/powerpoint/2010/main" val="2266763133"/>
+        <p14:creationId xmlns:p14="http://schemas.microsoft.com/office/powerpoint/2010/main" val="2889133262"/>
       </p:ext>
     </p:extLst>
   </p:cSld>
@@ -11321,7 +11497,7 @@
           <a:p>
             <a:r>
               <a:rPr lang="en-US" dirty="0" smtClean="0"/>
-              <a:t>Dealing with response data</a:t>
+              <a:t>Should I wear a jacket today?</a:t>
             </a:r>
             <a:endParaRPr lang="en-US" dirty="0"/>
           </a:p>
@@ -11344,103 +11520,124 @@
           <a:p>
             <a:r>
               <a:rPr lang="en-US" dirty="0" smtClean="0"/>
-              <a:t>Two most common formats: XML &amp; JSON</a:t>
+              <a:t>Yahoo! Weather API</a:t>
             </a:r>
           </a:p>
           <a:p>
             <a:pPr lvl="1"/>
             <a:r>
+              <a:rPr lang="en-US" dirty="0">
+                <a:solidFill>
+                  <a:srgbClr val="F6C16A"/>
+                </a:solidFill>
+              </a:rPr>
+              <a:t>http://from.so/web_lab/</a:t>
+            </a:r>
+            <a:r>
+              <a:rPr lang="en-US" dirty="0" smtClean="0">
+                <a:solidFill>
+                  <a:srgbClr val="F6C16A"/>
+                </a:solidFill>
+              </a:rPr>
+              <a:t>pgh_weather.php</a:t>
+            </a:r>
+            <a:endParaRPr lang="en-US" u="sng" dirty="0" smtClean="0">
+              <a:solidFill>
+                <a:schemeClr val="accent4">
+                  <a:lumMod val="60000"/>
+                  <a:lumOff val="40000"/>
+                </a:schemeClr>
+              </a:solidFill>
+            </a:endParaRPr>
+          </a:p>
+          <a:p>
+            <a:pPr lvl="1"/>
+            <a:r>
               <a:rPr lang="en-US" dirty="0" smtClean="0"/>
-              <a:t>XML: Treated like HTML, root: </a:t>
-            </a:r>
-            <a:r>
-              <a:rPr lang="en-US" dirty="0" err="1" smtClean="0">
-                <a:latin typeface="Courier New"/>
-                <a:cs typeface="Courier New"/>
-              </a:rPr>
-              <a:t>xmlhttp.responseXML</a:t>
-            </a:r>
-            <a:endParaRPr lang="en-US" dirty="0" smtClean="0">
-              <a:latin typeface="Courier New"/>
-              <a:cs typeface="Courier New"/>
+              <a:t>More information about the API:</a:t>
+            </a:r>
+            <a:endParaRPr lang="en-US" u="sng" dirty="0" smtClean="0">
+              <a:solidFill>
+                <a:schemeClr val="accent4">
+                  <a:lumMod val="60000"/>
+                  <a:lumOff val="40000"/>
+                </a:schemeClr>
+              </a:solidFill>
             </a:endParaRPr>
           </a:p>
           <a:p>
             <a:pPr lvl="2"/>
             <a:r>
-              <a:rPr lang="en-US" dirty="0" err="1" smtClean="0">
-                <a:latin typeface="Courier New"/>
-                <a:cs typeface="Courier New"/>
-              </a:rPr>
-              <a:t>xmlhttp.responseXML.getElementById</a:t>
-            </a:r>
-            <a:endParaRPr lang="en-US" dirty="0" smtClean="0">
-              <a:latin typeface="Courier New"/>
-              <a:cs typeface="Courier New"/>
-            </a:endParaRPr>
-          </a:p>
-          <a:p>
-            <a:pPr lvl="2"/>
-            <a:r>
-              <a:rPr lang="en-US" dirty="0" err="1" smtClean="0">
-                <a:latin typeface="Courier New"/>
-                <a:cs typeface="Courier New"/>
-              </a:rPr>
-              <a:t>xmlhttp.responseXML.getElementsByTagName</a:t>
-            </a:r>
-            <a:endParaRPr lang="en-US" dirty="0" smtClean="0">
-              <a:latin typeface="Courier New"/>
-              <a:cs typeface="Courier New"/>
-            </a:endParaRPr>
+              <a:rPr lang="en-US" u="sng" dirty="0" smtClean="0">
+                <a:solidFill>
+                  <a:schemeClr val="accent4">
+                    <a:lumMod val="60000"/>
+                    <a:lumOff val="40000"/>
+                  </a:schemeClr>
+                </a:solidFill>
+              </a:rPr>
+              <a:t>http</a:t>
+            </a:r>
+            <a:r>
+              <a:rPr lang="en-US" u="sng" dirty="0">
+                <a:solidFill>
+                  <a:schemeClr val="accent4">
+                    <a:lumMod val="60000"/>
+                    <a:lumOff val="40000"/>
+                  </a:schemeClr>
+                </a:solidFill>
+              </a:rPr>
+              <a:t>://developer.yahoo.com/weather</a:t>
+            </a:r>
+            <a:r>
+              <a:rPr lang="en-US" u="sng" dirty="0" smtClean="0">
+                <a:solidFill>
+                  <a:schemeClr val="accent4">
+                    <a:lumMod val="60000"/>
+                    <a:lumOff val="40000"/>
+                  </a:schemeClr>
+                </a:solidFill>
+              </a:rPr>
+              <a:t>/</a:t>
+            </a:r>
+          </a:p>
+          <a:p>
+            <a:r>
+              <a:rPr lang="en-US" dirty="0" smtClean="0">
+                <a:solidFill>
+                  <a:srgbClr val="FFFFFF"/>
+                </a:solidFill>
+              </a:rPr>
+              <a:t>Step 1: Fetch weather information from Yahoo!</a:t>
+            </a:r>
           </a:p>
           <a:p>
             <a:pPr lvl="1"/>
             <a:r>
-              <a:rPr lang="en-US" dirty="0" smtClean="0"/>
-              <a:t>JSON: JavaScript objects are directly given</a:t>
-            </a:r>
-          </a:p>
-          <a:p>
-            <a:pPr lvl="2"/>
-            <a:r>
-              <a:rPr lang="en-US" dirty="0" err="1" smtClean="0">
-                <a:latin typeface="Courier New"/>
-                <a:cs typeface="Courier New"/>
-              </a:rPr>
-              <a:t>JSON.parse</a:t>
-            </a:r>
-            <a:r>
               <a:rPr lang="en-US" dirty="0" smtClean="0">
-                <a:latin typeface="Courier New"/>
-                <a:cs typeface="Courier New"/>
-              </a:rPr>
-              <a:t>(</a:t>
-            </a:r>
-            <a:r>
-              <a:rPr lang="en-US" dirty="0" err="1" smtClean="0">
-                <a:latin typeface="Courier New"/>
-                <a:cs typeface="Courier New"/>
-              </a:rPr>
-              <a:t>xmlhttp.responseText</a:t>
-            </a:r>
-            <a:r>
-              <a:rPr lang="en-US" dirty="0" smtClean="0">
-                <a:latin typeface="Courier New"/>
-                <a:cs typeface="Courier New"/>
-              </a:rPr>
-              <a:t>)</a:t>
-            </a:r>
-            <a:endParaRPr lang="en-US" dirty="0">
-              <a:latin typeface="Courier New"/>
-              <a:cs typeface="Courier New"/>
-            </a:endParaRPr>
+                <a:solidFill>
+                  <a:srgbClr val="FFFFFF"/>
+                </a:solidFill>
+              </a:rPr>
+              <a:t>Starter code on next slide</a:t>
+            </a:r>
+          </a:p>
+          <a:p>
+            <a:pPr lvl="1"/>
+            <a:endParaRPr lang="en-US" dirty="0"/>
+          </a:p>
+          <a:p>
+            <a:pPr marL="349250" lvl="1" indent="0">
+              <a:buNone/>
+            </a:pPr>
+            <a:endParaRPr lang="en-US" dirty="0"/>
           </a:p>
         </p:txBody>
       </p:sp>
     </p:spTree>
     <p:extLst>
       <p:ext uri="{BB962C8B-B14F-4D97-AF65-F5344CB8AC3E}">
-        <p14:creationId xmlns:p14="http://schemas.microsoft.com/office/powerpoint/2010/main" val="2240536702"/>
+        <p14:creationId xmlns:p14="http://schemas.microsoft.com/office/powerpoint/2010/main" val="2268855489"/>
       </p:ext>
     </p:extLst>
   </p:cSld>
@@ -11491,7 +11688,7 @@
           <a:p>
             <a:r>
               <a:rPr lang="en-US" dirty="0" smtClean="0"/>
-              <a:t>Dealing with response data</a:t>
+              <a:t>Step 1: Fetch weather data</a:t>
             </a:r>
             <a:endParaRPr lang="en-US" dirty="0"/>
           </a:p>
@@ -11512,149 +11709,375 @@
           <a:bodyPr/>
           <a:lstStyle/>
           <a:p>
-            <a:r>
-              <a:rPr lang="en-US" dirty="0" smtClean="0"/>
-              <a:t>Two most common formats: XML &amp; JSON</a:t>
-            </a:r>
-          </a:p>
-          <a:p>
             <a:pPr lvl="1"/>
-            <a:r>
-              <a:rPr lang="en-US" b="1" dirty="0" smtClean="0"/>
-              <a:t>XML: Treated like HTML, root: </a:t>
-            </a:r>
-            <a:r>
-              <a:rPr lang="en-US" b="1" dirty="0" err="1" smtClean="0">
-                <a:latin typeface="Courier New"/>
-                <a:cs typeface="Courier New"/>
-              </a:rPr>
-              <a:t>xmlhttp.responseXML</a:t>
-            </a:r>
-            <a:endParaRPr lang="en-US" b="1" dirty="0" smtClean="0">
-              <a:latin typeface="Courier New"/>
-              <a:cs typeface="Courier New"/>
-            </a:endParaRPr>
-          </a:p>
-          <a:p>
-            <a:pPr lvl="2"/>
-            <a:r>
-              <a:rPr lang="en-US" dirty="0" err="1" smtClean="0">
-                <a:latin typeface="Courier New"/>
-                <a:cs typeface="Courier New"/>
-              </a:rPr>
-              <a:t>xmlhttp.responseXML.getElementById</a:t>
-            </a:r>
-            <a:endParaRPr lang="en-US" dirty="0" smtClean="0">
-              <a:latin typeface="Courier New"/>
-              <a:cs typeface="Courier New"/>
-            </a:endParaRPr>
-          </a:p>
-          <a:p>
-            <a:pPr lvl="2"/>
-            <a:r>
-              <a:rPr lang="en-US" dirty="0" err="1" smtClean="0">
-                <a:latin typeface="Courier New"/>
-                <a:cs typeface="Courier New"/>
-              </a:rPr>
-              <a:t>xmlhttp.responseXML.getElementsByTagName</a:t>
-            </a:r>
-            <a:endParaRPr lang="en-US" dirty="0" smtClean="0">
-              <a:latin typeface="Courier New"/>
-              <a:cs typeface="Courier New"/>
-            </a:endParaRPr>
-          </a:p>
-          <a:p>
-            <a:pPr lvl="1"/>
-            <a:r>
-              <a:rPr lang="en-US" dirty="0" smtClean="0"/>
-              <a:t>JSON: JavaScript objects are directly given</a:t>
-            </a:r>
-          </a:p>
-          <a:p>
-            <a:pPr lvl="2"/>
-            <a:r>
-              <a:rPr lang="en-US" dirty="0" err="1" smtClean="0">
-                <a:latin typeface="Courier New"/>
-                <a:cs typeface="Courier New"/>
-              </a:rPr>
-              <a:t>JSON.parse</a:t>
+            <a:endParaRPr lang="en-US" dirty="0"/>
+          </a:p>
+          <a:p>
+            <a:pPr marL="349250" lvl="1" indent="0">
+              <a:buNone/>
+            </a:pPr>
+            <a:endParaRPr lang="en-US" dirty="0"/>
+          </a:p>
+        </p:txBody>
+      </p:sp>
+      <p:sp>
+        <p:nvSpPr>
+          <p:cNvPr id="4" name="Rectangle 3"/>
+          <p:cNvSpPr/>
+          <p:nvPr/>
+        </p:nvSpPr>
+        <p:spPr>
+          <a:xfrm>
+            <a:off x="-1555570" y="2520395"/>
+            <a:ext cx="11073717" cy="3139321"/>
+          </a:xfrm>
+          <a:prstGeom prst="rect">
+            <a:avLst/>
+          </a:prstGeom>
+        </p:spPr>
+        <p:txBody>
+          <a:bodyPr wrap="square">
+            <a:spAutoFit/>
+          </a:bodyPr>
+          <a:lstStyle/>
+          <a:p>
+            <a:r>
+              <a:rPr lang="en-US" dirty="0">
+                <a:latin typeface="Courier New"/>
+                <a:cs typeface="Courier New"/>
+              </a:rPr>
+              <a:t>				</a:t>
+            </a:r>
+            <a:r>
+              <a:rPr lang="en-US" dirty="0" err="1">
+                <a:latin typeface="Courier New"/>
+                <a:cs typeface="Courier New"/>
+              </a:rPr>
+              <a:t>var</a:t>
+            </a:r>
+            <a:r>
+              <a:rPr lang="en-US" dirty="0">
+                <a:latin typeface="Courier New"/>
+                <a:cs typeface="Courier New"/>
+              </a:rPr>
+              <a:t> </a:t>
+            </a:r>
+            <a:r>
+              <a:rPr lang="en-US" dirty="0" err="1">
+                <a:latin typeface="Courier New"/>
+                <a:cs typeface="Courier New"/>
+              </a:rPr>
+              <a:t>xmlhttp</a:t>
+            </a:r>
+            <a:r>
+              <a:rPr lang="en-US" dirty="0">
+                <a:latin typeface="Courier New"/>
+                <a:cs typeface="Courier New"/>
+              </a:rPr>
+              <a:t> = new </a:t>
+            </a:r>
+            <a:r>
+              <a:rPr lang="en-US" dirty="0" err="1">
+                <a:latin typeface="Courier New"/>
+                <a:cs typeface="Courier New"/>
+              </a:rPr>
+              <a:t>XMLHttpRequest</a:t>
+            </a:r>
+            <a:r>
+              <a:rPr lang="en-US" dirty="0">
+                <a:latin typeface="Courier New"/>
+                <a:cs typeface="Courier New"/>
+              </a:rPr>
+              <a:t>()</a:t>
             </a:r>
             <a:r>
               <a:rPr lang="en-US" dirty="0" smtClean="0">
                 <a:latin typeface="Courier New"/>
                 <a:cs typeface="Courier New"/>
               </a:rPr>
-              <a:t>(</a:t>
-            </a:r>
-            <a:r>
-              <a:rPr lang="en-US" dirty="0" err="1" smtClean="0">
-                <a:latin typeface="Courier New"/>
-                <a:cs typeface="Courier New"/>
-              </a:rPr>
-              <a:t>xmlhttp.responseText</a:t>
-            </a:r>
-            <a:r>
-              <a:rPr lang="en-US" dirty="0" smtClean="0">
-                <a:latin typeface="Courier New"/>
-                <a:cs typeface="Courier New"/>
-              </a:rPr>
-              <a:t>)</a:t>
-            </a:r>
+              <a:t>;</a:t>
+            </a:r>
+          </a:p>
+          <a:p>
             <a:endParaRPr lang="en-US" dirty="0">
               <a:latin typeface="Courier New"/>
               <a:cs typeface="Courier New"/>
             </a:endParaRPr>
           </a:p>
-        </p:txBody>
-      </p:sp>
-      <p:sp>
-        <p:nvSpPr>
-          <p:cNvPr id="4" name="TextBox 3"/>
-          <p:cNvSpPr txBox="1"/>
-          <p:nvPr/>
-        </p:nvSpPr>
-        <p:spPr>
-          <a:xfrm>
-            <a:off x="1496445" y="5604933"/>
-            <a:ext cx="6112933" cy="584776"/>
-          </a:xfrm>
-          <a:prstGeom prst="rect">
-            <a:avLst/>
-          </a:prstGeom>
-          <a:noFill/>
-        </p:spPr>
-        <p:txBody>
-          <a:bodyPr wrap="square" rtlCol="0">
-            <a:spAutoFit/>
-          </a:bodyPr>
-          <a:lstStyle/>
-          <a:p>
-            <a:r>
-              <a:rPr lang="en-US" sz="3200" dirty="0" smtClean="0">
-                <a:solidFill>
-                  <a:schemeClr val="accent1">
-                    <a:lumMod val="40000"/>
-                    <a:lumOff val="60000"/>
-                  </a:schemeClr>
-                </a:solidFill>
-              </a:rPr>
-              <a:t>Yahoo! Weather API uses XML</a:t>
-            </a:r>
-            <a:endParaRPr lang="en-US" sz="3200" dirty="0">
-              <a:solidFill>
-                <a:schemeClr val="accent1">
-                  <a:lumMod val="40000"/>
-                  <a:lumOff val="60000"/>
-                </a:schemeClr>
-              </a:solidFill>
+          <a:p>
+            <a:r>
+              <a:rPr lang="en-US" dirty="0">
+                <a:latin typeface="Courier New"/>
+                <a:cs typeface="Courier New"/>
+              </a:rPr>
+              <a:t>				</a:t>
+            </a:r>
+            <a:r>
+              <a:rPr lang="en-US" dirty="0" err="1" smtClean="0">
+                <a:latin typeface="Courier New"/>
+                <a:cs typeface="Courier New"/>
+              </a:rPr>
+              <a:t>xmlhttp.onreadystatechange</a:t>
+            </a:r>
+            <a:r>
+              <a:rPr lang="en-US" dirty="0" smtClean="0">
+                <a:latin typeface="Courier New"/>
+                <a:cs typeface="Courier New"/>
+              </a:rPr>
+              <a:t> = function</a:t>
+            </a:r>
+            <a:r>
+              <a:rPr lang="en-US" dirty="0">
+                <a:latin typeface="Courier New"/>
+                <a:cs typeface="Courier New"/>
+              </a:rPr>
+              <a:t>() {</a:t>
+            </a:r>
+          </a:p>
+          <a:p>
+            <a:r>
+              <a:rPr lang="en-US" dirty="0">
+                <a:latin typeface="Courier New"/>
+                <a:cs typeface="Courier New"/>
+              </a:rPr>
+              <a:t>					if (</a:t>
+            </a:r>
+            <a:r>
+              <a:rPr lang="en-US" dirty="0" err="1" smtClean="0">
+                <a:latin typeface="Courier New"/>
+                <a:cs typeface="Courier New"/>
+              </a:rPr>
+              <a:t>xmlhttp.readyState</a:t>
+            </a:r>
+            <a:r>
+              <a:rPr lang="en-US" dirty="0" smtClean="0">
+                <a:latin typeface="Courier New"/>
+                <a:cs typeface="Courier New"/>
+              </a:rPr>
+              <a:t> === 4 </a:t>
+            </a:r>
+            <a:r>
+              <a:rPr lang="en-US" dirty="0">
+                <a:latin typeface="Courier New"/>
+                <a:cs typeface="Courier New"/>
+              </a:rPr>
+              <a:t>&amp;&amp; </a:t>
+            </a:r>
+            <a:r>
+              <a:rPr lang="en-US" dirty="0" err="1" smtClean="0">
+                <a:latin typeface="Courier New"/>
+                <a:cs typeface="Courier New"/>
+              </a:rPr>
+              <a:t>xmlhttp.status</a:t>
+            </a:r>
+            <a:r>
+              <a:rPr lang="en-US" dirty="0" smtClean="0">
+                <a:latin typeface="Courier New"/>
+                <a:cs typeface="Courier New"/>
+              </a:rPr>
+              <a:t> === 200</a:t>
+            </a:r>
+            <a:r>
+              <a:rPr lang="en-US" dirty="0">
+                <a:latin typeface="Courier New"/>
+                <a:cs typeface="Courier New"/>
+              </a:rPr>
+              <a:t>) {</a:t>
+            </a:r>
+          </a:p>
+          <a:p>
+            <a:r>
+              <a:rPr lang="en-US" dirty="0">
+                <a:latin typeface="Courier New"/>
+                <a:cs typeface="Courier New"/>
+              </a:rPr>
+              <a:t>						</a:t>
+            </a:r>
+            <a:r>
+              <a:rPr lang="en-US" dirty="0" err="1" smtClean="0">
+                <a:latin typeface="Courier New"/>
+                <a:cs typeface="Courier New"/>
+              </a:rPr>
+              <a:t>console.log</a:t>
+            </a:r>
+            <a:r>
+              <a:rPr lang="en-US" dirty="0" smtClean="0">
+                <a:latin typeface="Courier New"/>
+                <a:cs typeface="Courier New"/>
+              </a:rPr>
+              <a:t>(</a:t>
+            </a:r>
+            <a:r>
+              <a:rPr lang="en-US" dirty="0" err="1" smtClean="0">
+                <a:latin typeface="Courier New"/>
+                <a:cs typeface="Courier New"/>
+              </a:rPr>
+              <a:t>xmlhttp</a:t>
+            </a:r>
+            <a:r>
+              <a:rPr lang="en-US" dirty="0" smtClean="0">
+                <a:latin typeface="Courier New"/>
+                <a:cs typeface="Courier New"/>
+              </a:rPr>
+              <a:t>);</a:t>
+            </a:r>
+            <a:endParaRPr lang="en-US" dirty="0">
+              <a:latin typeface="Courier New"/>
+              <a:cs typeface="Courier New"/>
             </a:endParaRPr>
+          </a:p>
+          <a:p>
+            <a:r>
+              <a:rPr lang="en-US" dirty="0">
+                <a:latin typeface="Courier New"/>
+                <a:cs typeface="Courier New"/>
+              </a:rPr>
+              <a:t>					}</a:t>
+            </a:r>
+          </a:p>
+          <a:p>
+            <a:r>
+              <a:rPr lang="en-US" dirty="0">
+                <a:latin typeface="Courier New"/>
+                <a:cs typeface="Courier New"/>
+              </a:rPr>
+              <a:t>				}</a:t>
+            </a:r>
+            <a:r>
+              <a:rPr lang="en-US" dirty="0" smtClean="0">
+                <a:latin typeface="Courier New"/>
+                <a:cs typeface="Courier New"/>
+              </a:rPr>
+              <a:t>;</a:t>
+            </a:r>
+          </a:p>
+          <a:p>
+            <a:endParaRPr lang="en-US" dirty="0">
+              <a:latin typeface="Courier New"/>
+              <a:cs typeface="Courier New"/>
+            </a:endParaRPr>
+          </a:p>
+          <a:p>
+            <a:r>
+              <a:rPr lang="en-US" dirty="0">
+                <a:latin typeface="Courier New"/>
+                <a:cs typeface="Courier New"/>
+              </a:rPr>
+              <a:t>				</a:t>
+            </a:r>
+            <a:r>
+              <a:rPr lang="en-US" dirty="0" err="1">
+                <a:latin typeface="Courier New"/>
+                <a:cs typeface="Courier New"/>
+              </a:rPr>
+              <a:t>xmlhttp.open</a:t>
+            </a:r>
+            <a:r>
+              <a:rPr lang="en-US" dirty="0">
+                <a:latin typeface="Courier New"/>
+                <a:cs typeface="Courier New"/>
+              </a:rPr>
+              <a:t>("GET", </a:t>
+            </a:r>
+            <a:r>
+              <a:rPr lang="en-US" dirty="0" smtClean="0">
+                <a:latin typeface="Courier New"/>
+                <a:cs typeface="Courier New"/>
+              </a:rPr>
+              <a:t>”http</a:t>
+            </a:r>
+            <a:r>
+              <a:rPr lang="en-US" dirty="0">
+                <a:latin typeface="Courier New"/>
+                <a:cs typeface="Courier New"/>
+              </a:rPr>
+              <a:t>://</a:t>
+            </a:r>
+            <a:r>
+              <a:rPr lang="en-US" dirty="0" err="1">
+                <a:latin typeface="Courier New"/>
+                <a:cs typeface="Courier New"/>
+              </a:rPr>
+              <a:t>from.so</a:t>
+            </a:r>
+            <a:r>
+              <a:rPr lang="en-US" dirty="0">
+                <a:latin typeface="Courier New"/>
+                <a:cs typeface="Courier New"/>
+              </a:rPr>
+              <a:t>/</a:t>
+            </a:r>
+            <a:r>
+              <a:rPr lang="en-US" dirty="0" err="1">
+                <a:latin typeface="Courier New"/>
+                <a:cs typeface="Courier New"/>
+              </a:rPr>
+              <a:t>web_lab</a:t>
+            </a:r>
+            <a:r>
+              <a:rPr lang="en-US" dirty="0">
+                <a:latin typeface="Courier New"/>
+                <a:cs typeface="Courier New"/>
+              </a:rPr>
+              <a:t>/</a:t>
+            </a:r>
+            <a:r>
+              <a:rPr lang="en-US" dirty="0" err="1">
+                <a:latin typeface="Courier New"/>
+                <a:cs typeface="Courier New"/>
+              </a:rPr>
+              <a:t>pgh_weather.php</a:t>
+            </a:r>
+            <a:r>
+              <a:rPr lang="en-US" dirty="0">
+                <a:latin typeface="Courier New"/>
+                <a:cs typeface="Courier New"/>
+              </a:rPr>
+              <a:t>"</a:t>
+            </a:r>
+            <a:r>
+              <a:rPr lang="en-US" dirty="0" smtClean="0">
+                <a:latin typeface="Courier New"/>
+                <a:cs typeface="Courier New"/>
+              </a:rPr>
+              <a:t>);</a:t>
+            </a:r>
+          </a:p>
+          <a:p>
+            <a:endParaRPr lang="en-US" dirty="0">
+              <a:latin typeface="Courier New"/>
+              <a:cs typeface="Courier New"/>
+            </a:endParaRPr>
+          </a:p>
+          <a:p>
+            <a:r>
+              <a:rPr lang="en-US" dirty="0">
+                <a:latin typeface="Courier New"/>
+                <a:cs typeface="Courier New"/>
+              </a:rPr>
+              <a:t>				</a:t>
+            </a:r>
+            <a:r>
+              <a:rPr lang="en-US" dirty="0" err="1">
+                <a:latin typeface="Courier New"/>
+                <a:cs typeface="Courier New"/>
+              </a:rPr>
+              <a:t>xmlhttp.send</a:t>
+            </a:r>
+            <a:r>
+              <a:rPr lang="en-US" dirty="0">
+                <a:latin typeface="Courier New"/>
+                <a:cs typeface="Courier New"/>
+              </a:rPr>
+              <a:t>();</a:t>
+            </a:r>
           </a:p>
         </p:txBody>
       </p:sp>
     </p:spTree>
     <p:extLst>
       <p:ext uri="{BB962C8B-B14F-4D97-AF65-F5344CB8AC3E}">
-        <p14:creationId xmlns:p14="http://schemas.microsoft.com/office/powerpoint/2010/main" val="2370552345"/>
+        <p14:creationId xmlns:p14="http://schemas.microsoft.com/office/powerpoint/2010/main" val="2266763133"/>
       </p:ext>
     </p:extLst>
   </p:cSld>
@@ -11690,405 +12113,141 @@
       </p:grpSpPr>
       <p:sp>
         <p:nvSpPr>
-          <p:cNvPr id="4" name="Rectangle 3"/>
-          <p:cNvSpPr/>
-          <p:nvPr/>
-        </p:nvSpPr>
-        <p:spPr>
-          <a:xfrm>
-            <a:off x="0" y="2520395"/>
-            <a:ext cx="9518147" cy="3693319"/>
-          </a:xfrm>
-          <a:prstGeom prst="rect">
-            <a:avLst/>
-          </a:prstGeom>
-        </p:spPr>
-        <p:txBody>
-          <a:bodyPr wrap="square">
-            <a:spAutoFit/>
-          </a:bodyPr>
+          <p:cNvPr id="2" name="Title 1"/>
+          <p:cNvSpPr>
+            <a:spLocks noGrp="1"/>
+          </p:cNvSpPr>
+          <p:nvPr>
+            <p:ph type="title"/>
+          </p:nvPr>
+        </p:nvSpPr>
+        <p:spPr/>
+        <p:txBody>
+          <a:bodyPr/>
           <a:lstStyle/>
           <a:p>
             <a:r>
+              <a:rPr lang="en-US" dirty="0" smtClean="0"/>
+              <a:t>Dealing with response data</a:t>
+            </a:r>
+            <a:endParaRPr lang="en-US" dirty="0"/>
+          </a:p>
+        </p:txBody>
+      </p:sp>
+      <p:sp>
+        <p:nvSpPr>
+          <p:cNvPr id="3" name="Content Placeholder 2"/>
+          <p:cNvSpPr>
+            <a:spLocks noGrp="1"/>
+          </p:cNvSpPr>
+          <p:nvPr>
+            <p:ph idx="1"/>
+          </p:nvPr>
+        </p:nvSpPr>
+        <p:spPr/>
+        <p:txBody>
+          <a:bodyPr/>
+          <a:lstStyle/>
+          <a:p>
+            <a:r>
+              <a:rPr lang="en-US" dirty="0" smtClean="0"/>
+              <a:t>Two most common formats: XML &amp; JSON</a:t>
+            </a:r>
+          </a:p>
+          <a:p>
+            <a:pPr lvl="1"/>
+            <a:r>
+              <a:rPr lang="en-US" dirty="0" smtClean="0"/>
+              <a:t>XML: Treated like HTML, root: </a:t>
+            </a:r>
+            <a:r>
               <a:rPr lang="en-US" dirty="0" err="1" smtClean="0">
                 <a:latin typeface="Courier New"/>
                 <a:cs typeface="Courier New"/>
               </a:rPr>
-              <a:t>var</a:t>
-            </a:r>
-            <a:r>
-              <a:rPr lang="en-US" dirty="0" smtClean="0">
-                <a:latin typeface="Courier New"/>
-                <a:cs typeface="Courier New"/>
-              </a:rPr>
-              <a:t> </a:t>
-            </a:r>
-            <a:r>
-              <a:rPr lang="en-US" dirty="0" err="1">
-                <a:latin typeface="Courier New"/>
-                <a:cs typeface="Courier New"/>
-              </a:rPr>
-              <a:t>xmlhttp</a:t>
-            </a:r>
-            <a:r>
-              <a:rPr lang="en-US" dirty="0">
-                <a:latin typeface="Courier New"/>
-                <a:cs typeface="Courier New"/>
-              </a:rPr>
-              <a:t> = new </a:t>
-            </a:r>
-            <a:r>
-              <a:rPr lang="en-US" dirty="0" err="1">
-                <a:latin typeface="Courier New"/>
-                <a:cs typeface="Courier New"/>
-              </a:rPr>
-              <a:t>XMLHttpRequest</a:t>
-            </a:r>
-            <a:r>
-              <a:rPr lang="en-US" dirty="0">
-                <a:latin typeface="Courier New"/>
-                <a:cs typeface="Courier New"/>
-              </a:rPr>
-              <a:t>()</a:t>
-            </a:r>
-            <a:r>
-              <a:rPr lang="en-US" dirty="0" smtClean="0">
-                <a:latin typeface="Courier New"/>
-                <a:cs typeface="Courier New"/>
-              </a:rPr>
-              <a:t>;</a:t>
-            </a:r>
-          </a:p>
-          <a:p>
+              <a:t>xmlhttp.responseXML</a:t>
+            </a:r>
             <a:endParaRPr lang="en-US" dirty="0" smtClean="0">
               <a:latin typeface="Courier New"/>
               <a:cs typeface="Courier New"/>
             </a:endParaRPr>
           </a:p>
           <a:p>
+            <a:pPr lvl="2"/>
             <a:r>
               <a:rPr lang="en-US" dirty="0" err="1" smtClean="0">
                 <a:latin typeface="Courier New"/>
                 <a:cs typeface="Courier New"/>
               </a:rPr>
-              <a:t>xmlhttp.onreadystatechange</a:t>
+              <a:t>xmlhttp.responseXML.getElementById</a:t>
+            </a:r>
+            <a:endParaRPr lang="en-US" dirty="0" smtClean="0">
+              <a:latin typeface="Courier New"/>
+              <a:cs typeface="Courier New"/>
+            </a:endParaRPr>
+          </a:p>
+          <a:p>
+            <a:pPr lvl="2"/>
+            <a:r>
+              <a:rPr lang="en-US" dirty="0" err="1" smtClean="0">
+                <a:latin typeface="Courier New"/>
+                <a:cs typeface="Courier New"/>
+              </a:rPr>
+              <a:t>xmlhttp.responseXML.getElementsByTagName</a:t>
+            </a:r>
+            <a:endParaRPr lang="en-US" dirty="0" smtClean="0">
+              <a:latin typeface="Courier New"/>
+              <a:cs typeface="Courier New"/>
+            </a:endParaRPr>
+          </a:p>
+          <a:p>
+            <a:pPr lvl="1"/>
+            <a:r>
+              <a:rPr lang="en-US" dirty="0" smtClean="0"/>
+              <a:t>JSON: JavaScript objects are directly given</a:t>
+            </a:r>
+          </a:p>
+          <a:p>
+            <a:pPr lvl="2"/>
+            <a:r>
+              <a:rPr lang="en-US" dirty="0" err="1" smtClean="0">
+                <a:latin typeface="Courier New"/>
+                <a:cs typeface="Courier New"/>
+              </a:rPr>
+              <a:t>JSON.parse</a:t>
             </a:r>
             <a:r>
               <a:rPr lang="en-US" dirty="0" smtClean="0">
                 <a:latin typeface="Courier New"/>
                 <a:cs typeface="Courier New"/>
               </a:rPr>
-              <a:t> = function</a:t>
-            </a:r>
-            <a:r>
-              <a:rPr lang="en-US" dirty="0">
-                <a:latin typeface="Courier New"/>
-                <a:cs typeface="Courier New"/>
-              </a:rPr>
-              <a:t>() {</a:t>
-            </a:r>
-          </a:p>
-          <a:p>
+              <a:t>(</a:t>
+            </a:r>
+            <a:r>
+              <a:rPr lang="en-US" dirty="0" err="1" smtClean="0">
+                <a:latin typeface="Courier New"/>
+                <a:cs typeface="Courier New"/>
+              </a:rPr>
+              <a:t>xmlhttp.responseText</a:t>
+            </a:r>
             <a:r>
               <a:rPr lang="en-US" dirty="0" smtClean="0">
                 <a:latin typeface="Courier New"/>
                 <a:cs typeface="Courier New"/>
               </a:rPr>
-              <a:t>	if </a:t>
-            </a:r>
-            <a:r>
-              <a:rPr lang="en-US" dirty="0">
-                <a:latin typeface="Courier New"/>
-                <a:cs typeface="Courier New"/>
-              </a:rPr>
-              <a:t>(</a:t>
-            </a:r>
-            <a:r>
-              <a:rPr lang="en-US" dirty="0" err="1" smtClean="0">
-                <a:latin typeface="Courier New"/>
-                <a:cs typeface="Courier New"/>
-              </a:rPr>
-              <a:t>xmlhttp.readyState</a:t>
-            </a:r>
-            <a:r>
-              <a:rPr lang="en-US" dirty="0" smtClean="0">
-                <a:latin typeface="Courier New"/>
-                <a:cs typeface="Courier New"/>
-              </a:rPr>
-              <a:t> === 4 </a:t>
-            </a:r>
-            <a:r>
-              <a:rPr lang="en-US" dirty="0">
-                <a:latin typeface="Courier New"/>
-                <a:cs typeface="Courier New"/>
-              </a:rPr>
-              <a:t>&amp;&amp; </a:t>
-            </a:r>
-            <a:r>
-              <a:rPr lang="en-US" dirty="0" err="1" smtClean="0">
-                <a:latin typeface="Courier New"/>
-                <a:cs typeface="Courier New"/>
-              </a:rPr>
-              <a:t>xmlhttp.status</a:t>
-            </a:r>
-            <a:r>
-              <a:rPr lang="en-US" dirty="0" smtClean="0">
-                <a:latin typeface="Courier New"/>
-                <a:cs typeface="Courier New"/>
-              </a:rPr>
-              <a:t> === 200</a:t>
-            </a:r>
-            <a:r>
-              <a:rPr lang="en-US" dirty="0">
-                <a:latin typeface="Courier New"/>
-                <a:cs typeface="Courier New"/>
-              </a:rPr>
-              <a:t>) {</a:t>
-            </a:r>
-          </a:p>
-          <a:p>
-            <a:r>
-              <a:rPr lang="en-US" dirty="0">
-                <a:latin typeface="Courier New"/>
-                <a:cs typeface="Courier New"/>
-              </a:rPr>
-              <a:t>	</a:t>
-            </a:r>
-            <a:r>
-              <a:rPr lang="en-US" dirty="0" smtClean="0">
-                <a:latin typeface="Courier New"/>
-                <a:cs typeface="Courier New"/>
-              </a:rPr>
-              <a:t>	</a:t>
-            </a:r>
-            <a:r>
-              <a:rPr lang="en-US" dirty="0" err="1" smtClean="0">
-                <a:latin typeface="Courier New"/>
-                <a:cs typeface="Courier New"/>
-              </a:rPr>
-              <a:t>var</a:t>
-            </a:r>
-            <a:r>
-              <a:rPr lang="en-US" dirty="0" smtClean="0">
-                <a:latin typeface="Courier New"/>
-                <a:cs typeface="Courier New"/>
-              </a:rPr>
-              <a:t> condition= </a:t>
-            </a:r>
-            <a:r>
-              <a:rPr lang="en-US" dirty="0" err="1" smtClean="0">
-                <a:latin typeface="Courier New"/>
-                <a:cs typeface="Courier New"/>
-              </a:rPr>
-              <a:t>xmlhttp.responseXML.getElementsByTagName</a:t>
-            </a:r>
-            <a:r>
-              <a:rPr lang="en-US" dirty="0">
-                <a:latin typeface="Courier New"/>
-                <a:cs typeface="Courier New"/>
-              </a:rPr>
-              <a:t>("</a:t>
-            </a:r>
-            <a:r>
-              <a:rPr lang="en-US" dirty="0" smtClean="0">
-                <a:latin typeface="Courier New"/>
-                <a:cs typeface="Courier New"/>
-              </a:rPr>
-              <a:t>condition");</a:t>
-            </a:r>
-          </a:p>
-          <a:p>
-            <a:r>
-              <a:rPr lang="en-US" dirty="0">
-                <a:latin typeface="Courier New"/>
-                <a:cs typeface="Courier New"/>
-              </a:rPr>
-              <a:t>	</a:t>
-            </a:r>
-            <a:r>
-              <a:rPr lang="en-US" dirty="0" smtClean="0">
-                <a:latin typeface="Courier New"/>
-                <a:cs typeface="Courier New"/>
-              </a:rPr>
-              <a:t>	// your code here...</a:t>
+              <a:t>)</a:t>
             </a:r>
             <a:endParaRPr lang="en-US" dirty="0">
               <a:latin typeface="Courier New"/>
               <a:cs typeface="Courier New"/>
             </a:endParaRPr>
           </a:p>
-          <a:p>
-            <a:r>
-              <a:rPr lang="en-US" dirty="0">
-                <a:latin typeface="Courier New"/>
-                <a:cs typeface="Courier New"/>
-              </a:rPr>
-              <a:t>	</a:t>
-            </a:r>
-            <a:r>
-              <a:rPr lang="en-US" dirty="0" smtClean="0">
-                <a:latin typeface="Courier New"/>
-                <a:cs typeface="Courier New"/>
-              </a:rPr>
-              <a:t>}</a:t>
-            </a:r>
-            <a:endParaRPr lang="en-US" dirty="0">
-              <a:latin typeface="Courier New"/>
-              <a:cs typeface="Courier New"/>
-            </a:endParaRPr>
-          </a:p>
-          <a:p>
-            <a:r>
-              <a:rPr lang="en-US" dirty="0" smtClean="0">
-                <a:latin typeface="Courier New"/>
-                <a:cs typeface="Courier New"/>
-              </a:rPr>
-              <a:t>};</a:t>
-            </a:r>
-          </a:p>
-          <a:p>
-            <a:endParaRPr lang="en-US" dirty="0">
-              <a:latin typeface="Courier New"/>
-              <a:cs typeface="Courier New"/>
-            </a:endParaRPr>
-          </a:p>
-          <a:p>
-            <a:r>
-              <a:rPr lang="en-US" dirty="0" err="1" smtClean="0">
-                <a:latin typeface="Courier New"/>
-                <a:cs typeface="Courier New"/>
-              </a:rPr>
-              <a:t>xmlhttp.open</a:t>
-            </a:r>
-            <a:r>
-              <a:rPr lang="en-US" dirty="0">
-                <a:latin typeface="Courier New"/>
-                <a:cs typeface="Courier New"/>
-              </a:rPr>
-              <a:t>("GET", "</a:t>
-            </a:r>
-            <a:r>
-              <a:rPr lang="en-US" dirty="0" smtClean="0">
-                <a:latin typeface="Courier New"/>
-                <a:cs typeface="Courier New"/>
-              </a:rPr>
-              <a:t>http</a:t>
-            </a:r>
-            <a:r>
-              <a:rPr lang="en-US" dirty="0">
-                <a:latin typeface="Courier New"/>
-                <a:cs typeface="Courier New"/>
-              </a:rPr>
-              <a:t>://</a:t>
-            </a:r>
-            <a:r>
-              <a:rPr lang="en-US" dirty="0" err="1">
-                <a:latin typeface="Courier New"/>
-                <a:cs typeface="Courier New"/>
-              </a:rPr>
-              <a:t>from.so</a:t>
-            </a:r>
-            <a:r>
-              <a:rPr lang="en-US" dirty="0">
-                <a:latin typeface="Courier New"/>
-                <a:cs typeface="Courier New"/>
-              </a:rPr>
-              <a:t>/</a:t>
-            </a:r>
-            <a:r>
-              <a:rPr lang="en-US" dirty="0" err="1">
-                <a:latin typeface="Courier New"/>
-                <a:cs typeface="Courier New"/>
-              </a:rPr>
-              <a:t>web_lab</a:t>
-            </a:r>
-            <a:r>
-              <a:rPr lang="en-US" dirty="0">
-                <a:latin typeface="Courier New"/>
-                <a:cs typeface="Courier New"/>
-              </a:rPr>
-              <a:t>/</a:t>
-            </a:r>
-            <a:r>
-              <a:rPr lang="en-US" dirty="0" err="1">
-                <a:latin typeface="Courier New"/>
-                <a:cs typeface="Courier New"/>
-              </a:rPr>
-              <a:t>pgh_weather.php</a:t>
-            </a:r>
-            <a:r>
-              <a:rPr lang="en-US" dirty="0">
-                <a:latin typeface="Courier New"/>
-                <a:cs typeface="Courier New"/>
-              </a:rPr>
-              <a:t>"</a:t>
-            </a:r>
-            <a:r>
-              <a:rPr lang="en-US" dirty="0" smtClean="0">
-                <a:latin typeface="Courier New"/>
-                <a:cs typeface="Courier New"/>
-              </a:rPr>
-              <a:t>);</a:t>
-            </a:r>
-          </a:p>
-          <a:p>
-            <a:endParaRPr lang="en-US" dirty="0">
-              <a:latin typeface="Courier New"/>
-              <a:cs typeface="Courier New"/>
-            </a:endParaRPr>
-          </a:p>
-          <a:p>
-            <a:r>
-              <a:rPr lang="en-US" dirty="0" err="1" smtClean="0">
-                <a:latin typeface="Courier New"/>
-                <a:cs typeface="Courier New"/>
-              </a:rPr>
-              <a:t>xmlhttp.send</a:t>
-            </a:r>
-            <a:r>
-              <a:rPr lang="en-US" dirty="0">
-                <a:latin typeface="Courier New"/>
-                <a:cs typeface="Courier New"/>
-              </a:rPr>
-              <a:t>();</a:t>
-            </a:r>
-          </a:p>
-        </p:txBody>
-      </p:sp>
-      <p:sp>
-        <p:nvSpPr>
-          <p:cNvPr id="5" name="Title 1"/>
-          <p:cNvSpPr>
-            <a:spLocks noGrp="1"/>
-          </p:cNvSpPr>
-          <p:nvPr>
-            <p:ph type="title"/>
-          </p:nvPr>
-        </p:nvSpPr>
-        <p:spPr>
-          <a:xfrm>
-            <a:off x="685800" y="121023"/>
-            <a:ext cx="7770813" cy="1429871"/>
-          </a:xfrm>
-        </p:spPr>
-        <p:txBody>
-          <a:bodyPr>
-            <a:normAutofit fontScale="90000"/>
-          </a:bodyPr>
-          <a:lstStyle/>
-          <a:p>
-            <a:r>
-              <a:rPr lang="en-US" dirty="0" smtClean="0"/>
-              <a:t>Step 2: Update your UI with weather data</a:t>
-            </a:r>
-            <a:endParaRPr lang="en-US" dirty="0"/>
-          </a:p>
         </p:txBody>
       </p:sp>
     </p:spTree>
     <p:extLst>
       <p:ext uri="{BB962C8B-B14F-4D97-AF65-F5344CB8AC3E}">
-        <p14:creationId xmlns:p14="http://schemas.microsoft.com/office/powerpoint/2010/main" val="2874239801"/>
+        <p14:creationId xmlns:p14="http://schemas.microsoft.com/office/powerpoint/2010/main" val="2240536702"/>
       </p:ext>
     </p:extLst>
   </p:cSld>
@@ -12124,415 +12283,185 @@
       </p:grpSpPr>
       <p:sp>
         <p:nvSpPr>
-          <p:cNvPr id="4" name="Rectangle 3"/>
-          <p:cNvSpPr/>
+          <p:cNvPr id="2" name="Title 1"/>
+          <p:cNvSpPr>
+            <a:spLocks noGrp="1"/>
+          </p:cNvSpPr>
+          <p:nvPr>
+            <p:ph type="title"/>
+          </p:nvPr>
+        </p:nvSpPr>
+        <p:spPr/>
+        <p:txBody>
+          <a:bodyPr/>
+          <a:lstStyle/>
+          <a:p>
+            <a:r>
+              <a:rPr lang="en-US" dirty="0" smtClean="0"/>
+              <a:t>Dealing with response data</a:t>
+            </a:r>
+            <a:endParaRPr lang="en-US" dirty="0"/>
+          </a:p>
+        </p:txBody>
+      </p:sp>
+      <p:sp>
+        <p:nvSpPr>
+          <p:cNvPr id="3" name="Content Placeholder 2"/>
+          <p:cNvSpPr>
+            <a:spLocks noGrp="1"/>
+          </p:cNvSpPr>
+          <p:nvPr>
+            <p:ph idx="1"/>
+          </p:nvPr>
+        </p:nvSpPr>
+        <p:spPr/>
+        <p:txBody>
+          <a:bodyPr/>
+          <a:lstStyle/>
+          <a:p>
+            <a:r>
+              <a:rPr lang="en-US" dirty="0" smtClean="0"/>
+              <a:t>Two most common formats: XML &amp; JSON</a:t>
+            </a:r>
+          </a:p>
+          <a:p>
+            <a:pPr lvl="1"/>
+            <a:r>
+              <a:rPr lang="en-US" b="1" dirty="0" smtClean="0"/>
+              <a:t>XML: Treated like HTML, root: </a:t>
+            </a:r>
+            <a:r>
+              <a:rPr lang="en-US" b="1" dirty="0" err="1" smtClean="0">
+                <a:latin typeface="Courier New"/>
+                <a:cs typeface="Courier New"/>
+              </a:rPr>
+              <a:t>xmlhttp.responseXML</a:t>
+            </a:r>
+            <a:endParaRPr lang="en-US" b="1" dirty="0" smtClean="0">
+              <a:latin typeface="Courier New"/>
+              <a:cs typeface="Courier New"/>
+            </a:endParaRPr>
+          </a:p>
+          <a:p>
+            <a:pPr lvl="2"/>
+            <a:r>
+              <a:rPr lang="en-US" dirty="0" err="1" smtClean="0">
+                <a:latin typeface="Courier New"/>
+                <a:cs typeface="Courier New"/>
+              </a:rPr>
+              <a:t>xmlhttp.responseXML.getElementById</a:t>
+            </a:r>
+            <a:endParaRPr lang="en-US" dirty="0" smtClean="0">
+              <a:latin typeface="Courier New"/>
+              <a:cs typeface="Courier New"/>
+            </a:endParaRPr>
+          </a:p>
+          <a:p>
+            <a:pPr lvl="2"/>
+            <a:r>
+              <a:rPr lang="en-US" dirty="0" err="1" smtClean="0">
+                <a:latin typeface="Courier New"/>
+                <a:cs typeface="Courier New"/>
+              </a:rPr>
+              <a:t>xmlhttp.responseXML.getElementsByTagName</a:t>
+            </a:r>
+            <a:endParaRPr lang="en-US" dirty="0" smtClean="0">
+              <a:latin typeface="Courier New"/>
+              <a:cs typeface="Courier New"/>
+            </a:endParaRPr>
+          </a:p>
+          <a:p>
+            <a:pPr lvl="1"/>
+            <a:r>
+              <a:rPr lang="en-US" dirty="0" smtClean="0"/>
+              <a:t>JSON: JavaScript objects are directly given</a:t>
+            </a:r>
+          </a:p>
+          <a:p>
+            <a:pPr lvl="2"/>
+            <a:r>
+              <a:rPr lang="en-US" dirty="0" err="1" smtClean="0">
+                <a:latin typeface="Courier New"/>
+                <a:cs typeface="Courier New"/>
+              </a:rPr>
+              <a:t>JSON.parse</a:t>
+            </a:r>
+            <a:r>
+              <a:rPr lang="en-US" dirty="0" smtClean="0">
+                <a:latin typeface="Courier New"/>
+                <a:cs typeface="Courier New"/>
+              </a:rPr>
+              <a:t>(</a:t>
+            </a:r>
+            <a:r>
+              <a:rPr lang="en-US" dirty="0" err="1" smtClean="0">
+                <a:latin typeface="Courier New"/>
+                <a:cs typeface="Courier New"/>
+              </a:rPr>
+              <a:t>xmlhttp.responseText</a:t>
+            </a:r>
+            <a:r>
+              <a:rPr lang="en-US" dirty="0" smtClean="0">
+                <a:latin typeface="Courier New"/>
+                <a:cs typeface="Courier New"/>
+              </a:rPr>
+              <a:t>)</a:t>
+            </a:r>
+            <a:endParaRPr lang="en-US" dirty="0">
+              <a:latin typeface="Courier New"/>
+              <a:cs typeface="Courier New"/>
+            </a:endParaRPr>
+          </a:p>
+        </p:txBody>
+      </p:sp>
+      <p:sp>
+        <p:nvSpPr>
+          <p:cNvPr id="4" name="TextBox 3"/>
+          <p:cNvSpPr txBox="1"/>
           <p:nvPr/>
         </p:nvSpPr>
         <p:spPr>
           <a:xfrm>
-            <a:off x="0" y="2520395"/>
-            <a:ext cx="9518147" cy="3693319"/>
+            <a:off x="1496445" y="5604933"/>
+            <a:ext cx="6112933" cy="584776"/>
           </a:xfrm>
           <a:prstGeom prst="rect">
             <a:avLst/>
           </a:prstGeom>
+          <a:noFill/>
         </p:spPr>
         <p:txBody>
-          <a:bodyPr wrap="square">
+          <a:bodyPr wrap="square" rtlCol="0">
             <a:spAutoFit/>
           </a:bodyPr>
           <a:lstStyle/>
           <a:p>
             <a:r>
-              <a:rPr lang="en-US" dirty="0" err="1" smtClean="0">
-                <a:latin typeface="Courier New"/>
-                <a:cs typeface="Courier New"/>
-              </a:rPr>
-              <a:t>var</a:t>
-            </a:r>
-            <a:r>
-              <a:rPr lang="en-US" dirty="0" smtClean="0">
-                <a:latin typeface="Courier New"/>
-                <a:cs typeface="Courier New"/>
-              </a:rPr>
-              <a:t> </a:t>
-            </a:r>
-            <a:r>
-              <a:rPr lang="en-US" dirty="0" err="1">
-                <a:latin typeface="Courier New"/>
-                <a:cs typeface="Courier New"/>
-              </a:rPr>
-              <a:t>xmlhttp</a:t>
-            </a:r>
-            <a:r>
-              <a:rPr lang="en-US" dirty="0">
-                <a:latin typeface="Courier New"/>
-                <a:cs typeface="Courier New"/>
-              </a:rPr>
-              <a:t> = new </a:t>
-            </a:r>
-            <a:r>
-              <a:rPr lang="en-US" dirty="0" err="1">
-                <a:latin typeface="Courier New"/>
-                <a:cs typeface="Courier New"/>
-              </a:rPr>
-              <a:t>XMLHttpRequest</a:t>
-            </a:r>
-            <a:r>
-              <a:rPr lang="en-US" dirty="0">
-                <a:latin typeface="Courier New"/>
-                <a:cs typeface="Courier New"/>
-              </a:rPr>
-              <a:t>()</a:t>
-            </a:r>
-            <a:r>
-              <a:rPr lang="en-US" dirty="0" smtClean="0">
-                <a:latin typeface="Courier New"/>
-                <a:cs typeface="Courier New"/>
-              </a:rPr>
-              <a:t>;</a:t>
-            </a:r>
-          </a:p>
-          <a:p>
-            <a:endParaRPr lang="en-US" dirty="0" smtClean="0">
-              <a:latin typeface="Courier New"/>
-              <a:cs typeface="Courier New"/>
+              <a:rPr lang="en-US" sz="3200" dirty="0" smtClean="0">
+                <a:solidFill>
+                  <a:schemeClr val="accent1">
+                    <a:lumMod val="40000"/>
+                    <a:lumOff val="60000"/>
+                  </a:schemeClr>
+                </a:solidFill>
+              </a:rPr>
+              <a:t>Yahoo! Weather API uses XML</a:t>
+            </a:r>
+            <a:endParaRPr lang="en-US" sz="3200" dirty="0">
+              <a:solidFill>
+                <a:schemeClr val="accent1">
+                  <a:lumMod val="40000"/>
+                  <a:lumOff val="60000"/>
+                </a:schemeClr>
+              </a:solidFill>
             </a:endParaRPr>
-          </a:p>
-          <a:p>
-            <a:r>
-              <a:rPr lang="en-US" dirty="0" err="1" smtClean="0">
-                <a:latin typeface="Courier New"/>
-                <a:cs typeface="Courier New"/>
-              </a:rPr>
-              <a:t>xmlhttp.onreadystatechange</a:t>
-            </a:r>
-            <a:r>
-              <a:rPr lang="en-US" dirty="0" smtClean="0">
-                <a:latin typeface="Courier New"/>
-                <a:cs typeface="Courier New"/>
-              </a:rPr>
-              <a:t> = function</a:t>
-            </a:r>
-            <a:r>
-              <a:rPr lang="en-US" dirty="0">
-                <a:latin typeface="Courier New"/>
-                <a:cs typeface="Courier New"/>
-              </a:rPr>
-              <a:t>() {</a:t>
-            </a:r>
-          </a:p>
-          <a:p>
-            <a:r>
-              <a:rPr lang="en-US" dirty="0" smtClean="0">
-                <a:latin typeface="Courier New"/>
-                <a:cs typeface="Courier New"/>
-              </a:rPr>
-              <a:t>	if </a:t>
-            </a:r>
-            <a:r>
-              <a:rPr lang="en-US" dirty="0">
-                <a:latin typeface="Courier New"/>
-                <a:cs typeface="Courier New"/>
-              </a:rPr>
-              <a:t>(</a:t>
-            </a:r>
-            <a:r>
-              <a:rPr lang="en-US" dirty="0" err="1" smtClean="0">
-                <a:latin typeface="Courier New"/>
-                <a:cs typeface="Courier New"/>
-              </a:rPr>
-              <a:t>xmlhttp.readyState</a:t>
-            </a:r>
-            <a:r>
-              <a:rPr lang="en-US" dirty="0" smtClean="0">
-                <a:latin typeface="Courier New"/>
-                <a:cs typeface="Courier New"/>
-              </a:rPr>
-              <a:t> === 4 </a:t>
-            </a:r>
-            <a:r>
-              <a:rPr lang="en-US" dirty="0">
-                <a:latin typeface="Courier New"/>
-                <a:cs typeface="Courier New"/>
-              </a:rPr>
-              <a:t>&amp;&amp; </a:t>
-            </a:r>
-            <a:r>
-              <a:rPr lang="en-US" dirty="0" err="1" smtClean="0">
-                <a:latin typeface="Courier New"/>
-                <a:cs typeface="Courier New"/>
-              </a:rPr>
-              <a:t>xmlhttp.status</a:t>
-            </a:r>
-            <a:r>
-              <a:rPr lang="en-US" dirty="0" smtClean="0">
-                <a:latin typeface="Courier New"/>
-                <a:cs typeface="Courier New"/>
-              </a:rPr>
-              <a:t> === 200</a:t>
-            </a:r>
-            <a:r>
-              <a:rPr lang="en-US" dirty="0">
-                <a:latin typeface="Courier New"/>
-                <a:cs typeface="Courier New"/>
-              </a:rPr>
-              <a:t>) {</a:t>
-            </a:r>
-          </a:p>
-          <a:p>
-            <a:r>
-              <a:rPr lang="en-US" dirty="0">
-                <a:latin typeface="Courier New"/>
-                <a:cs typeface="Courier New"/>
-              </a:rPr>
-              <a:t>	</a:t>
-            </a:r>
-            <a:r>
-              <a:rPr lang="en-US" dirty="0" smtClean="0">
-                <a:latin typeface="Courier New"/>
-                <a:cs typeface="Courier New"/>
-              </a:rPr>
-              <a:t>	</a:t>
-            </a:r>
-            <a:r>
-              <a:rPr lang="en-US" dirty="0" err="1" smtClean="0">
-                <a:latin typeface="Courier New"/>
-                <a:cs typeface="Courier New"/>
-              </a:rPr>
-              <a:t>var</a:t>
-            </a:r>
-            <a:r>
-              <a:rPr lang="en-US" dirty="0" smtClean="0">
-                <a:latin typeface="Courier New"/>
-                <a:cs typeface="Courier New"/>
-              </a:rPr>
-              <a:t> condition= </a:t>
-            </a:r>
-            <a:r>
-              <a:rPr lang="en-US" dirty="0" err="1" smtClean="0">
-                <a:latin typeface="Courier New"/>
-                <a:cs typeface="Courier New"/>
-              </a:rPr>
-              <a:t>xmlhttp.responseXML.getElementsByTagName</a:t>
-            </a:r>
-            <a:r>
-              <a:rPr lang="en-US" dirty="0">
-                <a:latin typeface="Courier New"/>
-                <a:cs typeface="Courier New"/>
-              </a:rPr>
-              <a:t>("</a:t>
-            </a:r>
-            <a:r>
-              <a:rPr lang="en-US" dirty="0" smtClean="0">
-                <a:latin typeface="Courier New"/>
-                <a:cs typeface="Courier New"/>
-              </a:rPr>
-              <a:t>condition");</a:t>
-            </a:r>
-          </a:p>
-          <a:p>
-            <a:r>
-              <a:rPr lang="en-US" dirty="0">
-                <a:latin typeface="Courier New"/>
-                <a:cs typeface="Courier New"/>
-              </a:rPr>
-              <a:t>	</a:t>
-            </a:r>
-            <a:r>
-              <a:rPr lang="en-US" dirty="0" smtClean="0">
-                <a:latin typeface="Courier New"/>
-                <a:cs typeface="Courier New"/>
-              </a:rPr>
-              <a:t>	</a:t>
-            </a:r>
-            <a:r>
-              <a:rPr lang="en-US" dirty="0" err="1" smtClean="0">
-                <a:latin typeface="Courier New"/>
-                <a:cs typeface="Courier New"/>
-              </a:rPr>
-              <a:t>console.log</a:t>
-            </a:r>
-            <a:r>
-              <a:rPr lang="en-US" dirty="0">
-                <a:latin typeface="Courier New"/>
-                <a:cs typeface="Courier New"/>
-              </a:rPr>
-              <a:t>(condition[0].attributes['temp']);</a:t>
-            </a:r>
-          </a:p>
-          <a:p>
-            <a:r>
-              <a:rPr lang="en-US" dirty="0">
-                <a:latin typeface="Courier New"/>
-                <a:cs typeface="Courier New"/>
-              </a:rPr>
-              <a:t>	</a:t>
-            </a:r>
-            <a:r>
-              <a:rPr lang="en-US" dirty="0" smtClean="0">
-                <a:latin typeface="Courier New"/>
-                <a:cs typeface="Courier New"/>
-              </a:rPr>
-              <a:t>}</a:t>
-            </a:r>
-            <a:endParaRPr lang="en-US" dirty="0">
-              <a:latin typeface="Courier New"/>
-              <a:cs typeface="Courier New"/>
-            </a:endParaRPr>
-          </a:p>
-          <a:p>
-            <a:r>
-              <a:rPr lang="en-US" dirty="0" smtClean="0">
-                <a:latin typeface="Courier New"/>
-                <a:cs typeface="Courier New"/>
-              </a:rPr>
-              <a:t>};</a:t>
-            </a:r>
-          </a:p>
-          <a:p>
-            <a:endParaRPr lang="en-US" dirty="0">
-              <a:latin typeface="Courier New"/>
-              <a:cs typeface="Courier New"/>
-            </a:endParaRPr>
-          </a:p>
-          <a:p>
-            <a:r>
-              <a:rPr lang="en-US" dirty="0" err="1" smtClean="0">
-                <a:latin typeface="Courier New"/>
-                <a:cs typeface="Courier New"/>
-              </a:rPr>
-              <a:t>xmlhttp.open</a:t>
-            </a:r>
-            <a:r>
-              <a:rPr lang="en-US" dirty="0">
-                <a:latin typeface="Courier New"/>
-                <a:cs typeface="Courier New"/>
-              </a:rPr>
-              <a:t>("GET", "</a:t>
-            </a:r>
-            <a:r>
-              <a:rPr lang="en-US" dirty="0" smtClean="0">
-                <a:latin typeface="Courier New"/>
-                <a:cs typeface="Courier New"/>
-              </a:rPr>
-              <a:t>http</a:t>
-            </a:r>
-            <a:r>
-              <a:rPr lang="en-US" dirty="0">
-                <a:latin typeface="Courier New"/>
-                <a:cs typeface="Courier New"/>
-              </a:rPr>
-              <a:t>://</a:t>
-            </a:r>
-            <a:r>
-              <a:rPr lang="en-US" dirty="0" err="1">
-                <a:latin typeface="Courier New"/>
-                <a:cs typeface="Courier New"/>
-              </a:rPr>
-              <a:t>from.so</a:t>
-            </a:r>
-            <a:r>
-              <a:rPr lang="en-US" dirty="0">
-                <a:latin typeface="Courier New"/>
-                <a:cs typeface="Courier New"/>
-              </a:rPr>
-              <a:t>/</a:t>
-            </a:r>
-            <a:r>
-              <a:rPr lang="en-US" dirty="0" err="1">
-                <a:latin typeface="Courier New"/>
-                <a:cs typeface="Courier New"/>
-              </a:rPr>
-              <a:t>web_lab</a:t>
-            </a:r>
-            <a:r>
-              <a:rPr lang="en-US" dirty="0">
-                <a:latin typeface="Courier New"/>
-                <a:cs typeface="Courier New"/>
-              </a:rPr>
-              <a:t>/</a:t>
-            </a:r>
-            <a:r>
-              <a:rPr lang="en-US" dirty="0" err="1">
-                <a:latin typeface="Courier New"/>
-                <a:cs typeface="Courier New"/>
-              </a:rPr>
-              <a:t>pgh_weather.php</a:t>
-            </a:r>
-            <a:r>
-              <a:rPr lang="en-US" dirty="0">
-                <a:latin typeface="Courier New"/>
-                <a:cs typeface="Courier New"/>
-              </a:rPr>
-              <a:t>"</a:t>
-            </a:r>
-            <a:r>
-              <a:rPr lang="en-US" dirty="0" smtClean="0">
-                <a:latin typeface="Courier New"/>
-                <a:cs typeface="Courier New"/>
-              </a:rPr>
-              <a:t>);</a:t>
-            </a:r>
-          </a:p>
-          <a:p>
-            <a:endParaRPr lang="en-US" dirty="0">
-              <a:latin typeface="Courier New"/>
-              <a:cs typeface="Courier New"/>
-            </a:endParaRPr>
-          </a:p>
-          <a:p>
-            <a:r>
-              <a:rPr lang="en-US" dirty="0" err="1" smtClean="0">
-                <a:latin typeface="Courier New"/>
-                <a:cs typeface="Courier New"/>
-              </a:rPr>
-              <a:t>xmlhttp.send</a:t>
-            </a:r>
-            <a:r>
-              <a:rPr lang="en-US" dirty="0">
-                <a:latin typeface="Courier New"/>
-                <a:cs typeface="Courier New"/>
-              </a:rPr>
-              <a:t>();</a:t>
-            </a:r>
-          </a:p>
-        </p:txBody>
-      </p:sp>
-      <p:sp>
-        <p:nvSpPr>
-          <p:cNvPr id="5" name="Title 1"/>
-          <p:cNvSpPr>
-            <a:spLocks noGrp="1"/>
-          </p:cNvSpPr>
-          <p:nvPr>
-            <p:ph type="title"/>
-          </p:nvPr>
-        </p:nvSpPr>
-        <p:spPr>
-          <a:xfrm>
-            <a:off x="685800" y="121023"/>
-            <a:ext cx="7770813" cy="1429871"/>
-          </a:xfrm>
-        </p:spPr>
-        <p:txBody>
-          <a:bodyPr>
-            <a:normAutofit fontScale="90000"/>
-          </a:bodyPr>
-          <a:lstStyle/>
-          <a:p>
-            <a:r>
-              <a:rPr lang="en-US" dirty="0" smtClean="0"/>
-              <a:t>Step 2: Update your UI with weather data</a:t>
-            </a:r>
-            <a:endParaRPr lang="en-US" dirty="0"/>
           </a:p>
         </p:txBody>
       </p:sp>
     </p:spTree>
     <p:extLst>
       <p:ext uri="{BB962C8B-B14F-4D97-AF65-F5344CB8AC3E}">
-        <p14:creationId xmlns:p14="http://schemas.microsoft.com/office/powerpoint/2010/main" val="1398942979"/>
+        <p14:creationId xmlns:p14="http://schemas.microsoft.com/office/powerpoint/2010/main" val="2370552345"/>
       </p:ext>
     </p:extLst>
   </p:cSld>
@@ -12568,6 +12497,884 @@
       </p:grpSpPr>
       <p:sp>
         <p:nvSpPr>
+          <p:cNvPr id="4" name="Rectangle 3"/>
+          <p:cNvSpPr/>
+          <p:nvPr/>
+        </p:nvSpPr>
+        <p:spPr>
+          <a:xfrm>
+            <a:off x="0" y="2520395"/>
+            <a:ext cx="9518147" cy="3693319"/>
+          </a:xfrm>
+          <a:prstGeom prst="rect">
+            <a:avLst/>
+          </a:prstGeom>
+        </p:spPr>
+        <p:txBody>
+          <a:bodyPr wrap="square">
+            <a:spAutoFit/>
+          </a:bodyPr>
+          <a:lstStyle/>
+          <a:p>
+            <a:r>
+              <a:rPr lang="en-US" dirty="0" err="1" smtClean="0">
+                <a:latin typeface="Courier New"/>
+                <a:cs typeface="Courier New"/>
+              </a:rPr>
+              <a:t>var</a:t>
+            </a:r>
+            <a:r>
+              <a:rPr lang="en-US" dirty="0" smtClean="0">
+                <a:latin typeface="Courier New"/>
+                <a:cs typeface="Courier New"/>
+              </a:rPr>
+              <a:t> </a:t>
+            </a:r>
+            <a:r>
+              <a:rPr lang="en-US" dirty="0" err="1">
+                <a:latin typeface="Courier New"/>
+                <a:cs typeface="Courier New"/>
+              </a:rPr>
+              <a:t>xmlhttp</a:t>
+            </a:r>
+            <a:r>
+              <a:rPr lang="en-US" dirty="0">
+                <a:latin typeface="Courier New"/>
+                <a:cs typeface="Courier New"/>
+              </a:rPr>
+              <a:t> = new </a:t>
+            </a:r>
+            <a:r>
+              <a:rPr lang="en-US" dirty="0" err="1">
+                <a:latin typeface="Courier New"/>
+                <a:cs typeface="Courier New"/>
+              </a:rPr>
+              <a:t>XMLHttpRequest</a:t>
+            </a:r>
+            <a:r>
+              <a:rPr lang="en-US" dirty="0">
+                <a:latin typeface="Courier New"/>
+                <a:cs typeface="Courier New"/>
+              </a:rPr>
+              <a:t>()</a:t>
+            </a:r>
+            <a:r>
+              <a:rPr lang="en-US" dirty="0" smtClean="0">
+                <a:latin typeface="Courier New"/>
+                <a:cs typeface="Courier New"/>
+              </a:rPr>
+              <a:t>;</a:t>
+            </a:r>
+          </a:p>
+          <a:p>
+            <a:endParaRPr lang="en-US" dirty="0" smtClean="0">
+              <a:latin typeface="Courier New"/>
+              <a:cs typeface="Courier New"/>
+            </a:endParaRPr>
+          </a:p>
+          <a:p>
+            <a:r>
+              <a:rPr lang="en-US" dirty="0" err="1" smtClean="0">
+                <a:latin typeface="Courier New"/>
+                <a:cs typeface="Courier New"/>
+              </a:rPr>
+              <a:t>xmlhttp.onreadystatechange</a:t>
+            </a:r>
+            <a:r>
+              <a:rPr lang="en-US" dirty="0" smtClean="0">
+                <a:latin typeface="Courier New"/>
+                <a:cs typeface="Courier New"/>
+              </a:rPr>
+              <a:t> = function</a:t>
+            </a:r>
+            <a:r>
+              <a:rPr lang="en-US" dirty="0">
+                <a:latin typeface="Courier New"/>
+                <a:cs typeface="Courier New"/>
+              </a:rPr>
+              <a:t>() {</a:t>
+            </a:r>
+          </a:p>
+          <a:p>
+            <a:r>
+              <a:rPr lang="en-US" dirty="0" smtClean="0">
+                <a:latin typeface="Courier New"/>
+                <a:cs typeface="Courier New"/>
+              </a:rPr>
+              <a:t>	if </a:t>
+            </a:r>
+            <a:r>
+              <a:rPr lang="en-US" dirty="0">
+                <a:latin typeface="Courier New"/>
+                <a:cs typeface="Courier New"/>
+              </a:rPr>
+              <a:t>(</a:t>
+            </a:r>
+            <a:r>
+              <a:rPr lang="en-US" dirty="0" err="1" smtClean="0">
+                <a:latin typeface="Courier New"/>
+                <a:cs typeface="Courier New"/>
+              </a:rPr>
+              <a:t>xmlhttp.readyState</a:t>
+            </a:r>
+            <a:r>
+              <a:rPr lang="en-US" dirty="0" smtClean="0">
+                <a:latin typeface="Courier New"/>
+                <a:cs typeface="Courier New"/>
+              </a:rPr>
+              <a:t> === 4 </a:t>
+            </a:r>
+            <a:r>
+              <a:rPr lang="en-US" dirty="0">
+                <a:latin typeface="Courier New"/>
+                <a:cs typeface="Courier New"/>
+              </a:rPr>
+              <a:t>&amp;&amp; </a:t>
+            </a:r>
+            <a:r>
+              <a:rPr lang="en-US" dirty="0" err="1" smtClean="0">
+                <a:latin typeface="Courier New"/>
+                <a:cs typeface="Courier New"/>
+              </a:rPr>
+              <a:t>xmlhttp.status</a:t>
+            </a:r>
+            <a:r>
+              <a:rPr lang="en-US" dirty="0" smtClean="0">
+                <a:latin typeface="Courier New"/>
+                <a:cs typeface="Courier New"/>
+              </a:rPr>
+              <a:t> === 200</a:t>
+            </a:r>
+            <a:r>
+              <a:rPr lang="en-US" dirty="0">
+                <a:latin typeface="Courier New"/>
+                <a:cs typeface="Courier New"/>
+              </a:rPr>
+              <a:t>) {</a:t>
+            </a:r>
+          </a:p>
+          <a:p>
+            <a:r>
+              <a:rPr lang="en-US" dirty="0">
+                <a:latin typeface="Courier New"/>
+                <a:cs typeface="Courier New"/>
+              </a:rPr>
+              <a:t>	</a:t>
+            </a:r>
+            <a:r>
+              <a:rPr lang="en-US" dirty="0" smtClean="0">
+                <a:latin typeface="Courier New"/>
+                <a:cs typeface="Courier New"/>
+              </a:rPr>
+              <a:t>	</a:t>
+            </a:r>
+            <a:r>
+              <a:rPr lang="en-US" dirty="0" err="1" smtClean="0">
+                <a:latin typeface="Courier New"/>
+                <a:cs typeface="Courier New"/>
+              </a:rPr>
+              <a:t>var</a:t>
+            </a:r>
+            <a:r>
+              <a:rPr lang="en-US" dirty="0" smtClean="0">
+                <a:latin typeface="Courier New"/>
+                <a:cs typeface="Courier New"/>
+              </a:rPr>
+              <a:t> condition= </a:t>
+            </a:r>
+            <a:r>
+              <a:rPr lang="en-US" dirty="0" err="1" smtClean="0">
+                <a:latin typeface="Courier New"/>
+                <a:cs typeface="Courier New"/>
+              </a:rPr>
+              <a:t>xmlhttp.responseXML.getElementsByTagName</a:t>
+            </a:r>
+            <a:r>
+              <a:rPr lang="en-US" dirty="0">
+                <a:latin typeface="Courier New"/>
+                <a:cs typeface="Courier New"/>
+              </a:rPr>
+              <a:t>("</a:t>
+            </a:r>
+            <a:r>
+              <a:rPr lang="en-US" dirty="0" smtClean="0">
+                <a:latin typeface="Courier New"/>
+                <a:cs typeface="Courier New"/>
+              </a:rPr>
+              <a:t>condition");</a:t>
+            </a:r>
+          </a:p>
+          <a:p>
+            <a:r>
+              <a:rPr lang="en-US" dirty="0">
+                <a:latin typeface="Courier New"/>
+                <a:cs typeface="Courier New"/>
+              </a:rPr>
+              <a:t>	</a:t>
+            </a:r>
+            <a:r>
+              <a:rPr lang="en-US" dirty="0" smtClean="0">
+                <a:latin typeface="Courier New"/>
+                <a:cs typeface="Courier New"/>
+              </a:rPr>
+              <a:t>	// your code here...</a:t>
+            </a:r>
+            <a:endParaRPr lang="en-US" dirty="0">
+              <a:latin typeface="Courier New"/>
+              <a:cs typeface="Courier New"/>
+            </a:endParaRPr>
+          </a:p>
+          <a:p>
+            <a:r>
+              <a:rPr lang="en-US" dirty="0">
+                <a:latin typeface="Courier New"/>
+                <a:cs typeface="Courier New"/>
+              </a:rPr>
+              <a:t>	</a:t>
+            </a:r>
+            <a:r>
+              <a:rPr lang="en-US" dirty="0" smtClean="0">
+                <a:latin typeface="Courier New"/>
+                <a:cs typeface="Courier New"/>
+              </a:rPr>
+              <a:t>}</a:t>
+            </a:r>
+            <a:endParaRPr lang="en-US" dirty="0">
+              <a:latin typeface="Courier New"/>
+              <a:cs typeface="Courier New"/>
+            </a:endParaRPr>
+          </a:p>
+          <a:p>
+            <a:r>
+              <a:rPr lang="en-US" dirty="0" smtClean="0">
+                <a:latin typeface="Courier New"/>
+                <a:cs typeface="Courier New"/>
+              </a:rPr>
+              <a:t>};</a:t>
+            </a:r>
+          </a:p>
+          <a:p>
+            <a:endParaRPr lang="en-US" dirty="0">
+              <a:latin typeface="Courier New"/>
+              <a:cs typeface="Courier New"/>
+            </a:endParaRPr>
+          </a:p>
+          <a:p>
+            <a:r>
+              <a:rPr lang="en-US" dirty="0" err="1" smtClean="0">
+                <a:latin typeface="Courier New"/>
+                <a:cs typeface="Courier New"/>
+              </a:rPr>
+              <a:t>xmlhttp.open</a:t>
+            </a:r>
+            <a:r>
+              <a:rPr lang="en-US" dirty="0">
+                <a:latin typeface="Courier New"/>
+                <a:cs typeface="Courier New"/>
+              </a:rPr>
+              <a:t>("GET", "</a:t>
+            </a:r>
+            <a:r>
+              <a:rPr lang="en-US" dirty="0" smtClean="0">
+                <a:latin typeface="Courier New"/>
+                <a:cs typeface="Courier New"/>
+              </a:rPr>
+              <a:t>http</a:t>
+            </a:r>
+            <a:r>
+              <a:rPr lang="en-US" dirty="0">
+                <a:latin typeface="Courier New"/>
+                <a:cs typeface="Courier New"/>
+              </a:rPr>
+              <a:t>://</a:t>
+            </a:r>
+            <a:r>
+              <a:rPr lang="en-US" dirty="0" err="1">
+                <a:latin typeface="Courier New"/>
+                <a:cs typeface="Courier New"/>
+              </a:rPr>
+              <a:t>from.so</a:t>
+            </a:r>
+            <a:r>
+              <a:rPr lang="en-US" dirty="0">
+                <a:latin typeface="Courier New"/>
+                <a:cs typeface="Courier New"/>
+              </a:rPr>
+              <a:t>/</a:t>
+            </a:r>
+            <a:r>
+              <a:rPr lang="en-US" dirty="0" err="1">
+                <a:latin typeface="Courier New"/>
+                <a:cs typeface="Courier New"/>
+              </a:rPr>
+              <a:t>web_lab</a:t>
+            </a:r>
+            <a:r>
+              <a:rPr lang="en-US" dirty="0">
+                <a:latin typeface="Courier New"/>
+                <a:cs typeface="Courier New"/>
+              </a:rPr>
+              <a:t>/</a:t>
+            </a:r>
+            <a:r>
+              <a:rPr lang="en-US" dirty="0" err="1">
+                <a:latin typeface="Courier New"/>
+                <a:cs typeface="Courier New"/>
+              </a:rPr>
+              <a:t>pgh_weather.php</a:t>
+            </a:r>
+            <a:r>
+              <a:rPr lang="en-US" dirty="0">
+                <a:latin typeface="Courier New"/>
+                <a:cs typeface="Courier New"/>
+              </a:rPr>
+              <a:t>"</a:t>
+            </a:r>
+            <a:r>
+              <a:rPr lang="en-US" dirty="0" smtClean="0">
+                <a:latin typeface="Courier New"/>
+                <a:cs typeface="Courier New"/>
+              </a:rPr>
+              <a:t>);</a:t>
+            </a:r>
+          </a:p>
+          <a:p>
+            <a:endParaRPr lang="en-US" dirty="0">
+              <a:latin typeface="Courier New"/>
+              <a:cs typeface="Courier New"/>
+            </a:endParaRPr>
+          </a:p>
+          <a:p>
+            <a:r>
+              <a:rPr lang="en-US" dirty="0" err="1" smtClean="0">
+                <a:latin typeface="Courier New"/>
+                <a:cs typeface="Courier New"/>
+              </a:rPr>
+              <a:t>xmlhttp.send</a:t>
+            </a:r>
+            <a:r>
+              <a:rPr lang="en-US" dirty="0">
+                <a:latin typeface="Courier New"/>
+                <a:cs typeface="Courier New"/>
+              </a:rPr>
+              <a:t>();</a:t>
+            </a:r>
+          </a:p>
+        </p:txBody>
+      </p:sp>
+      <p:sp>
+        <p:nvSpPr>
+          <p:cNvPr id="5" name="Title 1"/>
+          <p:cNvSpPr>
+            <a:spLocks noGrp="1"/>
+          </p:cNvSpPr>
+          <p:nvPr>
+            <p:ph type="title"/>
+          </p:nvPr>
+        </p:nvSpPr>
+        <p:spPr>
+          <a:xfrm>
+            <a:off x="685800" y="121023"/>
+            <a:ext cx="7770813" cy="1429871"/>
+          </a:xfrm>
+        </p:spPr>
+        <p:txBody>
+          <a:bodyPr>
+            <a:normAutofit fontScale="90000"/>
+          </a:bodyPr>
+          <a:lstStyle/>
+          <a:p>
+            <a:r>
+              <a:rPr lang="en-US" dirty="0" smtClean="0"/>
+              <a:t>Step 2: Update your UI with weather data</a:t>
+            </a:r>
+            <a:endParaRPr lang="en-US" dirty="0"/>
+          </a:p>
+        </p:txBody>
+      </p:sp>
+    </p:spTree>
+    <p:extLst>
+      <p:ext uri="{BB962C8B-B14F-4D97-AF65-F5344CB8AC3E}">
+        <p14:creationId xmlns:p14="http://schemas.microsoft.com/office/powerpoint/2010/main" val="2874239801"/>
+      </p:ext>
+    </p:extLst>
+  </p:cSld>
+  <p:clrMapOvr>
+    <a:masterClrMapping/>
+  </p:clrMapOvr>
+  <p:timing>
+    <p:tnLst>
+      <p:par>
+        <p:cTn xmlns:p14="http://schemas.microsoft.com/office/powerpoint/2010/main" id="1" dur="indefinite" restart="never" nodeType="tmRoot"/>
+      </p:par>
+    </p:tnLst>
+  </p:timing>
+</p:sld>
+</file>
+
+<file path=ppt/slides/slide27.xml><?xml version="1.0" encoding="utf-8"?>
+<p:sld xmlns:a="http://schemas.openxmlformats.org/drawingml/2006/main" xmlns:r="http://schemas.openxmlformats.org/officeDocument/2006/relationships" xmlns:p="http://schemas.openxmlformats.org/presentationml/2006/main">
+  <p:cSld>
+    <p:spTree>
+      <p:nvGrpSpPr>
+        <p:cNvPr id="1" name=""/>
+        <p:cNvGrpSpPr/>
+        <p:nvPr/>
+      </p:nvGrpSpPr>
+      <p:grpSpPr>
+        <a:xfrm>
+          <a:off x="0" y="0"/>
+          <a:ext cx="0" cy="0"/>
+          <a:chOff x="0" y="0"/>
+          <a:chExt cx="0" cy="0"/>
+        </a:xfrm>
+      </p:grpSpPr>
+      <p:sp>
+        <p:nvSpPr>
+          <p:cNvPr id="4" name="Rectangle 3"/>
+          <p:cNvSpPr/>
+          <p:nvPr/>
+        </p:nvSpPr>
+        <p:spPr>
+          <a:xfrm>
+            <a:off x="0" y="2520395"/>
+            <a:ext cx="9518147" cy="3693319"/>
+          </a:xfrm>
+          <a:prstGeom prst="rect">
+            <a:avLst/>
+          </a:prstGeom>
+        </p:spPr>
+        <p:txBody>
+          <a:bodyPr wrap="square">
+            <a:spAutoFit/>
+          </a:bodyPr>
+          <a:lstStyle/>
+          <a:p>
+            <a:r>
+              <a:rPr lang="en-US" dirty="0" err="1" smtClean="0">
+                <a:latin typeface="Courier New"/>
+                <a:cs typeface="Courier New"/>
+              </a:rPr>
+              <a:t>var</a:t>
+            </a:r>
+            <a:r>
+              <a:rPr lang="en-US" dirty="0" smtClean="0">
+                <a:latin typeface="Courier New"/>
+                <a:cs typeface="Courier New"/>
+              </a:rPr>
+              <a:t> </a:t>
+            </a:r>
+            <a:r>
+              <a:rPr lang="en-US" dirty="0" err="1">
+                <a:latin typeface="Courier New"/>
+                <a:cs typeface="Courier New"/>
+              </a:rPr>
+              <a:t>xmlhttp</a:t>
+            </a:r>
+            <a:r>
+              <a:rPr lang="en-US" dirty="0">
+                <a:latin typeface="Courier New"/>
+                <a:cs typeface="Courier New"/>
+              </a:rPr>
+              <a:t> = new </a:t>
+            </a:r>
+            <a:r>
+              <a:rPr lang="en-US" dirty="0" err="1">
+                <a:latin typeface="Courier New"/>
+                <a:cs typeface="Courier New"/>
+              </a:rPr>
+              <a:t>XMLHttpRequest</a:t>
+            </a:r>
+            <a:r>
+              <a:rPr lang="en-US" dirty="0">
+                <a:latin typeface="Courier New"/>
+                <a:cs typeface="Courier New"/>
+              </a:rPr>
+              <a:t>()</a:t>
+            </a:r>
+            <a:r>
+              <a:rPr lang="en-US" dirty="0" smtClean="0">
+                <a:latin typeface="Courier New"/>
+                <a:cs typeface="Courier New"/>
+              </a:rPr>
+              <a:t>;</a:t>
+            </a:r>
+          </a:p>
+          <a:p>
+            <a:endParaRPr lang="en-US" dirty="0" smtClean="0">
+              <a:latin typeface="Courier New"/>
+              <a:cs typeface="Courier New"/>
+            </a:endParaRPr>
+          </a:p>
+          <a:p>
+            <a:r>
+              <a:rPr lang="en-US" dirty="0" err="1" smtClean="0">
+                <a:latin typeface="Courier New"/>
+                <a:cs typeface="Courier New"/>
+              </a:rPr>
+              <a:t>xmlhttp.onreadystatechange</a:t>
+            </a:r>
+            <a:r>
+              <a:rPr lang="en-US" dirty="0" smtClean="0">
+                <a:latin typeface="Courier New"/>
+                <a:cs typeface="Courier New"/>
+              </a:rPr>
+              <a:t> = function</a:t>
+            </a:r>
+            <a:r>
+              <a:rPr lang="en-US" dirty="0">
+                <a:latin typeface="Courier New"/>
+                <a:cs typeface="Courier New"/>
+              </a:rPr>
+              <a:t>() {</a:t>
+            </a:r>
+          </a:p>
+          <a:p>
+            <a:r>
+              <a:rPr lang="en-US" dirty="0" smtClean="0">
+                <a:latin typeface="Courier New"/>
+                <a:cs typeface="Courier New"/>
+              </a:rPr>
+              <a:t>	if </a:t>
+            </a:r>
+            <a:r>
+              <a:rPr lang="en-US" dirty="0">
+                <a:latin typeface="Courier New"/>
+                <a:cs typeface="Courier New"/>
+              </a:rPr>
+              <a:t>(</a:t>
+            </a:r>
+            <a:r>
+              <a:rPr lang="en-US" dirty="0" err="1" smtClean="0">
+                <a:latin typeface="Courier New"/>
+                <a:cs typeface="Courier New"/>
+              </a:rPr>
+              <a:t>xmlhttp.readyState</a:t>
+            </a:r>
+            <a:r>
+              <a:rPr lang="en-US" dirty="0" smtClean="0">
+                <a:latin typeface="Courier New"/>
+                <a:cs typeface="Courier New"/>
+              </a:rPr>
+              <a:t> === 4 </a:t>
+            </a:r>
+            <a:r>
+              <a:rPr lang="en-US" dirty="0">
+                <a:latin typeface="Courier New"/>
+                <a:cs typeface="Courier New"/>
+              </a:rPr>
+              <a:t>&amp;&amp; </a:t>
+            </a:r>
+            <a:r>
+              <a:rPr lang="en-US" dirty="0" err="1" smtClean="0">
+                <a:latin typeface="Courier New"/>
+                <a:cs typeface="Courier New"/>
+              </a:rPr>
+              <a:t>xmlhttp.status</a:t>
+            </a:r>
+            <a:r>
+              <a:rPr lang="en-US" dirty="0" smtClean="0">
+                <a:latin typeface="Courier New"/>
+                <a:cs typeface="Courier New"/>
+              </a:rPr>
+              <a:t> === 200</a:t>
+            </a:r>
+            <a:r>
+              <a:rPr lang="en-US" dirty="0">
+                <a:latin typeface="Courier New"/>
+                <a:cs typeface="Courier New"/>
+              </a:rPr>
+              <a:t>) {</a:t>
+            </a:r>
+          </a:p>
+          <a:p>
+            <a:r>
+              <a:rPr lang="en-US" dirty="0">
+                <a:latin typeface="Courier New"/>
+                <a:cs typeface="Courier New"/>
+              </a:rPr>
+              <a:t>	</a:t>
+            </a:r>
+            <a:r>
+              <a:rPr lang="en-US" dirty="0" smtClean="0">
+                <a:latin typeface="Courier New"/>
+                <a:cs typeface="Courier New"/>
+              </a:rPr>
+              <a:t>	</a:t>
+            </a:r>
+            <a:r>
+              <a:rPr lang="en-US" dirty="0" err="1" smtClean="0">
+                <a:latin typeface="Courier New"/>
+                <a:cs typeface="Courier New"/>
+              </a:rPr>
+              <a:t>var</a:t>
+            </a:r>
+            <a:r>
+              <a:rPr lang="en-US" dirty="0" smtClean="0">
+                <a:latin typeface="Courier New"/>
+                <a:cs typeface="Courier New"/>
+              </a:rPr>
+              <a:t> condition= </a:t>
+            </a:r>
+            <a:r>
+              <a:rPr lang="en-US" dirty="0" err="1" smtClean="0">
+                <a:latin typeface="Courier New"/>
+                <a:cs typeface="Courier New"/>
+              </a:rPr>
+              <a:t>xmlhttp.responseXML.getElementsByTagName</a:t>
+            </a:r>
+            <a:r>
+              <a:rPr lang="en-US" dirty="0">
+                <a:latin typeface="Courier New"/>
+                <a:cs typeface="Courier New"/>
+              </a:rPr>
+              <a:t>("</a:t>
+            </a:r>
+            <a:r>
+              <a:rPr lang="en-US" dirty="0" smtClean="0">
+                <a:latin typeface="Courier New"/>
+                <a:cs typeface="Courier New"/>
+              </a:rPr>
+              <a:t>condition");</a:t>
+            </a:r>
+          </a:p>
+          <a:p>
+            <a:r>
+              <a:rPr lang="en-US" dirty="0">
+                <a:latin typeface="Courier New"/>
+                <a:cs typeface="Courier New"/>
+              </a:rPr>
+              <a:t>	</a:t>
+            </a:r>
+            <a:r>
+              <a:rPr lang="en-US" dirty="0" smtClean="0">
+                <a:latin typeface="Courier New"/>
+                <a:cs typeface="Courier New"/>
+              </a:rPr>
+              <a:t>	</a:t>
+            </a:r>
+            <a:r>
+              <a:rPr lang="en-US" dirty="0" err="1" smtClean="0">
+                <a:latin typeface="Courier New"/>
+                <a:cs typeface="Courier New"/>
+              </a:rPr>
+              <a:t>console.log</a:t>
+            </a:r>
+            <a:r>
+              <a:rPr lang="en-US" dirty="0">
+                <a:latin typeface="Courier New"/>
+                <a:cs typeface="Courier New"/>
+              </a:rPr>
+              <a:t>(condition[0].attributes['temp']);</a:t>
+            </a:r>
+          </a:p>
+          <a:p>
+            <a:r>
+              <a:rPr lang="en-US" dirty="0">
+                <a:latin typeface="Courier New"/>
+                <a:cs typeface="Courier New"/>
+              </a:rPr>
+              <a:t>	</a:t>
+            </a:r>
+            <a:r>
+              <a:rPr lang="en-US" dirty="0" smtClean="0">
+                <a:latin typeface="Courier New"/>
+                <a:cs typeface="Courier New"/>
+              </a:rPr>
+              <a:t>}</a:t>
+            </a:r>
+            <a:endParaRPr lang="en-US" dirty="0">
+              <a:latin typeface="Courier New"/>
+              <a:cs typeface="Courier New"/>
+            </a:endParaRPr>
+          </a:p>
+          <a:p>
+            <a:r>
+              <a:rPr lang="en-US" dirty="0" smtClean="0">
+                <a:latin typeface="Courier New"/>
+                <a:cs typeface="Courier New"/>
+              </a:rPr>
+              <a:t>};</a:t>
+            </a:r>
+          </a:p>
+          <a:p>
+            <a:endParaRPr lang="en-US" dirty="0">
+              <a:latin typeface="Courier New"/>
+              <a:cs typeface="Courier New"/>
+            </a:endParaRPr>
+          </a:p>
+          <a:p>
+            <a:r>
+              <a:rPr lang="en-US" dirty="0" err="1" smtClean="0">
+                <a:latin typeface="Courier New"/>
+                <a:cs typeface="Courier New"/>
+              </a:rPr>
+              <a:t>xmlhttp.open</a:t>
+            </a:r>
+            <a:r>
+              <a:rPr lang="en-US" dirty="0">
+                <a:latin typeface="Courier New"/>
+                <a:cs typeface="Courier New"/>
+              </a:rPr>
+              <a:t>("GET", "</a:t>
+            </a:r>
+            <a:r>
+              <a:rPr lang="en-US" dirty="0" smtClean="0">
+                <a:latin typeface="Courier New"/>
+                <a:cs typeface="Courier New"/>
+              </a:rPr>
+              <a:t>http</a:t>
+            </a:r>
+            <a:r>
+              <a:rPr lang="en-US" dirty="0">
+                <a:latin typeface="Courier New"/>
+                <a:cs typeface="Courier New"/>
+              </a:rPr>
+              <a:t>://</a:t>
+            </a:r>
+            <a:r>
+              <a:rPr lang="en-US" dirty="0" err="1">
+                <a:latin typeface="Courier New"/>
+                <a:cs typeface="Courier New"/>
+              </a:rPr>
+              <a:t>from.so</a:t>
+            </a:r>
+            <a:r>
+              <a:rPr lang="en-US" dirty="0">
+                <a:latin typeface="Courier New"/>
+                <a:cs typeface="Courier New"/>
+              </a:rPr>
+              <a:t>/</a:t>
+            </a:r>
+            <a:r>
+              <a:rPr lang="en-US" dirty="0" err="1">
+                <a:latin typeface="Courier New"/>
+                <a:cs typeface="Courier New"/>
+              </a:rPr>
+              <a:t>web_lab</a:t>
+            </a:r>
+            <a:r>
+              <a:rPr lang="en-US" dirty="0">
+                <a:latin typeface="Courier New"/>
+                <a:cs typeface="Courier New"/>
+              </a:rPr>
+              <a:t>/</a:t>
+            </a:r>
+            <a:r>
+              <a:rPr lang="en-US" dirty="0" err="1">
+                <a:latin typeface="Courier New"/>
+                <a:cs typeface="Courier New"/>
+              </a:rPr>
+              <a:t>pgh_weather.php</a:t>
+            </a:r>
+            <a:r>
+              <a:rPr lang="en-US" dirty="0">
+                <a:latin typeface="Courier New"/>
+                <a:cs typeface="Courier New"/>
+              </a:rPr>
+              <a:t>"</a:t>
+            </a:r>
+            <a:r>
+              <a:rPr lang="en-US" dirty="0" smtClean="0">
+                <a:latin typeface="Courier New"/>
+                <a:cs typeface="Courier New"/>
+              </a:rPr>
+              <a:t>);</a:t>
+            </a:r>
+          </a:p>
+          <a:p>
+            <a:endParaRPr lang="en-US" dirty="0">
+              <a:latin typeface="Courier New"/>
+              <a:cs typeface="Courier New"/>
+            </a:endParaRPr>
+          </a:p>
+          <a:p>
+            <a:r>
+              <a:rPr lang="en-US" dirty="0" err="1" smtClean="0">
+                <a:latin typeface="Courier New"/>
+                <a:cs typeface="Courier New"/>
+              </a:rPr>
+              <a:t>xmlhttp.send</a:t>
+            </a:r>
+            <a:r>
+              <a:rPr lang="en-US" dirty="0">
+                <a:latin typeface="Courier New"/>
+                <a:cs typeface="Courier New"/>
+              </a:rPr>
+              <a:t>();</a:t>
+            </a:r>
+          </a:p>
+        </p:txBody>
+      </p:sp>
+      <p:sp>
+        <p:nvSpPr>
+          <p:cNvPr id="5" name="Title 1"/>
+          <p:cNvSpPr>
+            <a:spLocks noGrp="1"/>
+          </p:cNvSpPr>
+          <p:nvPr>
+            <p:ph type="title"/>
+          </p:nvPr>
+        </p:nvSpPr>
+        <p:spPr>
+          <a:xfrm>
+            <a:off x="685800" y="121023"/>
+            <a:ext cx="7770813" cy="1429871"/>
+          </a:xfrm>
+        </p:spPr>
+        <p:txBody>
+          <a:bodyPr>
+            <a:normAutofit fontScale="90000"/>
+          </a:bodyPr>
+          <a:lstStyle/>
+          <a:p>
+            <a:r>
+              <a:rPr lang="en-US" dirty="0" smtClean="0"/>
+              <a:t>Step 2: Update your UI with weather data</a:t>
+            </a:r>
+            <a:endParaRPr lang="en-US" dirty="0"/>
+          </a:p>
+        </p:txBody>
+      </p:sp>
+    </p:spTree>
+    <p:extLst>
+      <p:ext uri="{BB962C8B-B14F-4D97-AF65-F5344CB8AC3E}">
+        <p14:creationId xmlns:p14="http://schemas.microsoft.com/office/powerpoint/2010/main" val="1398942979"/>
+      </p:ext>
+    </p:extLst>
+  </p:cSld>
+  <p:clrMapOvr>
+    <a:masterClrMapping/>
+  </p:clrMapOvr>
+  <p:timing>
+    <p:tnLst>
+      <p:par>
+        <p:cTn xmlns:p14="http://schemas.microsoft.com/office/powerpoint/2010/main" id="1" dur="indefinite" restart="never" nodeType="tmRoot"/>
+      </p:par>
+    </p:tnLst>
+  </p:timing>
+</p:sld>
+</file>
+
+<file path=ppt/slides/slide28.xml><?xml version="1.0" encoding="utf-8"?>
+<p:sld xmlns:a="http://schemas.openxmlformats.org/drawingml/2006/main" xmlns:r="http://schemas.openxmlformats.org/officeDocument/2006/relationships" xmlns:p="http://schemas.openxmlformats.org/presentationml/2006/main">
+  <p:cSld>
+    <p:spTree>
+      <p:nvGrpSpPr>
+        <p:cNvPr id="1" name=""/>
+        <p:cNvGrpSpPr/>
+        <p:nvPr/>
+      </p:nvGrpSpPr>
+      <p:grpSpPr>
+        <a:xfrm>
+          <a:off x="0" y="0"/>
+          <a:ext cx="0" cy="0"/>
+          <a:chOff x="0" y="0"/>
+          <a:chExt cx="0" cy="0"/>
+        </a:xfrm>
+      </p:grpSpPr>
+      <p:sp>
+        <p:nvSpPr>
           <p:cNvPr id="2" name="Title 1"/>
           <p:cNvSpPr>
             <a:spLocks noGrp="1"/>
@@ -12781,6 +13588,107 @@
           <a:p>
             <a:r>
               <a:rPr lang="en-US" dirty="0" smtClean="0"/>
+              <a:t>mid-course survey</a:t>
+            </a:r>
+            <a:endParaRPr lang="en-US" dirty="0"/>
+          </a:p>
+        </p:txBody>
+      </p:sp>
+      <p:sp>
+        <p:nvSpPr>
+          <p:cNvPr id="3" name="Content Placeholder 2"/>
+          <p:cNvSpPr>
+            <a:spLocks noGrp="1"/>
+          </p:cNvSpPr>
+          <p:nvPr>
+            <p:ph idx="1"/>
+          </p:nvPr>
+        </p:nvSpPr>
+        <p:spPr/>
+        <p:txBody>
+          <a:bodyPr/>
+          <a:lstStyle/>
+          <a:p>
+            <a:r>
+              <a:rPr lang="en-US" dirty="0" smtClean="0"/>
+              <a:t>http://</a:t>
+            </a:r>
+            <a:r>
+              <a:rPr lang="en-US" dirty="0" err="1" smtClean="0"/>
+              <a:t>bit.ly</a:t>
+            </a:r>
+            <a:r>
+              <a:rPr lang="en-US" dirty="0" smtClean="0"/>
+              <a:t>/</a:t>
+            </a:r>
+            <a:r>
+              <a:rPr lang="en-US" dirty="0" err="1" smtClean="0"/>
+              <a:t>ssuiwebmid</a:t>
+            </a:r>
+            <a:endParaRPr lang="en-US" dirty="0" smtClean="0"/>
+          </a:p>
+          <a:p>
+            <a:r>
+              <a:rPr lang="en-US" dirty="0" smtClean="0"/>
+              <a:t>(up to) 3 things that are going well</a:t>
+            </a:r>
+          </a:p>
+          <a:p>
+            <a:r>
+              <a:rPr lang="en-US" dirty="0" smtClean="0"/>
+              <a:t>(up to) 3 things that could be improved</a:t>
+            </a:r>
+            <a:endParaRPr lang="en-US" dirty="0"/>
+          </a:p>
+        </p:txBody>
+      </p:sp>
+    </p:spTree>
+    <p:extLst>
+      <p:ext uri="{BB962C8B-B14F-4D97-AF65-F5344CB8AC3E}">
+        <p14:creationId xmlns:p14="http://schemas.microsoft.com/office/powerpoint/2010/main" val="2084640160"/>
+      </p:ext>
+    </p:extLst>
+  </p:cSld>
+  <p:clrMapOvr>
+    <a:masterClrMapping/>
+  </p:clrMapOvr>
+</p:sld>
+</file>
+
+<file path=ppt/slides/slide4.xml><?xml version="1.0" encoding="utf-8"?>
+<p:sld xmlns:a="http://schemas.openxmlformats.org/drawingml/2006/main" xmlns:r="http://schemas.openxmlformats.org/officeDocument/2006/relationships" xmlns:p="http://schemas.openxmlformats.org/presentationml/2006/main">
+  <p:cSld>
+    <p:spTree>
+      <p:nvGrpSpPr>
+        <p:cNvPr id="1" name=""/>
+        <p:cNvGrpSpPr/>
+        <p:nvPr/>
+      </p:nvGrpSpPr>
+      <p:grpSpPr>
+        <a:xfrm>
+          <a:off x="0" y="0"/>
+          <a:ext cx="0" cy="0"/>
+          <a:chOff x="0" y="0"/>
+          <a:chExt cx="0" cy="0"/>
+        </a:xfrm>
+      </p:grpSpPr>
+      <p:sp>
+        <p:nvSpPr>
+          <p:cNvPr id="2" name="Title 1"/>
+          <p:cNvSpPr>
+            <a:spLocks noGrp="1"/>
+          </p:cNvSpPr>
+          <p:nvPr>
+            <p:ph type="title"/>
+          </p:nvPr>
+        </p:nvSpPr>
+        <p:spPr/>
+        <p:txBody>
+          <a:bodyPr/>
+          <a:lstStyle/>
+          <a:p>
+            <a:r>
+              <a:rPr lang="en-US" dirty="0" smtClean="0"/>
               <a:t>AJAX</a:t>
             </a:r>
             <a:endParaRPr lang="en-US" dirty="0"/>
@@ -12894,7 +13802,7 @@
 </p:sld>
 </file>
 
-<file path=ppt/slides/slide4.xml><?xml version="1.0" encoding="utf-8"?>
+<file path=ppt/slides/slide5.xml><?xml version="1.0" encoding="utf-8"?>
 <p:sld xmlns:a="http://schemas.openxmlformats.org/drawingml/2006/main" xmlns:r="http://schemas.openxmlformats.org/officeDocument/2006/relationships" xmlns:p="http://schemas.openxmlformats.org/presentationml/2006/main">
   <p:cSld>
     <p:spTree>
@@ -12983,7 +13891,7 @@
 </p:sld>
 </file>
 
-<file path=ppt/slides/slide5.xml><?xml version="1.0" encoding="utf-8"?>
+<file path=ppt/slides/slide6.xml><?xml version="1.0" encoding="utf-8"?>
 <p:sld xmlns:a="http://schemas.openxmlformats.org/drawingml/2006/main" xmlns:r="http://schemas.openxmlformats.org/officeDocument/2006/relationships" xmlns:p="http://schemas.openxmlformats.org/presentationml/2006/main">
   <p:cSld>
     <p:spTree>
@@ -13050,7 +13958,7 @@
 </p:sld>
 </file>
 
-<file path=ppt/slides/slide6.xml><?xml version="1.0" encoding="utf-8"?>
+<file path=ppt/slides/slide7.xml><?xml version="1.0" encoding="utf-8"?>
 <p:sld xmlns:a="http://schemas.openxmlformats.org/drawingml/2006/main" xmlns:r="http://schemas.openxmlformats.org/officeDocument/2006/relationships" xmlns:p="http://schemas.openxmlformats.org/presentationml/2006/main">
   <p:cSld>
     <p:spTree>
@@ -13330,263 +14238,6 @@
 </p:sld>
 </file>
 
-<file path=ppt/slides/slide7.xml><?xml version="1.0" encoding="utf-8"?>
-<p:sld xmlns:a="http://schemas.openxmlformats.org/drawingml/2006/main" xmlns:r="http://schemas.openxmlformats.org/officeDocument/2006/relationships" xmlns:p="http://schemas.openxmlformats.org/presentationml/2006/main">
-  <p:cSld>
-    <p:spTree>
-      <p:nvGrpSpPr>
-        <p:cNvPr id="1" name=""/>
-        <p:cNvGrpSpPr/>
-        <p:nvPr/>
-      </p:nvGrpSpPr>
-      <p:grpSpPr>
-        <a:xfrm>
-          <a:off x="0" y="0"/>
-          <a:ext cx="0" cy="0"/>
-          <a:chOff x="0" y="0"/>
-          <a:chExt cx="0" cy="0"/>
-        </a:xfrm>
-      </p:grpSpPr>
-      <p:sp>
-        <p:nvSpPr>
-          <p:cNvPr id="3" name="Content Placeholder 2"/>
-          <p:cNvSpPr>
-            <a:spLocks noGrp="1"/>
-          </p:cNvSpPr>
-          <p:nvPr>
-            <p:ph idx="1"/>
-          </p:nvPr>
-        </p:nvSpPr>
-        <p:spPr/>
-        <p:txBody>
-          <a:bodyPr/>
-          <a:lstStyle/>
-          <a:p>
-            <a:r>
-              <a:rPr lang="en-US" dirty="0" smtClean="0"/>
-              <a:t>“Should I wear a jacket today?”</a:t>
-            </a:r>
-          </a:p>
-          <a:p>
-            <a:r>
-              <a:rPr lang="en-US" dirty="0" smtClean="0"/>
-              <a:t>Going to use Yahoo! Weather API</a:t>
-            </a:r>
-          </a:p>
-          <a:p>
-            <a:pPr lvl="1"/>
-            <a:r>
-              <a:rPr lang="en-US" u="sng" dirty="0">
-                <a:solidFill>
-                  <a:schemeClr val="accent4">
-                    <a:lumMod val="60000"/>
-                    <a:lumOff val="40000"/>
-                  </a:schemeClr>
-                </a:solidFill>
-              </a:rPr>
-              <a:t>http://developer.yahoo.com/weather</a:t>
-            </a:r>
-            <a:r>
-              <a:rPr lang="en-US" u="sng" dirty="0" smtClean="0">
-                <a:solidFill>
-                  <a:schemeClr val="accent4">
-                    <a:lumMod val="60000"/>
-                    <a:lumOff val="40000"/>
-                  </a:schemeClr>
-                </a:solidFill>
-              </a:rPr>
-              <a:t>/</a:t>
-            </a:r>
-          </a:p>
-          <a:p>
-            <a:pPr lvl="1"/>
-            <a:r>
-              <a:rPr lang="en-US" dirty="0" smtClean="0"/>
-              <a:t>One of many available weather APIs</a:t>
-            </a:r>
-          </a:p>
-          <a:p>
-            <a:pPr lvl="1"/>
-            <a:r>
-              <a:rPr lang="en-US" dirty="0">
-                <a:solidFill>
-                  <a:srgbClr val="F6C16A"/>
-                </a:solidFill>
-              </a:rPr>
-              <a:t>http://</a:t>
-            </a:r>
-            <a:r>
-              <a:rPr lang="en-US" dirty="0" err="1">
-                <a:solidFill>
-                  <a:srgbClr val="F6C16A"/>
-                </a:solidFill>
-              </a:rPr>
-              <a:t>weather.yahooapis.com</a:t>
-            </a:r>
-            <a:r>
-              <a:rPr lang="en-US" dirty="0">
-                <a:solidFill>
-                  <a:srgbClr val="F6C16A"/>
-                </a:solidFill>
-              </a:rPr>
-              <a:t>/</a:t>
-            </a:r>
-            <a:r>
-              <a:rPr lang="en-US" dirty="0" err="1">
-                <a:solidFill>
-                  <a:srgbClr val="F6C16A"/>
-                </a:solidFill>
-              </a:rPr>
-              <a:t>forecastrss?w</a:t>
-            </a:r>
-            <a:r>
-              <a:rPr lang="en-US" dirty="0">
-                <a:solidFill>
-                  <a:srgbClr val="F6C16A"/>
-                </a:solidFill>
-              </a:rPr>
-              <a:t>=</a:t>
-            </a:r>
-            <a:r>
-              <a:rPr lang="en-US" dirty="0" smtClean="0">
-                <a:solidFill>
-                  <a:srgbClr val="F6C16A"/>
-                </a:solidFill>
-              </a:rPr>
-              <a:t>2473224</a:t>
-            </a:r>
-          </a:p>
-          <a:p>
-            <a:r>
-              <a:rPr lang="en-US" dirty="0" smtClean="0">
-                <a:solidFill>
-                  <a:srgbClr val="FFFFFF"/>
-                </a:solidFill>
-              </a:rPr>
-              <a:t>If you didn't last time then do it real quic</a:t>
-            </a:r>
-            <a:r>
-              <a:rPr lang="en-US" dirty="0" smtClean="0">
-                <a:solidFill>
-                  <a:srgbClr val="FFFFFF"/>
-                </a:solidFill>
-              </a:rPr>
-              <a:t>k now</a:t>
-            </a:r>
-            <a:r>
-              <a:rPr lang="en-US" dirty="0" smtClean="0">
-                <a:solidFill>
-                  <a:srgbClr val="FFFFFF"/>
-                </a:solidFill>
-              </a:rPr>
-              <a:t>:</a:t>
-            </a:r>
-            <a:endParaRPr lang="en-US" dirty="0" smtClean="0">
-              <a:solidFill>
-                <a:srgbClr val="FFFFFF"/>
-              </a:solidFill>
-            </a:endParaRPr>
-          </a:p>
-          <a:p>
-            <a:pPr lvl="1"/>
-            <a:r>
-              <a:rPr lang="en-US" dirty="0" smtClean="0">
-                <a:solidFill>
-                  <a:srgbClr val="FFFFFF"/>
-                </a:solidFill>
-              </a:rPr>
-              <a:t>Install </a:t>
-            </a:r>
-            <a:r>
-              <a:rPr lang="en-US" dirty="0" err="1" smtClean="0">
-                <a:solidFill>
-                  <a:srgbClr val="FFFFFF"/>
-                </a:solidFill>
-              </a:rPr>
-              <a:t>Node.js</a:t>
-            </a:r>
-            <a:r>
-              <a:rPr lang="en-US" dirty="0">
-                <a:solidFill>
-                  <a:srgbClr val="FFFFFF"/>
-                </a:solidFill>
-              </a:rPr>
-              <a:t>: </a:t>
-            </a:r>
-            <a:r>
-              <a:rPr lang="en-US" dirty="0">
-                <a:solidFill>
-                  <a:schemeClr val="accent4">
-                    <a:lumMod val="40000"/>
-                    <a:lumOff val="60000"/>
-                  </a:schemeClr>
-                </a:solidFill>
-              </a:rPr>
-              <a:t>http://</a:t>
-            </a:r>
-            <a:r>
-              <a:rPr lang="en-US" dirty="0" err="1">
-                <a:solidFill>
-                  <a:schemeClr val="accent4">
-                    <a:lumMod val="40000"/>
-                    <a:lumOff val="60000"/>
-                  </a:schemeClr>
-                </a:solidFill>
-              </a:rPr>
-              <a:t>nodejs.org</a:t>
-            </a:r>
-            <a:r>
-              <a:rPr lang="en-US" dirty="0" smtClean="0">
-                <a:solidFill>
-                  <a:schemeClr val="accent4">
-                    <a:lumMod val="40000"/>
-                    <a:lumOff val="60000"/>
-                  </a:schemeClr>
-                </a:solidFill>
-              </a:rPr>
-              <a:t>/</a:t>
-            </a:r>
-          </a:p>
-          <a:p>
-            <a:pPr lvl="1"/>
-            <a:endParaRPr lang="en-US" dirty="0" smtClean="0">
-              <a:solidFill>
-                <a:srgbClr val="FFFFFF"/>
-              </a:solidFill>
-            </a:endParaRPr>
-          </a:p>
-          <a:p>
-            <a:pPr lvl="1"/>
-            <a:endParaRPr lang="en-US" dirty="0"/>
-          </a:p>
-          <a:p>
-            <a:pPr marL="349250" lvl="1" indent="0">
-              <a:buNone/>
-            </a:pPr>
-            <a:endParaRPr lang="en-US" dirty="0"/>
-          </a:p>
-        </p:txBody>
-      </p:sp>
-    </p:spTree>
-    <p:extLst>
-      <p:ext uri="{BB962C8B-B14F-4D97-AF65-F5344CB8AC3E}">
-        <p14:creationId xmlns:p14="http://schemas.microsoft.com/office/powerpoint/2010/main" val="3054111063"/>
-      </p:ext>
-    </p:extLst>
-  </p:cSld>
-  <p:clrMapOvr>
-    <a:masterClrMapping/>
-  </p:clrMapOvr>
-  <p:timing>
-    <p:tnLst>
-      <p:par>
-        <p:cTn xmlns:p14="http://schemas.microsoft.com/office/powerpoint/2010/main" id="1" dur="indefinite" restart="never" nodeType="tmRoot"/>
-      </p:par>
-    </p:tnLst>
-  </p:timing>
-</p:sld>
-</file>
-
 <file path=ppt/slides/slide8.xml><?xml version="1.0" encoding="utf-8"?>
 <p:sld xmlns:a="http://schemas.openxmlformats.org/drawingml/2006/main" xmlns:r="http://schemas.openxmlformats.org/officeDocument/2006/relationships" xmlns:p="http://schemas.openxmlformats.org/presentationml/2006/main">
   <p:cSld>
@@ -13606,12 +14257,12 @@
       </p:grpSpPr>
       <p:sp>
         <p:nvSpPr>
-          <p:cNvPr id="2" name="Title 1"/>
-          <p:cNvSpPr>
-            <a:spLocks noGrp="1"/>
-          </p:cNvSpPr>
-          <p:nvPr>
-            <p:ph type="title"/>
+          <p:cNvPr id="3" name="Content Placeholder 2"/>
+          <p:cNvSpPr>
+            <a:spLocks noGrp="1"/>
+          </p:cNvSpPr>
+          <p:nvPr>
+            <p:ph idx="1"/>
           </p:nvPr>
         </p:nvSpPr>
         <p:spPr/>
@@ -13621,94 +14272,211 @@
           <a:p>
             <a:r>
               <a:rPr lang="en-US" dirty="0" smtClean="0"/>
-              <a:t>AJAX</a:t>
-            </a:r>
+              <a:t>“Should I wear a jacket today?”</a:t>
+            </a:r>
+          </a:p>
+          <a:p>
+            <a:r>
+              <a:rPr lang="en-US" dirty="0" smtClean="0"/>
+              <a:t>Going to use Yahoo! Weather API</a:t>
+            </a:r>
+          </a:p>
+          <a:p>
+            <a:pPr lvl="1"/>
+            <a:r>
+              <a:rPr lang="en-US" u="sng" dirty="0">
+                <a:solidFill>
+                  <a:schemeClr val="accent4">
+                    <a:lumMod val="60000"/>
+                    <a:lumOff val="40000"/>
+                  </a:schemeClr>
+                </a:solidFill>
+              </a:rPr>
+              <a:t>http://developer.yahoo.com/weather</a:t>
+            </a:r>
+            <a:r>
+              <a:rPr lang="en-US" u="sng" dirty="0" smtClean="0">
+                <a:solidFill>
+                  <a:schemeClr val="accent4">
+                    <a:lumMod val="60000"/>
+                    <a:lumOff val="40000"/>
+                  </a:schemeClr>
+                </a:solidFill>
+              </a:rPr>
+              <a:t>/</a:t>
+            </a:r>
+          </a:p>
+          <a:p>
+            <a:pPr lvl="1"/>
+            <a:r>
+              <a:rPr lang="en-US" dirty="0" smtClean="0"/>
+              <a:t>One of many available weather APIs</a:t>
+            </a:r>
+          </a:p>
+          <a:p>
+            <a:pPr lvl="1"/>
+            <a:r>
+              <a:rPr lang="en-US" dirty="0">
+                <a:solidFill>
+                  <a:srgbClr val="F6C16A"/>
+                </a:solidFill>
+              </a:rPr>
+              <a:t>http://</a:t>
+            </a:r>
+            <a:r>
+              <a:rPr lang="en-US" dirty="0" err="1">
+                <a:solidFill>
+                  <a:srgbClr val="F6C16A"/>
+                </a:solidFill>
+              </a:rPr>
+              <a:t>weather.yahooapis.com</a:t>
+            </a:r>
+            <a:r>
+              <a:rPr lang="en-US" dirty="0">
+                <a:solidFill>
+                  <a:srgbClr val="F6C16A"/>
+                </a:solidFill>
+              </a:rPr>
+              <a:t>/</a:t>
+            </a:r>
+            <a:r>
+              <a:rPr lang="en-US" dirty="0" err="1">
+                <a:solidFill>
+                  <a:srgbClr val="F6C16A"/>
+                </a:solidFill>
+              </a:rPr>
+              <a:t>forecastrss?w</a:t>
+            </a:r>
+            <a:r>
+              <a:rPr lang="en-US" dirty="0">
+                <a:solidFill>
+                  <a:srgbClr val="F6C16A"/>
+                </a:solidFill>
+              </a:rPr>
+              <a:t>=</a:t>
+            </a:r>
+            <a:r>
+              <a:rPr lang="en-US" dirty="0" smtClean="0">
+                <a:solidFill>
+                  <a:srgbClr val="F6C16A"/>
+                </a:solidFill>
+              </a:rPr>
+              <a:t>2473224</a:t>
+            </a:r>
+          </a:p>
+          <a:p>
+            <a:r>
+              <a:rPr lang="en-US" dirty="0" smtClean="0">
+                <a:solidFill>
+                  <a:srgbClr val="FFFFFF"/>
+                </a:solidFill>
+              </a:rPr>
+              <a:t>If you didn't last time then do it real quick now:</a:t>
+            </a:r>
+          </a:p>
+          <a:p>
+            <a:pPr lvl="1"/>
+            <a:r>
+              <a:rPr lang="en-US" dirty="0" smtClean="0">
+                <a:solidFill>
+                  <a:srgbClr val="FFFFFF"/>
+                </a:solidFill>
+              </a:rPr>
+              <a:t>Install </a:t>
+            </a:r>
+            <a:r>
+              <a:rPr lang="en-US" dirty="0" err="1" smtClean="0">
+                <a:solidFill>
+                  <a:srgbClr val="FFFFFF"/>
+                </a:solidFill>
+              </a:rPr>
+              <a:t>Node.js</a:t>
+            </a:r>
+            <a:r>
+              <a:rPr lang="en-US" dirty="0">
+                <a:solidFill>
+                  <a:srgbClr val="FFFFFF"/>
+                </a:solidFill>
+              </a:rPr>
+              <a:t>: </a:t>
+            </a:r>
+            <a:r>
+              <a:rPr lang="en-US" dirty="0">
+                <a:solidFill>
+                  <a:schemeClr val="accent4">
+                    <a:lumMod val="40000"/>
+                    <a:lumOff val="60000"/>
+                  </a:schemeClr>
+                </a:solidFill>
+              </a:rPr>
+              <a:t>http://</a:t>
+            </a:r>
+            <a:r>
+              <a:rPr lang="en-US" dirty="0" err="1">
+                <a:solidFill>
+                  <a:schemeClr val="accent4">
+                    <a:lumMod val="40000"/>
+                    <a:lumOff val="60000"/>
+                  </a:schemeClr>
+                </a:solidFill>
+              </a:rPr>
+              <a:t>nodejs.org</a:t>
+            </a:r>
+            <a:r>
+              <a:rPr lang="en-US" dirty="0" smtClean="0">
+                <a:solidFill>
+                  <a:schemeClr val="accent4">
+                    <a:lumMod val="40000"/>
+                    <a:lumOff val="60000"/>
+                  </a:schemeClr>
+                </a:solidFill>
+              </a:rPr>
+              <a:t>/</a:t>
+            </a:r>
+          </a:p>
+          <a:p>
+            <a:pPr lvl="1"/>
+            <a:endParaRPr lang="en-US" dirty="0" smtClean="0">
+              <a:solidFill>
+                <a:srgbClr val="FFFFFF"/>
+              </a:solidFill>
+            </a:endParaRPr>
+          </a:p>
+          <a:p>
+            <a:pPr lvl="1"/>
             <a:endParaRPr lang="en-US" dirty="0"/>
           </a:p>
-        </p:txBody>
-      </p:sp>
-      <p:sp>
-        <p:nvSpPr>
-          <p:cNvPr id="3" name="Content Placeholder 2"/>
-          <p:cNvSpPr>
-            <a:spLocks noGrp="1"/>
-          </p:cNvSpPr>
-          <p:nvPr>
-            <p:ph idx="1"/>
-          </p:nvPr>
-        </p:nvSpPr>
-        <p:spPr/>
-        <p:txBody>
-          <a:bodyPr>
-            <a:normAutofit/>
-          </a:bodyPr>
+          <a:p>
+            <a:pPr marL="349250" lvl="1" indent="0">
+              <a:buNone/>
+            </a:pPr>
+            <a:endParaRPr lang="en-US" dirty="0"/>
+          </a:p>
+        </p:txBody>
+      </p:sp>
+      <p:sp>
+        <p:nvSpPr>
+          <p:cNvPr id="4" name="Title 1"/>
+          <p:cNvSpPr>
+            <a:spLocks noGrp="1"/>
+          </p:cNvSpPr>
+          <p:nvPr>
+            <p:ph type="title"/>
+          </p:nvPr>
+        </p:nvSpPr>
+        <p:spPr>
+          <a:xfrm>
+            <a:off x="685800" y="121023"/>
+            <a:ext cx="7770813" cy="1429871"/>
+          </a:xfrm>
+        </p:spPr>
+        <p:txBody>
+          <a:bodyPr/>
           <a:lstStyle/>
           <a:p>
             <a:r>
-              <a:rPr lang="en-US" b="1" dirty="0" smtClean="0"/>
-              <a:t>Asynchronous</a:t>
-            </a:r>
-            <a:r>
               <a:rPr lang="en-US" dirty="0" smtClean="0"/>
-              <a:t> JavaScript &amp; XML</a:t>
-            </a:r>
-          </a:p>
-          <a:p>
-            <a:r>
-              <a:rPr lang="en-US" dirty="0" smtClean="0"/>
-              <a:t>Loads data from external services without refreshing page</a:t>
-            </a:r>
-          </a:p>
-          <a:p>
-            <a:r>
-              <a:rPr lang="en-US" dirty="0" smtClean="0"/>
-              <a:t>Defined “Web 2.0”</a:t>
-            </a:r>
-          </a:p>
-          <a:p>
-            <a:r>
-              <a:rPr lang="en-US" dirty="0" smtClean="0"/>
-              <a:t>Procedurally:</a:t>
-            </a:r>
-          </a:p>
-          <a:p>
-            <a:pPr lvl="1"/>
-            <a:r>
-              <a:rPr lang="en-US" dirty="0"/>
-              <a:t>Make an </a:t>
-            </a:r>
-            <a:r>
-              <a:rPr lang="en-US" b="1" dirty="0"/>
-              <a:t>asynchronous </a:t>
-            </a:r>
-            <a:r>
-              <a:rPr lang="en-US" dirty="0"/>
-              <a:t>call to an external API</a:t>
-            </a:r>
-          </a:p>
-          <a:p>
-            <a:pPr lvl="2"/>
-            <a:r>
-              <a:rPr lang="en-US" dirty="0"/>
-              <a:t>This call will return a value after some delay</a:t>
-            </a:r>
-          </a:p>
-          <a:p>
-            <a:pPr lvl="1"/>
-            <a:r>
-              <a:rPr lang="en-US" dirty="0"/>
-              <a:t>Show a loading message (good UI practice)</a:t>
-            </a:r>
-          </a:p>
-          <a:p>
-            <a:pPr lvl="1"/>
-            <a:r>
-              <a:rPr lang="en-US" dirty="0"/>
-              <a:t>Update the web page in response to the return value of the asynchronous </a:t>
-            </a:r>
-            <a:r>
-              <a:rPr lang="en-US" dirty="0" smtClean="0"/>
-              <a:t>call</a:t>
+              <a:t>Today:</a:t>
             </a:r>
             <a:endParaRPr lang="en-US" dirty="0"/>
           </a:p>
@@ -13717,7 +14485,7 @@
     </p:spTree>
     <p:extLst>
       <p:ext uri="{BB962C8B-B14F-4D97-AF65-F5344CB8AC3E}">
-        <p14:creationId xmlns:p14="http://schemas.microsoft.com/office/powerpoint/2010/main" val="4148729753"/>
+        <p14:creationId xmlns:p14="http://schemas.microsoft.com/office/powerpoint/2010/main" val="3054111063"/>
       </p:ext>
     </p:extLst>
   </p:cSld>
@@ -13786,59 +14554,85 @@
         </p:nvSpPr>
         <p:spPr/>
         <p:txBody>
-          <a:bodyPr/>
+          <a:bodyPr>
+            <a:normAutofit/>
+          </a:bodyPr>
           <a:lstStyle/>
           <a:p>
             <a:r>
+              <a:rPr lang="en-US" b="1" dirty="0" smtClean="0"/>
+              <a:t>Asynchronous</a:t>
+            </a:r>
+            <a:r>
               <a:rPr lang="en-US" dirty="0" smtClean="0"/>
-              <a:t>Done with </a:t>
-            </a:r>
-            <a:r>
-              <a:rPr lang="en-US" dirty="0" err="1" smtClean="0">
-                <a:latin typeface="Courier New"/>
-                <a:cs typeface="Courier New"/>
-              </a:rPr>
-              <a:t>XMLHttpRequest</a:t>
+              <a:t> JavaScript &amp; XML</a:t>
+            </a:r>
+          </a:p>
+          <a:p>
+            <a:r>
+              <a:rPr lang="en-US" dirty="0" smtClean="0"/>
+              <a:t>Loads data from external services without refreshing page</a:t>
+            </a:r>
+          </a:p>
+          <a:p>
+            <a:r>
+              <a:rPr lang="en-US" dirty="0" smtClean="0"/>
+              <a:t>Defined “Web 2.0”</a:t>
+            </a:r>
+          </a:p>
+          <a:p>
+            <a:r>
+              <a:rPr lang="en-US" dirty="0" smtClean="0"/>
+              <a:t>Procedurally:</a:t>
+            </a:r>
+          </a:p>
+          <a:p>
+            <a:pPr lvl="1"/>
+            <a:r>
+              <a:rPr lang="en-US" dirty="0"/>
+              <a:t>Make an </a:t>
+            </a:r>
+            <a:r>
+              <a:rPr lang="en-US" b="1" dirty="0"/>
+              <a:t>asynchronous </a:t>
+            </a:r>
+            <a:r>
+              <a:rPr lang="en-US" dirty="0"/>
+              <a:t>call to an external API</a:t>
+            </a:r>
+          </a:p>
+          <a:p>
+            <a:pPr lvl="2"/>
+            <a:r>
+              <a:rPr lang="en-US" dirty="0"/>
+              <a:t>This call will return a value after some delay</a:t>
+            </a:r>
+          </a:p>
+          <a:p>
+            <a:pPr lvl="1"/>
+            <a:r>
+              <a:rPr lang="en-US" dirty="0"/>
+              <a:t>Show a loading message (good UI practice)</a:t>
+            </a:r>
+          </a:p>
+          <a:p>
+            <a:pPr lvl="1"/>
+            <a:r>
+              <a:rPr lang="en-US" dirty="0"/>
+              <a:t>Update the web page in response to the return value of the asynchronous </a:t>
+            </a:r>
+            <a:r>
+              <a:rPr lang="en-US" dirty="0" smtClean="0"/>
+              <a:t>call</a:t>
             </a:r>
             <a:endParaRPr lang="en-US" dirty="0"/>
-          </a:p>
-          <a:p>
-            <a:pPr lvl="1"/>
-            <a:r>
-              <a:rPr lang="en-US" dirty="0" smtClean="0"/>
-              <a:t>API for sending requests to a web server within JavaScript</a:t>
-            </a:r>
-          </a:p>
-          <a:p>
-            <a:r>
-              <a:rPr lang="en-US" dirty="0" smtClean="0"/>
-              <a:t>Many libraries simplify the development of AJAX</a:t>
-            </a:r>
-          </a:p>
-          <a:p>
-            <a:pPr lvl="1"/>
-            <a:r>
-              <a:rPr lang="en-US" dirty="0" smtClean="0"/>
-              <a:t>…we won’t use any of them in this lecture</a:t>
-            </a:r>
-          </a:p>
-          <a:p>
-            <a:pPr lvl="1"/>
-            <a:r>
-              <a:rPr lang="en-US" dirty="0" smtClean="0"/>
-              <a:t>…but you may for your final projects</a:t>
-            </a:r>
-            <a:endParaRPr lang="en-US" dirty="0">
-              <a:latin typeface="Courier New"/>
-              <a:cs typeface="Courier New"/>
-            </a:endParaRPr>
           </a:p>
         </p:txBody>
       </p:sp>
     </p:spTree>
     <p:extLst>
       <p:ext uri="{BB962C8B-B14F-4D97-AF65-F5344CB8AC3E}">
-        <p14:creationId xmlns:p14="http://schemas.microsoft.com/office/powerpoint/2010/main" val="3467333126"/>
+        <p14:creationId xmlns:p14="http://schemas.microsoft.com/office/powerpoint/2010/main" val="4148729753"/>
       </p:ext>
     </p:extLst>
   </p:cSld>

--- a/week08/week08.pptx
+++ b/week08/week08.pptx
@@ -220,7 +220,7 @@
             <a:fld id="{A97C8422-C8B8-4BC4-B711-60DC022E0201}" type="datetimeFigureOut">
               <a:rPr lang="en-US" smtClean="0"/>
               <a:pPr/>
-              <a:t>10/15/14</a:t>
+              <a:t>10/16/14</a:t>
             </a:fld>
             <a:endParaRPr lang="en-US"/>
           </a:p>
@@ -1782,7 +1782,7 @@
             <a:fld id="{6534EC56-5BE0-CF40-A0E9-9B07941CA105}" type="datetimeFigureOut">
               <a:rPr lang="en-US" smtClean="0"/>
               <a:pPr/>
-              <a:t>10/15/14</a:t>
+              <a:t>10/16/14</a:t>
             </a:fld>
             <a:endParaRPr lang="en-US"/>
           </a:p>
@@ -2116,7 +2116,7 @@
             <a:fld id="{6534EC56-5BE0-CF40-A0E9-9B07941CA105}" type="datetimeFigureOut">
               <a:rPr lang="en-US" smtClean="0"/>
               <a:pPr/>
-              <a:t>10/15/14</a:t>
+              <a:t>10/16/14</a:t>
             </a:fld>
             <a:endParaRPr lang="en-US"/>
           </a:p>
@@ -2450,7 +2450,7 @@
             <a:fld id="{6534EC56-5BE0-CF40-A0E9-9B07941CA105}" type="datetimeFigureOut">
               <a:rPr lang="en-US" smtClean="0"/>
               <a:pPr/>
-              <a:t>10/15/14</a:t>
+              <a:t>10/16/14</a:t>
             </a:fld>
             <a:endParaRPr lang="en-US"/>
           </a:p>
@@ -2784,7 +2784,7 @@
             <a:fld id="{6534EC56-5BE0-CF40-A0E9-9B07941CA105}" type="datetimeFigureOut">
               <a:rPr lang="en-US" smtClean="0"/>
               <a:pPr/>
-              <a:t>10/15/14</a:t>
+              <a:t>10/16/14</a:t>
             </a:fld>
             <a:endParaRPr lang="en-US"/>
           </a:p>
@@ -3475,7 +3475,7 @@
             <a:fld id="{6534EC56-5BE0-CF40-A0E9-9B07941CA105}" type="datetimeFigureOut">
               <a:rPr lang="en-US" smtClean="0"/>
               <a:pPr/>
-              <a:t>10/15/14</a:t>
+              <a:t>10/16/14</a:t>
             </a:fld>
             <a:endParaRPr lang="en-US"/>
           </a:p>
@@ -3656,7 +3656,7 @@
             <a:fld id="{6534EC56-5BE0-CF40-A0E9-9B07941CA105}" type="datetimeFigureOut">
               <a:rPr lang="en-US" smtClean="0"/>
               <a:pPr/>
-              <a:t>10/15/14</a:t>
+              <a:t>10/16/14</a:t>
             </a:fld>
             <a:endParaRPr lang="en-US"/>
           </a:p>
@@ -3832,7 +3832,7 @@
             <a:fld id="{6534EC56-5BE0-CF40-A0E9-9B07941CA105}" type="datetimeFigureOut">
               <a:rPr lang="en-US" smtClean="0"/>
               <a:pPr/>
-              <a:t>10/15/14</a:t>
+              <a:t>10/16/14</a:t>
             </a:fld>
             <a:endParaRPr lang="en-US"/>
           </a:p>
@@ -4082,7 +4082,7 @@
             <a:fld id="{6534EC56-5BE0-CF40-A0E9-9B07941CA105}" type="datetimeFigureOut">
               <a:rPr lang="en-US" smtClean="0"/>
               <a:pPr/>
-              <a:t>10/15/14</a:t>
+              <a:t>10/16/14</a:t>
             </a:fld>
             <a:endParaRPr lang="en-US"/>
           </a:p>
@@ -4414,7 +4414,7 @@
             <a:fld id="{6534EC56-5BE0-CF40-A0E9-9B07941CA105}" type="datetimeFigureOut">
               <a:rPr lang="en-US" smtClean="0"/>
               <a:pPr/>
-              <a:t>10/15/14</a:t>
+              <a:t>10/16/14</a:t>
             </a:fld>
             <a:endParaRPr lang="en-US"/>
           </a:p>
@@ -4708,7 +4708,7 @@
             <a:fld id="{6534EC56-5BE0-CF40-A0E9-9B07941CA105}" type="datetimeFigureOut">
               <a:rPr lang="en-US" smtClean="0"/>
               <a:pPr/>
-              <a:t>10/15/14</a:t>
+              <a:t>10/16/14</a:t>
             </a:fld>
             <a:endParaRPr lang="en-US"/>
           </a:p>
@@ -5146,7 +5146,7 @@
             <a:fld id="{6534EC56-5BE0-CF40-A0E9-9B07941CA105}" type="datetimeFigureOut">
               <a:rPr lang="en-US" smtClean="0"/>
               <a:pPr/>
-              <a:t>10/15/14</a:t>
+              <a:t>10/16/14</a:t>
             </a:fld>
             <a:endParaRPr lang="en-US"/>
           </a:p>
@@ -5335,7 +5335,7 @@
             <a:fld id="{6534EC56-5BE0-CF40-A0E9-9B07941CA105}" type="datetimeFigureOut">
               <a:rPr lang="en-US" smtClean="0"/>
               <a:pPr/>
-              <a:t>10/15/14</a:t>
+              <a:t>10/16/14</a:t>
             </a:fld>
             <a:endParaRPr lang="en-US"/>
           </a:p>
@@ -5427,7 +5427,7 @@
             <a:fld id="{6534EC56-5BE0-CF40-A0E9-9B07941CA105}" type="datetimeFigureOut">
               <a:rPr lang="en-US" smtClean="0"/>
               <a:pPr/>
-              <a:t>10/15/14</a:t>
+              <a:t>10/16/14</a:t>
             </a:fld>
             <a:endParaRPr lang="en-US"/>
           </a:p>
@@ -5710,7 +5710,7 @@
             <a:fld id="{6534EC56-5BE0-CF40-A0E9-9B07941CA105}" type="datetimeFigureOut">
               <a:rPr lang="en-US" smtClean="0"/>
               <a:pPr/>
-              <a:t>10/15/14</a:t>
+              <a:t>10/16/14</a:t>
             </a:fld>
             <a:endParaRPr lang="en-US"/>
           </a:p>
@@ -5933,7 +5933,7 @@
             <a:fld id="{6534EC56-5BE0-CF40-A0E9-9B07941CA105}" type="datetimeFigureOut">
               <a:rPr lang="en-US" smtClean="0"/>
               <a:pPr/>
-              <a:t>10/15/14</a:t>
+              <a:t>10/16/14</a:t>
             </a:fld>
             <a:endParaRPr lang="en-US"/>
           </a:p>
@@ -6770,13 +6770,8 @@
             </a:r>
             <a:r>
               <a:rPr lang="en-US" sz="2400" dirty="0" smtClean="0"/>
-              <a:t>called, response headers have been </a:t>
-            </a:r>
-            <a:r>
-              <a:rPr lang="en-US" sz="2400" dirty="0" smtClean="0"/>
-              <a:t>received</a:t>
-            </a:r>
-            <a:endParaRPr lang="en-US" sz="2400" dirty="0" smtClean="0"/>
+              <a:t>called, response headers have been received</a:t>
+            </a:r>
           </a:p>
           <a:p>
             <a:pPr lvl="1"/>
@@ -7387,13 +7382,8 @@
             </a:r>
             <a:r>
               <a:rPr lang="en-US" sz="1550" dirty="0" smtClean="0"/>
-              <a:t>called, response headers have been </a:t>
-            </a:r>
-            <a:r>
-              <a:rPr lang="en-US" sz="1550" dirty="0" smtClean="0"/>
-              <a:t>received</a:t>
-            </a:r>
-            <a:endParaRPr lang="en-US" sz="1550" dirty="0" smtClean="0"/>
+              <a:t>called, response headers have been received</a:t>
+            </a:r>
           </a:p>
           <a:p>
             <a:pPr lvl="1"/>
@@ -8346,6 +8336,13 @@
   <p:clrMapOvr>
     <a:masterClrMapping/>
   </p:clrMapOvr>
+  <p:timing>
+    <p:tnLst>
+      <p:par>
+        <p:cTn xmlns:p14="http://schemas.microsoft.com/office/powerpoint/2010/main" id="1" dur="indefinite" restart="never" nodeType="tmRoot"/>
+      </p:par>
+    </p:tnLst>
+  </p:timing>
 </p:sld>
 </file>
 
@@ -9089,7 +9086,7 @@
                 <a:latin typeface="Courier New"/>
                 <a:cs typeface="Courier New"/>
               </a:rPr>
-              <a:t>”http</a:t>
+              <a:t>"http</a:t>
             </a:r>
             <a:r>
               <a:rPr lang="en-US" dirty="0">
@@ -9616,7 +9613,7 @@
                 <a:latin typeface="Courier New"/>
                 <a:cs typeface="Courier New"/>
               </a:rPr>
-              <a:t>”http</a:t>
+              <a:t>"http</a:t>
             </a:r>
             <a:r>
               <a:rPr lang="en-US" dirty="0">
@@ -10149,7 +10146,7 @@
                 <a:latin typeface="Courier New"/>
                 <a:cs typeface="Courier New"/>
               </a:rPr>
-              <a:t>”http</a:t>
+              <a:t>"http</a:t>
             </a:r>
             <a:r>
               <a:rPr lang="en-US" dirty="0">
@@ -10418,6 +10415,13 @@
   <p:clrMapOvr>
     <a:masterClrMapping/>
   </p:clrMapOvr>
+  <p:timing>
+    <p:tnLst>
+      <p:par>
+        <p:cTn xmlns:p14="http://schemas.microsoft.com/office/powerpoint/2010/main" id="1" dur="indefinite" restart="never" nodeType="tmRoot"/>
+      </p:par>
+    </p:tnLst>
+  </p:timing>
 </p:sld>
 </file>
 
@@ -10804,7 +10808,7 @@
                 <a:latin typeface="Courier New"/>
                 <a:cs typeface="Courier New"/>
               </a:rPr>
-              <a:t>”http</a:t>
+              <a:t>"http</a:t>
             </a:r>
             <a:r>
               <a:rPr lang="en-US" dirty="0">
@@ -11298,7 +11302,7 @@
                 <a:latin typeface="Courier New"/>
                 <a:cs typeface="Courier New"/>
               </a:rPr>
-              <a:t>”http</a:t>
+              <a:t>"http</a:t>
             </a:r>
             <a:r>
               <a:rPr lang="en-US" dirty="0">
@@ -11984,7 +11988,7 @@
                 <a:latin typeface="Courier New"/>
                 <a:cs typeface="Courier New"/>
               </a:rPr>
-              <a:t>”http</a:t>
+              <a:t>"http</a:t>
             </a:r>
             <a:r>
               <a:rPr lang="en-US" dirty="0">
@@ -13551,6 +13555,13 @@
   <p:clrMapOvr>
     <a:masterClrMapping/>
   </p:clrMapOvr>
+  <p:timing>
+    <p:tnLst>
+      <p:par>
+        <p:cTn xmlns:p14="http://schemas.microsoft.com/office/powerpoint/2010/main" id="1" dur="indefinite" restart="never" nodeType="tmRoot"/>
+      </p:par>
+    </p:tnLst>
+  </p:timing>
 </p:sld>
 </file>
 
@@ -13652,6 +13663,13 @@
   <p:clrMapOvr>
     <a:masterClrMapping/>
   </p:clrMapOvr>
+  <p:timing>
+    <p:tnLst>
+      <p:par>
+        <p:cTn xmlns:p14="http://schemas.microsoft.com/office/powerpoint/2010/main" id="1" dur="indefinite" restart="never" nodeType="tmRoot"/>
+      </p:par>
+    </p:tnLst>
+  </p:timing>
 </p:sld>
 </file>
 

--- a/week08/week08.pptx
+++ b/week08/week08.pptx
@@ -220,7 +220,7 @@
             <a:fld id="{A97C8422-C8B8-4BC4-B711-60DC022E0201}" type="datetimeFigureOut">
               <a:rPr lang="en-US" smtClean="0"/>
               <a:pPr/>
-              <a:t>10/16/14</a:t>
+              <a:t>10/21/14</a:t>
             </a:fld>
             <a:endParaRPr lang="en-US"/>
           </a:p>
@@ -1782,7 +1782,7 @@
             <a:fld id="{6534EC56-5BE0-CF40-A0E9-9B07941CA105}" type="datetimeFigureOut">
               <a:rPr lang="en-US" smtClean="0"/>
               <a:pPr/>
-              <a:t>10/16/14</a:t>
+              <a:t>10/21/14</a:t>
             </a:fld>
             <a:endParaRPr lang="en-US"/>
           </a:p>
@@ -2116,7 +2116,7 @@
             <a:fld id="{6534EC56-5BE0-CF40-A0E9-9B07941CA105}" type="datetimeFigureOut">
               <a:rPr lang="en-US" smtClean="0"/>
               <a:pPr/>
-              <a:t>10/16/14</a:t>
+              <a:t>10/21/14</a:t>
             </a:fld>
             <a:endParaRPr lang="en-US"/>
           </a:p>
@@ -2450,7 +2450,7 @@
             <a:fld id="{6534EC56-5BE0-CF40-A0E9-9B07941CA105}" type="datetimeFigureOut">
               <a:rPr lang="en-US" smtClean="0"/>
               <a:pPr/>
-              <a:t>10/16/14</a:t>
+              <a:t>10/21/14</a:t>
             </a:fld>
             <a:endParaRPr lang="en-US"/>
           </a:p>
@@ -2784,7 +2784,7 @@
             <a:fld id="{6534EC56-5BE0-CF40-A0E9-9B07941CA105}" type="datetimeFigureOut">
               <a:rPr lang="en-US" smtClean="0"/>
               <a:pPr/>
-              <a:t>10/16/14</a:t>
+              <a:t>10/21/14</a:t>
             </a:fld>
             <a:endParaRPr lang="en-US"/>
           </a:p>
@@ -3475,7 +3475,7 @@
             <a:fld id="{6534EC56-5BE0-CF40-A0E9-9B07941CA105}" type="datetimeFigureOut">
               <a:rPr lang="en-US" smtClean="0"/>
               <a:pPr/>
-              <a:t>10/16/14</a:t>
+              <a:t>10/21/14</a:t>
             </a:fld>
             <a:endParaRPr lang="en-US"/>
           </a:p>
@@ -3656,7 +3656,7 @@
             <a:fld id="{6534EC56-5BE0-CF40-A0E9-9B07941CA105}" type="datetimeFigureOut">
               <a:rPr lang="en-US" smtClean="0"/>
               <a:pPr/>
-              <a:t>10/16/14</a:t>
+              <a:t>10/21/14</a:t>
             </a:fld>
             <a:endParaRPr lang="en-US"/>
           </a:p>
@@ -3832,7 +3832,7 @@
             <a:fld id="{6534EC56-5BE0-CF40-A0E9-9B07941CA105}" type="datetimeFigureOut">
               <a:rPr lang="en-US" smtClean="0"/>
               <a:pPr/>
-              <a:t>10/16/14</a:t>
+              <a:t>10/21/14</a:t>
             </a:fld>
             <a:endParaRPr lang="en-US"/>
           </a:p>
@@ -4082,7 +4082,7 @@
             <a:fld id="{6534EC56-5BE0-CF40-A0E9-9B07941CA105}" type="datetimeFigureOut">
               <a:rPr lang="en-US" smtClean="0"/>
               <a:pPr/>
-              <a:t>10/16/14</a:t>
+              <a:t>10/21/14</a:t>
             </a:fld>
             <a:endParaRPr lang="en-US"/>
           </a:p>
@@ -4414,7 +4414,7 @@
             <a:fld id="{6534EC56-5BE0-CF40-A0E9-9B07941CA105}" type="datetimeFigureOut">
               <a:rPr lang="en-US" smtClean="0"/>
               <a:pPr/>
-              <a:t>10/16/14</a:t>
+              <a:t>10/21/14</a:t>
             </a:fld>
             <a:endParaRPr lang="en-US"/>
           </a:p>
@@ -4708,7 +4708,7 @@
             <a:fld id="{6534EC56-5BE0-CF40-A0E9-9B07941CA105}" type="datetimeFigureOut">
               <a:rPr lang="en-US" smtClean="0"/>
               <a:pPr/>
-              <a:t>10/16/14</a:t>
+              <a:t>10/21/14</a:t>
             </a:fld>
             <a:endParaRPr lang="en-US"/>
           </a:p>
@@ -5146,7 +5146,7 @@
             <a:fld id="{6534EC56-5BE0-CF40-A0E9-9B07941CA105}" type="datetimeFigureOut">
               <a:rPr lang="en-US" smtClean="0"/>
               <a:pPr/>
-              <a:t>10/16/14</a:t>
+              <a:t>10/21/14</a:t>
             </a:fld>
             <a:endParaRPr lang="en-US"/>
           </a:p>
@@ -5335,7 +5335,7 @@
             <a:fld id="{6534EC56-5BE0-CF40-A0E9-9B07941CA105}" type="datetimeFigureOut">
               <a:rPr lang="en-US" smtClean="0"/>
               <a:pPr/>
-              <a:t>10/16/14</a:t>
+              <a:t>10/21/14</a:t>
             </a:fld>
             <a:endParaRPr lang="en-US"/>
           </a:p>
@@ -5427,7 +5427,7 @@
             <a:fld id="{6534EC56-5BE0-CF40-A0E9-9B07941CA105}" type="datetimeFigureOut">
               <a:rPr lang="en-US" smtClean="0"/>
               <a:pPr/>
-              <a:t>10/16/14</a:t>
+              <a:t>10/21/14</a:t>
             </a:fld>
             <a:endParaRPr lang="en-US"/>
           </a:p>
@@ -5710,7 +5710,7 @@
             <a:fld id="{6534EC56-5BE0-CF40-A0E9-9B07941CA105}" type="datetimeFigureOut">
               <a:rPr lang="en-US" smtClean="0"/>
               <a:pPr/>
-              <a:t>10/16/14</a:t>
+              <a:t>10/21/14</a:t>
             </a:fld>
             <a:endParaRPr lang="en-US"/>
           </a:p>
@@ -5933,7 +5933,7 @@
             <a:fld id="{6534EC56-5BE0-CF40-A0E9-9B07941CA105}" type="datetimeFigureOut">
               <a:rPr lang="en-US" smtClean="0"/>
               <a:pPr/>
-              <a:t>10/16/14</a:t>
+              <a:t>10/21/14</a:t>
             </a:fld>
             <a:endParaRPr lang="en-US"/>
           </a:p>
@@ -8371,7 +8371,7 @@
         </p:nvSpPr>
         <p:spPr>
           <a:xfrm>
-            <a:off x="547945" y="2046246"/>
+            <a:off x="547945" y="2069337"/>
             <a:ext cx="8852227" cy="3139321"/>
           </a:xfrm>
           <a:prstGeom prst="rect">
